--- a/Presentation Slides/0820_SpMix_fmlogcondens.pptx
+++ b/Presentation Slides/0820_SpMix_fmlogcondens.pptx
@@ -5,27 +5,24 @@
     <p:sldMasterId id="2147483648" r:id="rId1"/>
   </p:sldMasterIdLst>
   <p:notesMasterIdLst>
-    <p:notesMasterId r:id="rId20"/>
+    <p:notesMasterId r:id="rId17"/>
   </p:notesMasterIdLst>
   <p:sldIdLst>
     <p:sldId id="370" r:id="rId2"/>
     <p:sldId id="371" r:id="rId3"/>
-    <p:sldId id="321" r:id="rId4"/>
-    <p:sldId id="373" r:id="rId5"/>
-    <p:sldId id="374" r:id="rId6"/>
-    <p:sldId id="375" r:id="rId7"/>
-    <p:sldId id="376" r:id="rId8"/>
-    <p:sldId id="377" r:id="rId9"/>
-    <p:sldId id="378" r:id="rId10"/>
-    <p:sldId id="379" r:id="rId11"/>
-    <p:sldId id="380" r:id="rId12"/>
-    <p:sldId id="381" r:id="rId13"/>
-    <p:sldId id="382" r:id="rId14"/>
-    <p:sldId id="385" r:id="rId15"/>
-    <p:sldId id="387" r:id="rId16"/>
-    <p:sldId id="386" r:id="rId17"/>
-    <p:sldId id="383" r:id="rId18"/>
-    <p:sldId id="384" r:id="rId19"/>
+    <p:sldId id="352" r:id="rId4"/>
+    <p:sldId id="388" r:id="rId5"/>
+    <p:sldId id="389" r:id="rId6"/>
+    <p:sldId id="390" r:id="rId7"/>
+    <p:sldId id="391" r:id="rId8"/>
+    <p:sldId id="392" r:id="rId9"/>
+    <p:sldId id="393" r:id="rId10"/>
+    <p:sldId id="394" r:id="rId11"/>
+    <p:sldId id="321" r:id="rId12"/>
+    <p:sldId id="396" r:id="rId13"/>
+    <p:sldId id="397" r:id="rId14"/>
+    <p:sldId id="398" r:id="rId15"/>
+    <p:sldId id="395" r:id="rId16"/>
   </p:sldIdLst>
   <p:sldSz cx="12192000" cy="6858000"/>
   <p:notesSz cx="6858000" cy="9144000"/>
@@ -214,7 +211,7 @@
           <a:p>
             <a:fld id="{FB957D31-5E66-4B7F-9BC0-F3E9B57C7C0C}" type="datetimeFigureOut">
               <a:rPr lang="ko-KR" altLang="en-US" smtClean="0"/>
-              <a:t>2021-08-13</a:t>
+              <a:t>2021. 8. 19.</a:t>
             </a:fld>
             <a:endParaRPr lang="ko-KR" altLang="en-US"/>
           </a:p>
@@ -562,7 +559,7 @@
           <a:p>
             <a:fld id="{771E0FB0-3C61-402D-BAEE-59161479CB3E}" type="slidenum">
               <a:rPr lang="ko-KR" altLang="en-US" smtClean="0"/>
-              <a:t>3</a:t>
+              <a:t>4</a:t>
             </a:fld>
             <a:endParaRPr lang="ko-KR" altLang="en-US"/>
           </a:p>
@@ -571,7 +568,7 @@
     </p:spTree>
     <p:extLst>
       <p:ext uri="{BB962C8B-B14F-4D97-AF65-F5344CB8AC3E}">
-        <p14:creationId xmlns:p14="http://schemas.microsoft.com/office/powerpoint/2010/main" val="2780047974"/>
+        <p14:creationId xmlns:p14="http://schemas.microsoft.com/office/powerpoint/2010/main" val="421911214"/>
       </p:ext>
     </p:extLst>
   </p:cSld>
@@ -662,7 +659,7 @@
           <a:p>
             <a:fld id="{771E0FB0-3C61-402D-BAEE-59161479CB3E}" type="slidenum">
               <a:rPr lang="ko-KR" altLang="en-US" smtClean="0"/>
-              <a:t>12</a:t>
+              <a:t>14</a:t>
             </a:fld>
             <a:endParaRPr lang="ko-KR" altLang="en-US"/>
           </a:p>
@@ -671,7 +668,7 @@
     </p:spTree>
     <p:extLst>
       <p:ext uri="{BB962C8B-B14F-4D97-AF65-F5344CB8AC3E}">
-        <p14:creationId xmlns:p14="http://schemas.microsoft.com/office/powerpoint/2010/main" val="965411964"/>
+        <p14:creationId xmlns:p14="http://schemas.microsoft.com/office/powerpoint/2010/main" val="2639378456"/>
       </p:ext>
     </p:extLst>
   </p:cSld>
@@ -762,7 +759,7 @@
           <a:p>
             <a:fld id="{771E0FB0-3C61-402D-BAEE-59161479CB3E}" type="slidenum">
               <a:rPr lang="ko-KR" altLang="en-US" smtClean="0"/>
-              <a:t>13</a:t>
+              <a:t>15</a:t>
             </a:fld>
             <a:endParaRPr lang="ko-KR" altLang="en-US"/>
           </a:p>
@@ -771,507 +768,7 @@
     </p:spTree>
     <p:extLst>
       <p:ext uri="{BB962C8B-B14F-4D97-AF65-F5344CB8AC3E}">
-        <p14:creationId xmlns:p14="http://schemas.microsoft.com/office/powerpoint/2010/main" val="312341300"/>
-      </p:ext>
-    </p:extLst>
-  </p:cSld>
-  <p:clrMapOvr>
-    <a:masterClrMapping/>
-  </p:clrMapOvr>
-</p:notes>
-</file>
-
-<file path=ppt/notesSlides/notesSlide12.xml><?xml version="1.0" encoding="utf-8"?>
-<p:notes xmlns:a="http://schemas.openxmlformats.org/drawingml/2006/main" xmlns:r="http://schemas.openxmlformats.org/officeDocument/2006/relationships" xmlns:p="http://schemas.openxmlformats.org/presentationml/2006/main">
-  <p:cSld>
-    <p:spTree>
-      <p:nvGrpSpPr>
-        <p:cNvPr id="1" name=""/>
-        <p:cNvGrpSpPr/>
-        <p:nvPr/>
-      </p:nvGrpSpPr>
-      <p:grpSpPr>
-        <a:xfrm>
-          <a:off x="0" y="0"/>
-          <a:ext cx="0" cy="0"/>
-          <a:chOff x="0" y="0"/>
-          <a:chExt cx="0" cy="0"/>
-        </a:xfrm>
-      </p:grpSpPr>
-      <p:sp>
-        <p:nvSpPr>
-          <p:cNvPr id="2" name="슬라이드 이미지 개체 틀 1"/>
-          <p:cNvSpPr>
-            <a:spLocks noGrp="1" noRot="1" noChangeAspect="1"/>
-          </p:cNvSpPr>
-          <p:nvPr>
-            <p:ph type="sldImg"/>
-          </p:nvPr>
-        </p:nvSpPr>
-        <p:spPr/>
-      </p:sp>
-      <p:sp>
-        <p:nvSpPr>
-          <p:cNvPr id="3" name="슬라이드 노트 개체 틀 2"/>
-          <p:cNvSpPr>
-            <a:spLocks noGrp="1"/>
-          </p:cNvSpPr>
-          <p:nvPr>
-            <p:ph type="body" idx="1"/>
-          </p:nvPr>
-        </p:nvSpPr>
-        <p:spPr/>
-        <p:txBody>
-          <a:bodyPr/>
-          <a:lstStyle/>
-          <a:p>
-            <a:r>
-              <a:rPr lang="ko-KR" altLang="en-US" dirty="0"/>
-              <a:t>심리학에서 나온 자극</a:t>
-            </a:r>
-            <a:r>
-              <a:rPr lang="en-US" altLang="ko-KR" dirty="0"/>
-              <a:t>-</a:t>
-            </a:r>
-            <a:r>
-              <a:rPr lang="ko-KR" altLang="en-US" baseline="0" dirty="0"/>
-              <a:t>반응의 이론을 토대로</a:t>
-            </a:r>
-            <a:r>
-              <a:rPr lang="en-US" altLang="ko-KR" baseline="0" dirty="0"/>
-              <a:t>,</a:t>
-            </a:r>
-            <a:endParaRPr lang="ko-KR" altLang="en-US" dirty="0"/>
-          </a:p>
-        </p:txBody>
-      </p:sp>
-      <p:sp>
-        <p:nvSpPr>
-          <p:cNvPr id="4" name="슬라이드 번호 개체 틀 3"/>
-          <p:cNvSpPr>
-            <a:spLocks noGrp="1"/>
-          </p:cNvSpPr>
-          <p:nvPr>
-            <p:ph type="sldNum" sz="quarter" idx="10"/>
-          </p:nvPr>
-        </p:nvSpPr>
-        <p:spPr/>
-        <p:txBody>
-          <a:bodyPr/>
-          <a:lstStyle/>
-          <a:p>
-            <a:fld id="{771E0FB0-3C61-402D-BAEE-59161479CB3E}" type="slidenum">
-              <a:rPr lang="ko-KR" altLang="en-US" smtClean="0"/>
-              <a:t>14</a:t>
-            </a:fld>
-            <a:endParaRPr lang="ko-KR" altLang="en-US"/>
-          </a:p>
-        </p:txBody>
-      </p:sp>
-    </p:spTree>
-    <p:extLst>
-      <p:ext uri="{BB962C8B-B14F-4D97-AF65-F5344CB8AC3E}">
-        <p14:creationId xmlns:p14="http://schemas.microsoft.com/office/powerpoint/2010/main" val="1612513225"/>
-      </p:ext>
-    </p:extLst>
-  </p:cSld>
-  <p:clrMapOvr>
-    <a:masterClrMapping/>
-  </p:clrMapOvr>
-</p:notes>
-</file>
-
-<file path=ppt/notesSlides/notesSlide13.xml><?xml version="1.0" encoding="utf-8"?>
-<p:notes xmlns:a="http://schemas.openxmlformats.org/drawingml/2006/main" xmlns:r="http://schemas.openxmlformats.org/officeDocument/2006/relationships" xmlns:p="http://schemas.openxmlformats.org/presentationml/2006/main">
-  <p:cSld>
-    <p:spTree>
-      <p:nvGrpSpPr>
-        <p:cNvPr id="1" name=""/>
-        <p:cNvGrpSpPr/>
-        <p:nvPr/>
-      </p:nvGrpSpPr>
-      <p:grpSpPr>
-        <a:xfrm>
-          <a:off x="0" y="0"/>
-          <a:ext cx="0" cy="0"/>
-          <a:chOff x="0" y="0"/>
-          <a:chExt cx="0" cy="0"/>
-        </a:xfrm>
-      </p:grpSpPr>
-      <p:sp>
-        <p:nvSpPr>
-          <p:cNvPr id="2" name="슬라이드 이미지 개체 틀 1"/>
-          <p:cNvSpPr>
-            <a:spLocks noGrp="1" noRot="1" noChangeAspect="1"/>
-          </p:cNvSpPr>
-          <p:nvPr>
-            <p:ph type="sldImg"/>
-          </p:nvPr>
-        </p:nvSpPr>
-        <p:spPr/>
-      </p:sp>
-      <p:sp>
-        <p:nvSpPr>
-          <p:cNvPr id="3" name="슬라이드 노트 개체 틀 2"/>
-          <p:cNvSpPr>
-            <a:spLocks noGrp="1"/>
-          </p:cNvSpPr>
-          <p:nvPr>
-            <p:ph type="body" idx="1"/>
-          </p:nvPr>
-        </p:nvSpPr>
-        <p:spPr/>
-        <p:txBody>
-          <a:bodyPr/>
-          <a:lstStyle/>
-          <a:p>
-            <a:r>
-              <a:rPr lang="ko-KR" altLang="en-US" dirty="0"/>
-              <a:t>심리학에서 나온 자극</a:t>
-            </a:r>
-            <a:r>
-              <a:rPr lang="en-US" altLang="ko-KR" dirty="0"/>
-              <a:t>-</a:t>
-            </a:r>
-            <a:r>
-              <a:rPr lang="ko-KR" altLang="en-US" baseline="0" dirty="0"/>
-              <a:t>반응의 이론을 토대로</a:t>
-            </a:r>
-            <a:r>
-              <a:rPr lang="en-US" altLang="ko-KR" baseline="0" dirty="0"/>
-              <a:t>,</a:t>
-            </a:r>
-            <a:endParaRPr lang="ko-KR" altLang="en-US" dirty="0"/>
-          </a:p>
-        </p:txBody>
-      </p:sp>
-      <p:sp>
-        <p:nvSpPr>
-          <p:cNvPr id="4" name="슬라이드 번호 개체 틀 3"/>
-          <p:cNvSpPr>
-            <a:spLocks noGrp="1"/>
-          </p:cNvSpPr>
-          <p:nvPr>
-            <p:ph type="sldNum" sz="quarter" idx="10"/>
-          </p:nvPr>
-        </p:nvSpPr>
-        <p:spPr/>
-        <p:txBody>
-          <a:bodyPr/>
-          <a:lstStyle/>
-          <a:p>
-            <a:fld id="{771E0FB0-3C61-402D-BAEE-59161479CB3E}" type="slidenum">
-              <a:rPr lang="ko-KR" altLang="en-US" smtClean="0"/>
-              <a:t>15</a:t>
-            </a:fld>
-            <a:endParaRPr lang="ko-KR" altLang="en-US"/>
-          </a:p>
-        </p:txBody>
-      </p:sp>
-    </p:spTree>
-    <p:extLst>
-      <p:ext uri="{BB962C8B-B14F-4D97-AF65-F5344CB8AC3E}">
-        <p14:creationId xmlns:p14="http://schemas.microsoft.com/office/powerpoint/2010/main" val="1886605686"/>
-      </p:ext>
-    </p:extLst>
-  </p:cSld>
-  <p:clrMapOvr>
-    <a:masterClrMapping/>
-  </p:clrMapOvr>
-</p:notes>
-</file>
-
-<file path=ppt/notesSlides/notesSlide14.xml><?xml version="1.0" encoding="utf-8"?>
-<p:notes xmlns:a="http://schemas.openxmlformats.org/drawingml/2006/main" xmlns:r="http://schemas.openxmlformats.org/officeDocument/2006/relationships" xmlns:p="http://schemas.openxmlformats.org/presentationml/2006/main">
-  <p:cSld>
-    <p:spTree>
-      <p:nvGrpSpPr>
-        <p:cNvPr id="1" name=""/>
-        <p:cNvGrpSpPr/>
-        <p:nvPr/>
-      </p:nvGrpSpPr>
-      <p:grpSpPr>
-        <a:xfrm>
-          <a:off x="0" y="0"/>
-          <a:ext cx="0" cy="0"/>
-          <a:chOff x="0" y="0"/>
-          <a:chExt cx="0" cy="0"/>
-        </a:xfrm>
-      </p:grpSpPr>
-      <p:sp>
-        <p:nvSpPr>
-          <p:cNvPr id="2" name="슬라이드 이미지 개체 틀 1"/>
-          <p:cNvSpPr>
-            <a:spLocks noGrp="1" noRot="1" noChangeAspect="1"/>
-          </p:cNvSpPr>
-          <p:nvPr>
-            <p:ph type="sldImg"/>
-          </p:nvPr>
-        </p:nvSpPr>
-        <p:spPr/>
-      </p:sp>
-      <p:sp>
-        <p:nvSpPr>
-          <p:cNvPr id="3" name="슬라이드 노트 개체 틀 2"/>
-          <p:cNvSpPr>
-            <a:spLocks noGrp="1"/>
-          </p:cNvSpPr>
-          <p:nvPr>
-            <p:ph type="body" idx="1"/>
-          </p:nvPr>
-        </p:nvSpPr>
-        <p:spPr/>
-        <p:txBody>
-          <a:bodyPr/>
-          <a:lstStyle/>
-          <a:p>
-            <a:r>
-              <a:rPr lang="ko-KR" altLang="en-US" dirty="0"/>
-              <a:t>심리학에서 나온 자극</a:t>
-            </a:r>
-            <a:r>
-              <a:rPr lang="en-US" altLang="ko-KR" dirty="0"/>
-              <a:t>-</a:t>
-            </a:r>
-            <a:r>
-              <a:rPr lang="ko-KR" altLang="en-US" baseline="0" dirty="0"/>
-              <a:t>반응의 이론을 토대로</a:t>
-            </a:r>
-            <a:r>
-              <a:rPr lang="en-US" altLang="ko-KR" baseline="0" dirty="0"/>
-              <a:t>,</a:t>
-            </a:r>
-            <a:endParaRPr lang="ko-KR" altLang="en-US" dirty="0"/>
-          </a:p>
-        </p:txBody>
-      </p:sp>
-      <p:sp>
-        <p:nvSpPr>
-          <p:cNvPr id="4" name="슬라이드 번호 개체 틀 3"/>
-          <p:cNvSpPr>
-            <a:spLocks noGrp="1"/>
-          </p:cNvSpPr>
-          <p:nvPr>
-            <p:ph type="sldNum" sz="quarter" idx="10"/>
-          </p:nvPr>
-        </p:nvSpPr>
-        <p:spPr/>
-        <p:txBody>
-          <a:bodyPr/>
-          <a:lstStyle/>
-          <a:p>
-            <a:fld id="{771E0FB0-3C61-402D-BAEE-59161479CB3E}" type="slidenum">
-              <a:rPr lang="ko-KR" altLang="en-US" smtClean="0"/>
-              <a:t>16</a:t>
-            </a:fld>
-            <a:endParaRPr lang="ko-KR" altLang="en-US"/>
-          </a:p>
-        </p:txBody>
-      </p:sp>
-    </p:spTree>
-    <p:extLst>
-      <p:ext uri="{BB962C8B-B14F-4D97-AF65-F5344CB8AC3E}">
-        <p14:creationId xmlns:p14="http://schemas.microsoft.com/office/powerpoint/2010/main" val="1169387801"/>
-      </p:ext>
-    </p:extLst>
-  </p:cSld>
-  <p:clrMapOvr>
-    <a:masterClrMapping/>
-  </p:clrMapOvr>
-</p:notes>
-</file>
-
-<file path=ppt/notesSlides/notesSlide15.xml><?xml version="1.0" encoding="utf-8"?>
-<p:notes xmlns:a="http://schemas.openxmlformats.org/drawingml/2006/main" xmlns:r="http://schemas.openxmlformats.org/officeDocument/2006/relationships" xmlns:p="http://schemas.openxmlformats.org/presentationml/2006/main">
-  <p:cSld>
-    <p:spTree>
-      <p:nvGrpSpPr>
-        <p:cNvPr id="1" name=""/>
-        <p:cNvGrpSpPr/>
-        <p:nvPr/>
-      </p:nvGrpSpPr>
-      <p:grpSpPr>
-        <a:xfrm>
-          <a:off x="0" y="0"/>
-          <a:ext cx="0" cy="0"/>
-          <a:chOff x="0" y="0"/>
-          <a:chExt cx="0" cy="0"/>
-        </a:xfrm>
-      </p:grpSpPr>
-      <p:sp>
-        <p:nvSpPr>
-          <p:cNvPr id="2" name="슬라이드 이미지 개체 틀 1"/>
-          <p:cNvSpPr>
-            <a:spLocks noGrp="1" noRot="1" noChangeAspect="1"/>
-          </p:cNvSpPr>
-          <p:nvPr>
-            <p:ph type="sldImg"/>
-          </p:nvPr>
-        </p:nvSpPr>
-        <p:spPr/>
-      </p:sp>
-      <p:sp>
-        <p:nvSpPr>
-          <p:cNvPr id="3" name="슬라이드 노트 개체 틀 2"/>
-          <p:cNvSpPr>
-            <a:spLocks noGrp="1"/>
-          </p:cNvSpPr>
-          <p:nvPr>
-            <p:ph type="body" idx="1"/>
-          </p:nvPr>
-        </p:nvSpPr>
-        <p:spPr/>
-        <p:txBody>
-          <a:bodyPr/>
-          <a:lstStyle/>
-          <a:p>
-            <a:r>
-              <a:rPr lang="ko-KR" altLang="en-US" dirty="0"/>
-              <a:t>심리학에서 나온 자극</a:t>
-            </a:r>
-            <a:r>
-              <a:rPr lang="en-US" altLang="ko-KR" dirty="0"/>
-              <a:t>-</a:t>
-            </a:r>
-            <a:r>
-              <a:rPr lang="ko-KR" altLang="en-US" baseline="0" dirty="0"/>
-              <a:t>반응의 이론을 토대로</a:t>
-            </a:r>
-            <a:r>
-              <a:rPr lang="en-US" altLang="ko-KR" baseline="0" dirty="0"/>
-              <a:t>,</a:t>
-            </a:r>
-            <a:endParaRPr lang="ko-KR" altLang="en-US" dirty="0"/>
-          </a:p>
-        </p:txBody>
-      </p:sp>
-      <p:sp>
-        <p:nvSpPr>
-          <p:cNvPr id="4" name="슬라이드 번호 개체 틀 3"/>
-          <p:cNvSpPr>
-            <a:spLocks noGrp="1"/>
-          </p:cNvSpPr>
-          <p:nvPr>
-            <p:ph type="sldNum" sz="quarter" idx="10"/>
-          </p:nvPr>
-        </p:nvSpPr>
-        <p:spPr/>
-        <p:txBody>
-          <a:bodyPr/>
-          <a:lstStyle/>
-          <a:p>
-            <a:fld id="{771E0FB0-3C61-402D-BAEE-59161479CB3E}" type="slidenum">
-              <a:rPr lang="ko-KR" altLang="en-US" smtClean="0"/>
-              <a:t>17</a:t>
-            </a:fld>
-            <a:endParaRPr lang="ko-KR" altLang="en-US"/>
-          </a:p>
-        </p:txBody>
-      </p:sp>
-    </p:spTree>
-    <p:extLst>
-      <p:ext uri="{BB962C8B-B14F-4D97-AF65-F5344CB8AC3E}">
-        <p14:creationId xmlns:p14="http://schemas.microsoft.com/office/powerpoint/2010/main" val="953019601"/>
-      </p:ext>
-    </p:extLst>
-  </p:cSld>
-  <p:clrMapOvr>
-    <a:masterClrMapping/>
-  </p:clrMapOvr>
-</p:notes>
-</file>
-
-<file path=ppt/notesSlides/notesSlide16.xml><?xml version="1.0" encoding="utf-8"?>
-<p:notes xmlns:a="http://schemas.openxmlformats.org/drawingml/2006/main" xmlns:r="http://schemas.openxmlformats.org/officeDocument/2006/relationships" xmlns:p="http://schemas.openxmlformats.org/presentationml/2006/main">
-  <p:cSld>
-    <p:spTree>
-      <p:nvGrpSpPr>
-        <p:cNvPr id="1" name=""/>
-        <p:cNvGrpSpPr/>
-        <p:nvPr/>
-      </p:nvGrpSpPr>
-      <p:grpSpPr>
-        <a:xfrm>
-          <a:off x="0" y="0"/>
-          <a:ext cx="0" cy="0"/>
-          <a:chOff x="0" y="0"/>
-          <a:chExt cx="0" cy="0"/>
-        </a:xfrm>
-      </p:grpSpPr>
-      <p:sp>
-        <p:nvSpPr>
-          <p:cNvPr id="2" name="슬라이드 이미지 개체 틀 1"/>
-          <p:cNvSpPr>
-            <a:spLocks noGrp="1" noRot="1" noChangeAspect="1"/>
-          </p:cNvSpPr>
-          <p:nvPr>
-            <p:ph type="sldImg"/>
-          </p:nvPr>
-        </p:nvSpPr>
-        <p:spPr/>
-      </p:sp>
-      <p:sp>
-        <p:nvSpPr>
-          <p:cNvPr id="3" name="슬라이드 노트 개체 틀 2"/>
-          <p:cNvSpPr>
-            <a:spLocks noGrp="1"/>
-          </p:cNvSpPr>
-          <p:nvPr>
-            <p:ph type="body" idx="1"/>
-          </p:nvPr>
-        </p:nvSpPr>
-        <p:spPr/>
-        <p:txBody>
-          <a:bodyPr/>
-          <a:lstStyle/>
-          <a:p>
-            <a:r>
-              <a:rPr lang="ko-KR" altLang="en-US" dirty="0"/>
-              <a:t>심리학에서 나온 자극</a:t>
-            </a:r>
-            <a:r>
-              <a:rPr lang="en-US" altLang="ko-KR" dirty="0"/>
-              <a:t>-</a:t>
-            </a:r>
-            <a:r>
-              <a:rPr lang="ko-KR" altLang="en-US" baseline="0" dirty="0"/>
-              <a:t>반응의 이론을 토대로</a:t>
-            </a:r>
-            <a:r>
-              <a:rPr lang="en-US" altLang="ko-KR" baseline="0" dirty="0"/>
-              <a:t>,</a:t>
-            </a:r>
-            <a:endParaRPr lang="ko-KR" altLang="en-US" dirty="0"/>
-          </a:p>
-        </p:txBody>
-      </p:sp>
-      <p:sp>
-        <p:nvSpPr>
-          <p:cNvPr id="4" name="슬라이드 번호 개체 틀 3"/>
-          <p:cNvSpPr>
-            <a:spLocks noGrp="1"/>
-          </p:cNvSpPr>
-          <p:nvPr>
-            <p:ph type="sldNum" sz="quarter" idx="10"/>
-          </p:nvPr>
-        </p:nvSpPr>
-        <p:spPr/>
-        <p:txBody>
-          <a:bodyPr/>
-          <a:lstStyle/>
-          <a:p>
-            <a:fld id="{771E0FB0-3C61-402D-BAEE-59161479CB3E}" type="slidenum">
-              <a:rPr lang="ko-KR" altLang="en-US" smtClean="0"/>
-              <a:t>18</a:t>
-            </a:fld>
-            <a:endParaRPr lang="ko-KR" altLang="en-US"/>
-          </a:p>
-        </p:txBody>
-      </p:sp>
-    </p:spTree>
-    <p:extLst>
-      <p:ext uri="{BB962C8B-B14F-4D97-AF65-F5344CB8AC3E}">
-        <p14:creationId xmlns:p14="http://schemas.microsoft.com/office/powerpoint/2010/main" val="1946213248"/>
+        <p14:creationId xmlns:p14="http://schemas.microsoft.com/office/powerpoint/2010/main" val="833973628"/>
       </p:ext>
     </p:extLst>
   </p:cSld>
@@ -1362,7 +859,7 @@
           <a:p>
             <a:fld id="{771E0FB0-3C61-402D-BAEE-59161479CB3E}" type="slidenum">
               <a:rPr lang="ko-KR" altLang="en-US" smtClean="0"/>
-              <a:t>4</a:t>
+              <a:t>5</a:t>
             </a:fld>
             <a:endParaRPr lang="ko-KR" altLang="en-US"/>
           </a:p>
@@ -1371,7 +868,7 @@
     </p:spTree>
     <p:extLst>
       <p:ext uri="{BB962C8B-B14F-4D97-AF65-F5344CB8AC3E}">
-        <p14:creationId xmlns:p14="http://schemas.microsoft.com/office/powerpoint/2010/main" val="3227320004"/>
+        <p14:creationId xmlns:p14="http://schemas.microsoft.com/office/powerpoint/2010/main" val="3671425258"/>
       </p:ext>
     </p:extLst>
   </p:cSld>
@@ -1462,7 +959,7 @@
           <a:p>
             <a:fld id="{771E0FB0-3C61-402D-BAEE-59161479CB3E}" type="slidenum">
               <a:rPr lang="ko-KR" altLang="en-US" smtClean="0"/>
-              <a:t>5</a:t>
+              <a:t>6</a:t>
             </a:fld>
             <a:endParaRPr lang="ko-KR" altLang="en-US"/>
           </a:p>
@@ -1471,7 +968,7 @@
     </p:spTree>
     <p:extLst>
       <p:ext uri="{BB962C8B-B14F-4D97-AF65-F5344CB8AC3E}">
-        <p14:creationId xmlns:p14="http://schemas.microsoft.com/office/powerpoint/2010/main" val="1314880209"/>
+        <p14:creationId xmlns:p14="http://schemas.microsoft.com/office/powerpoint/2010/main" val="420971148"/>
       </p:ext>
     </p:extLst>
   </p:cSld>
@@ -1562,7 +1059,7 @@
           <a:p>
             <a:fld id="{771E0FB0-3C61-402D-BAEE-59161479CB3E}" type="slidenum">
               <a:rPr lang="ko-KR" altLang="en-US" smtClean="0"/>
-              <a:t>6</a:t>
+              <a:t>7</a:t>
             </a:fld>
             <a:endParaRPr lang="ko-KR" altLang="en-US"/>
           </a:p>
@@ -1571,7 +1068,7 @@
     </p:spTree>
     <p:extLst>
       <p:ext uri="{BB962C8B-B14F-4D97-AF65-F5344CB8AC3E}">
-        <p14:creationId xmlns:p14="http://schemas.microsoft.com/office/powerpoint/2010/main" val="2725366196"/>
+        <p14:creationId xmlns:p14="http://schemas.microsoft.com/office/powerpoint/2010/main" val="3543653800"/>
       </p:ext>
     </p:extLst>
   </p:cSld>
@@ -1662,7 +1159,7 @@
           <a:p>
             <a:fld id="{771E0FB0-3C61-402D-BAEE-59161479CB3E}" type="slidenum">
               <a:rPr lang="ko-KR" altLang="en-US" smtClean="0"/>
-              <a:t>7</a:t>
+              <a:t>8</a:t>
             </a:fld>
             <a:endParaRPr lang="ko-KR" altLang="en-US"/>
           </a:p>
@@ -1671,7 +1168,7 @@
     </p:spTree>
     <p:extLst>
       <p:ext uri="{BB962C8B-B14F-4D97-AF65-F5344CB8AC3E}">
-        <p14:creationId xmlns:p14="http://schemas.microsoft.com/office/powerpoint/2010/main" val="2511308624"/>
+        <p14:creationId xmlns:p14="http://schemas.microsoft.com/office/powerpoint/2010/main" val="3300847275"/>
       </p:ext>
     </p:extLst>
   </p:cSld>
@@ -1762,7 +1259,7 @@
           <a:p>
             <a:fld id="{771E0FB0-3C61-402D-BAEE-59161479CB3E}" type="slidenum">
               <a:rPr lang="ko-KR" altLang="en-US" smtClean="0"/>
-              <a:t>8</a:t>
+              <a:t>9</a:t>
             </a:fld>
             <a:endParaRPr lang="ko-KR" altLang="en-US"/>
           </a:p>
@@ -1771,7 +1268,7 @@
     </p:spTree>
     <p:extLst>
       <p:ext uri="{BB962C8B-B14F-4D97-AF65-F5344CB8AC3E}">
-        <p14:creationId xmlns:p14="http://schemas.microsoft.com/office/powerpoint/2010/main" val="1349191923"/>
+        <p14:creationId xmlns:p14="http://schemas.microsoft.com/office/powerpoint/2010/main" val="1395275134"/>
       </p:ext>
     </p:extLst>
   </p:cSld>
@@ -1862,7 +1359,7 @@
           <a:p>
             <a:fld id="{771E0FB0-3C61-402D-BAEE-59161479CB3E}" type="slidenum">
               <a:rPr lang="ko-KR" altLang="en-US" smtClean="0"/>
-              <a:t>9</a:t>
+              <a:t>11</a:t>
             </a:fld>
             <a:endParaRPr lang="ko-KR" altLang="en-US"/>
           </a:p>
@@ -1871,7 +1368,7 @@
     </p:spTree>
     <p:extLst>
       <p:ext uri="{BB962C8B-B14F-4D97-AF65-F5344CB8AC3E}">
-        <p14:creationId xmlns:p14="http://schemas.microsoft.com/office/powerpoint/2010/main" val="1551627229"/>
+        <p14:creationId xmlns:p14="http://schemas.microsoft.com/office/powerpoint/2010/main" val="2780047974"/>
       </p:ext>
     </p:extLst>
   </p:cSld>
@@ -1962,7 +1459,7 @@
           <a:p>
             <a:fld id="{771E0FB0-3C61-402D-BAEE-59161479CB3E}" type="slidenum">
               <a:rPr lang="ko-KR" altLang="en-US" smtClean="0"/>
-              <a:t>10</a:t>
+              <a:t>12</a:t>
             </a:fld>
             <a:endParaRPr lang="ko-KR" altLang="en-US"/>
           </a:p>
@@ -1971,7 +1468,7 @@
     </p:spTree>
     <p:extLst>
       <p:ext uri="{BB962C8B-B14F-4D97-AF65-F5344CB8AC3E}">
-        <p14:creationId xmlns:p14="http://schemas.microsoft.com/office/powerpoint/2010/main" val="472621902"/>
+        <p14:creationId xmlns:p14="http://schemas.microsoft.com/office/powerpoint/2010/main" val="1649194926"/>
       </p:ext>
     </p:extLst>
   </p:cSld>
@@ -2062,7 +1559,7 @@
           <a:p>
             <a:fld id="{771E0FB0-3C61-402D-BAEE-59161479CB3E}" type="slidenum">
               <a:rPr lang="ko-KR" altLang="en-US" smtClean="0"/>
-              <a:t>11</a:t>
+              <a:t>13</a:t>
             </a:fld>
             <a:endParaRPr lang="ko-KR" altLang="en-US"/>
           </a:p>
@@ -2071,7 +1568,7 @@
     </p:spTree>
     <p:extLst>
       <p:ext uri="{BB962C8B-B14F-4D97-AF65-F5344CB8AC3E}">
-        <p14:creationId xmlns:p14="http://schemas.microsoft.com/office/powerpoint/2010/main" val="1652537011"/>
+        <p14:creationId xmlns:p14="http://schemas.microsoft.com/office/powerpoint/2010/main" val="926069275"/>
       </p:ext>
     </p:extLst>
   </p:cSld>
@@ -2228,7 +1725,7 @@
           <a:p>
             <a:fld id="{F0EAF588-F991-4507-8752-DD4CDE7F2E64}" type="datetimeFigureOut">
               <a:rPr lang="ko-KR" altLang="en-US" smtClean="0"/>
-              <a:t>2021-08-13</a:t>
+              <a:t>2021. 8. 19.</a:t>
             </a:fld>
             <a:endParaRPr lang="ko-KR" altLang="en-US"/>
           </a:p>
@@ -2426,7 +1923,7 @@
           <a:p>
             <a:fld id="{F0EAF588-F991-4507-8752-DD4CDE7F2E64}" type="datetimeFigureOut">
               <a:rPr lang="ko-KR" altLang="en-US" smtClean="0"/>
-              <a:t>2021-08-13</a:t>
+              <a:t>2021. 8. 19.</a:t>
             </a:fld>
             <a:endParaRPr lang="ko-KR" altLang="en-US"/>
           </a:p>
@@ -2634,7 +2131,7 @@
           <a:p>
             <a:fld id="{F0EAF588-F991-4507-8752-DD4CDE7F2E64}" type="datetimeFigureOut">
               <a:rPr lang="ko-KR" altLang="en-US" smtClean="0"/>
-              <a:t>2021-08-13</a:t>
+              <a:t>2021. 8. 19.</a:t>
             </a:fld>
             <a:endParaRPr lang="ko-KR" altLang="en-US"/>
           </a:p>
@@ -2832,7 +2329,7 @@
           <a:p>
             <a:fld id="{F0EAF588-F991-4507-8752-DD4CDE7F2E64}" type="datetimeFigureOut">
               <a:rPr lang="ko-KR" altLang="en-US" smtClean="0"/>
-              <a:t>2021-08-13</a:t>
+              <a:t>2021. 8. 19.</a:t>
             </a:fld>
             <a:endParaRPr lang="ko-KR" altLang="en-US"/>
           </a:p>
@@ -3107,7 +2604,7 @@
           <a:p>
             <a:fld id="{F0EAF588-F991-4507-8752-DD4CDE7F2E64}" type="datetimeFigureOut">
               <a:rPr lang="ko-KR" altLang="en-US" smtClean="0"/>
-              <a:t>2021-08-13</a:t>
+              <a:t>2021. 8. 19.</a:t>
             </a:fld>
             <a:endParaRPr lang="ko-KR" altLang="en-US"/>
           </a:p>
@@ -3372,7 +2869,7 @@
           <a:p>
             <a:fld id="{F0EAF588-F991-4507-8752-DD4CDE7F2E64}" type="datetimeFigureOut">
               <a:rPr lang="ko-KR" altLang="en-US" smtClean="0"/>
-              <a:t>2021-08-13</a:t>
+              <a:t>2021. 8. 19.</a:t>
             </a:fld>
             <a:endParaRPr lang="ko-KR" altLang="en-US"/>
           </a:p>
@@ -3784,7 +3281,7 @@
           <a:p>
             <a:fld id="{F0EAF588-F991-4507-8752-DD4CDE7F2E64}" type="datetimeFigureOut">
               <a:rPr lang="ko-KR" altLang="en-US" smtClean="0"/>
-              <a:t>2021-08-13</a:t>
+              <a:t>2021. 8. 19.</a:t>
             </a:fld>
             <a:endParaRPr lang="ko-KR" altLang="en-US"/>
           </a:p>
@@ -3925,7 +3422,7 @@
           <a:p>
             <a:fld id="{F0EAF588-F991-4507-8752-DD4CDE7F2E64}" type="datetimeFigureOut">
               <a:rPr lang="ko-KR" altLang="en-US" smtClean="0"/>
-              <a:t>2021-08-13</a:t>
+              <a:t>2021. 8. 19.</a:t>
             </a:fld>
             <a:endParaRPr lang="ko-KR" altLang="en-US"/>
           </a:p>
@@ -4038,7 +3535,7 @@
           <a:p>
             <a:fld id="{F0EAF588-F991-4507-8752-DD4CDE7F2E64}" type="datetimeFigureOut">
               <a:rPr lang="ko-KR" altLang="en-US" smtClean="0"/>
-              <a:t>2021-08-13</a:t>
+              <a:t>2021. 8. 19.</a:t>
             </a:fld>
             <a:endParaRPr lang="ko-KR" altLang="en-US"/>
           </a:p>
@@ -4349,7 +3846,7 @@
           <a:p>
             <a:fld id="{F0EAF588-F991-4507-8752-DD4CDE7F2E64}" type="datetimeFigureOut">
               <a:rPr lang="ko-KR" altLang="en-US" smtClean="0"/>
-              <a:t>2021-08-13</a:t>
+              <a:t>2021. 8. 19.</a:t>
             </a:fld>
             <a:endParaRPr lang="ko-KR" altLang="en-US"/>
           </a:p>
@@ -4637,7 +4134,7 @@
           <a:p>
             <a:fld id="{F0EAF588-F991-4507-8752-DD4CDE7F2E64}" type="datetimeFigureOut">
               <a:rPr lang="ko-KR" altLang="en-US" smtClean="0"/>
-              <a:t>2021-08-13</a:t>
+              <a:t>2021. 8. 19.</a:t>
             </a:fld>
             <a:endParaRPr lang="ko-KR" altLang="en-US"/>
           </a:p>
@@ -4878,7 +4375,7 @@
           <a:p>
             <a:fld id="{F0EAF588-F991-4507-8752-DD4CDE7F2E64}" type="datetimeFigureOut">
               <a:rPr lang="ko-KR" altLang="en-US" smtClean="0"/>
-              <a:t>2021-08-13</a:t>
+              <a:t>2021. 8. 19.</a:t>
             </a:fld>
             <a:endParaRPr lang="ko-KR" altLang="en-US"/>
           </a:p>
@@ -5845,6 +5342,464 @@
       </p:grpSpPr>
       <p:sp>
         <p:nvSpPr>
+          <p:cNvPr id="3" name="직사각형 2"/>
+          <p:cNvSpPr/>
+          <p:nvPr/>
+        </p:nvSpPr>
+        <p:spPr>
+          <a:xfrm>
+            <a:off x="4669700" y="2364468"/>
+            <a:ext cx="410555" cy="206400"/>
+          </a:xfrm>
+          <a:prstGeom prst="rect">
+            <a:avLst/>
+          </a:prstGeom>
+          <a:solidFill>
+            <a:schemeClr val="tx2">
+              <a:lumMod val="50000"/>
+            </a:schemeClr>
+          </a:solidFill>
+          <a:ln>
+            <a:noFill/>
+          </a:ln>
+        </p:spPr>
+        <p:style>
+          <a:lnRef idx="2">
+            <a:schemeClr val="accent1">
+              <a:shade val="50000"/>
+            </a:schemeClr>
+          </a:lnRef>
+          <a:fillRef idx="1">
+            <a:schemeClr val="accent1"/>
+          </a:fillRef>
+          <a:effectRef idx="0">
+            <a:schemeClr val="accent1"/>
+          </a:effectRef>
+          <a:fontRef idx="minor">
+            <a:schemeClr val="lt1"/>
+          </a:fontRef>
+        </p:style>
+        <p:txBody>
+          <a:bodyPr rtlCol="0" anchor="ctr"/>
+          <a:lstStyle/>
+          <a:p>
+            <a:pPr algn="ctr"/>
+            <a:endParaRPr lang="ko-KR" altLang="en-US" sz="2400"/>
+          </a:p>
+        </p:txBody>
+      </p:sp>
+      <p:sp>
+        <p:nvSpPr>
+          <p:cNvPr id="6" name="직각 삼각형 5"/>
+          <p:cNvSpPr/>
+          <p:nvPr/>
+        </p:nvSpPr>
+        <p:spPr>
+          <a:xfrm>
+            <a:off x="5079697" y="2364468"/>
+            <a:ext cx="206400" cy="206400"/>
+          </a:xfrm>
+          <a:prstGeom prst="rtTriangle">
+            <a:avLst/>
+          </a:prstGeom>
+          <a:solidFill>
+            <a:schemeClr val="tx2">
+              <a:lumMod val="50000"/>
+            </a:schemeClr>
+          </a:solidFill>
+          <a:ln>
+            <a:noFill/>
+          </a:ln>
+        </p:spPr>
+        <p:style>
+          <a:lnRef idx="2">
+            <a:schemeClr val="accent1">
+              <a:shade val="50000"/>
+            </a:schemeClr>
+          </a:lnRef>
+          <a:fillRef idx="1">
+            <a:schemeClr val="accent1"/>
+          </a:fillRef>
+          <a:effectRef idx="0">
+            <a:schemeClr val="accent1"/>
+          </a:effectRef>
+          <a:fontRef idx="minor">
+            <a:schemeClr val="lt1"/>
+          </a:fontRef>
+        </p:style>
+        <p:txBody>
+          <a:bodyPr rtlCol="0" anchor="ctr"/>
+          <a:lstStyle/>
+          <a:p>
+            <a:pPr algn="ctr"/>
+            <a:endParaRPr lang="ko-KR" altLang="en-US" sz="2400"/>
+          </a:p>
+        </p:txBody>
+      </p:sp>
+      <p:sp>
+        <p:nvSpPr>
+          <p:cNvPr id="7" name="직각 삼각형 6"/>
+          <p:cNvSpPr/>
+          <p:nvPr/>
+        </p:nvSpPr>
+        <p:spPr>
+          <a:xfrm rot="16200000" flipH="1">
+            <a:off x="5126487" y="2364850"/>
+            <a:ext cx="206400" cy="206400"/>
+          </a:xfrm>
+          <a:prstGeom prst="rtTriangle">
+            <a:avLst/>
+          </a:prstGeom>
+          <a:solidFill>
+            <a:schemeClr val="bg1">
+              <a:lumMod val="85000"/>
+            </a:schemeClr>
+          </a:solidFill>
+          <a:ln>
+            <a:noFill/>
+          </a:ln>
+        </p:spPr>
+        <p:style>
+          <a:lnRef idx="2">
+            <a:schemeClr val="accent1">
+              <a:shade val="50000"/>
+            </a:schemeClr>
+          </a:lnRef>
+          <a:fillRef idx="1">
+            <a:schemeClr val="accent1"/>
+          </a:fillRef>
+          <a:effectRef idx="0">
+            <a:schemeClr val="accent1"/>
+          </a:effectRef>
+          <a:fontRef idx="minor">
+            <a:schemeClr val="lt1"/>
+          </a:fontRef>
+        </p:style>
+        <p:txBody>
+          <a:bodyPr rtlCol="0" anchor="ctr"/>
+          <a:lstStyle/>
+          <a:p>
+            <a:pPr algn="ctr"/>
+            <a:endParaRPr lang="ko-KR" altLang="en-US" sz="2400"/>
+          </a:p>
+        </p:txBody>
+      </p:sp>
+      <p:sp>
+        <p:nvSpPr>
+          <p:cNvPr id="8" name="직사각형 7"/>
+          <p:cNvSpPr/>
+          <p:nvPr/>
+        </p:nvSpPr>
+        <p:spPr>
+          <a:xfrm>
+            <a:off x="5327915" y="2364467"/>
+            <a:ext cx="2040244" cy="205729"/>
+          </a:xfrm>
+          <a:prstGeom prst="rect">
+            <a:avLst/>
+          </a:prstGeom>
+          <a:solidFill>
+            <a:schemeClr val="bg1">
+              <a:lumMod val="85000"/>
+            </a:schemeClr>
+          </a:solidFill>
+          <a:ln>
+            <a:noFill/>
+          </a:ln>
+        </p:spPr>
+        <p:style>
+          <a:lnRef idx="2">
+            <a:schemeClr val="accent1">
+              <a:shade val="50000"/>
+            </a:schemeClr>
+          </a:lnRef>
+          <a:fillRef idx="1">
+            <a:schemeClr val="accent1"/>
+          </a:fillRef>
+          <a:effectRef idx="0">
+            <a:schemeClr val="accent1"/>
+          </a:effectRef>
+          <a:fontRef idx="minor">
+            <a:schemeClr val="lt1"/>
+          </a:fontRef>
+        </p:style>
+        <p:txBody>
+          <a:bodyPr rtlCol="0" anchor="ctr"/>
+          <a:lstStyle/>
+          <a:p>
+            <a:pPr algn="ctr"/>
+            <a:endParaRPr lang="ko-KR" altLang="en-US" sz="2400"/>
+          </a:p>
+        </p:txBody>
+      </p:sp>
+      <p:sp>
+        <p:nvSpPr>
+          <p:cNvPr id="9" name="TextBox 8"/>
+          <p:cNvSpPr txBox="1"/>
+          <p:nvPr/>
+        </p:nvSpPr>
+        <p:spPr>
+          <a:xfrm>
+            <a:off x="4667529" y="2324587"/>
+            <a:ext cx="1245956" cy="276999"/>
+          </a:xfrm>
+          <a:prstGeom prst="rect">
+            <a:avLst/>
+          </a:prstGeom>
+          <a:noFill/>
+        </p:spPr>
+        <p:txBody>
+          <a:bodyPr wrap="square" rtlCol="0">
+            <a:spAutoFit/>
+          </a:bodyPr>
+          <a:lstStyle/>
+          <a:p>
+            <a:r>
+              <a:rPr lang="en-US" altLang="ko-KR" sz="1200" dirty="0">
+                <a:ln>
+                  <a:solidFill>
+                    <a:schemeClr val="bg1">
+                      <a:lumMod val="95000"/>
+                      <a:alpha val="10000"/>
+                    </a:schemeClr>
+                  </a:solidFill>
+                </a:ln>
+                <a:solidFill>
+                  <a:schemeClr val="bg1">
+                    <a:lumMod val="95000"/>
+                  </a:schemeClr>
+                </a:solidFill>
+                <a:latin typeface="-윤고딕350" pitchFamily="18" charset="-127"/>
+                <a:ea typeface="-윤고딕350" pitchFamily="18" charset="-127"/>
+              </a:rPr>
+              <a:t>02</a:t>
+            </a:r>
+            <a:endParaRPr lang="ko-KR" altLang="en-US" sz="1200" dirty="0">
+              <a:ln>
+                <a:solidFill>
+                  <a:schemeClr val="bg1">
+                    <a:lumMod val="95000"/>
+                    <a:alpha val="10000"/>
+                  </a:schemeClr>
+                </a:solidFill>
+              </a:ln>
+              <a:solidFill>
+                <a:schemeClr val="bg1">
+                  <a:lumMod val="95000"/>
+                </a:schemeClr>
+              </a:solidFill>
+              <a:latin typeface="-윤고딕350" pitchFamily="18" charset="-127"/>
+              <a:ea typeface="-윤고딕350" pitchFamily="18" charset="-127"/>
+            </a:endParaRPr>
+          </a:p>
+        </p:txBody>
+      </p:sp>
+      <p:sp>
+        <p:nvSpPr>
+          <p:cNvPr id="10" name="TextBox 9">
+            <a:extLst>
+              <a:ext uri="{FF2B5EF4-FFF2-40B4-BE49-F238E27FC236}">
+                <a16:creationId xmlns:a16="http://schemas.microsoft.com/office/drawing/2014/main" id="{68F54F11-66A0-4001-8E76-82D44A7BB9F0}"/>
+              </a:ext>
+            </a:extLst>
+          </p:cNvPr>
+          <p:cNvSpPr txBox="1"/>
+          <p:nvPr/>
+        </p:nvSpPr>
+        <p:spPr>
+          <a:xfrm>
+            <a:off x="3365250" y="2951946"/>
+            <a:ext cx="6663332" cy="954107"/>
+          </a:xfrm>
+          <a:prstGeom prst="rect">
+            <a:avLst/>
+          </a:prstGeom>
+          <a:noFill/>
+        </p:spPr>
+        <p:txBody>
+          <a:bodyPr wrap="square">
+            <a:spAutoFit/>
+          </a:bodyPr>
+          <a:lstStyle/>
+          <a:p>
+            <a:r>
+              <a:rPr lang="en-US" altLang="ko-KR" sz="2800" b="1" dirty="0">
+                <a:ln>
+                  <a:solidFill>
+                    <a:schemeClr val="tx1">
+                      <a:lumMod val="85000"/>
+                      <a:lumOff val="15000"/>
+                      <a:alpha val="0"/>
+                    </a:schemeClr>
+                  </a:solidFill>
+                </a:ln>
+                <a:solidFill>
+                  <a:schemeClr val="tx1">
+                    <a:lumMod val="85000"/>
+                    <a:lumOff val="15000"/>
+                  </a:schemeClr>
+                </a:solidFill>
+                <a:latin typeface="12롯데마트드림Medium"/>
+                <a:ea typeface="-윤고딕340" panose="02030504000101010101" pitchFamily="18" charset="-127"/>
+              </a:rPr>
+              <a:t>02 </a:t>
+            </a:r>
+            <a:r>
+              <a:rPr lang="en-US" altLang="ko-KR" sz="2800" b="1" dirty="0" err="1">
+                <a:ln>
+                  <a:solidFill>
+                    <a:schemeClr val="tx1">
+                      <a:lumMod val="85000"/>
+                      <a:lumOff val="15000"/>
+                      <a:alpha val="0"/>
+                    </a:schemeClr>
+                  </a:solidFill>
+                </a:ln>
+                <a:solidFill>
+                  <a:schemeClr val="tx1">
+                    <a:lumMod val="85000"/>
+                    <a:lumOff val="15000"/>
+                  </a:schemeClr>
+                </a:solidFill>
+                <a:latin typeface="12롯데마트드림Medium"/>
+                <a:ea typeface="-윤고딕340" panose="02030504000101010101" pitchFamily="18" charset="-127"/>
+              </a:rPr>
+              <a:t>sp.mix.multi</a:t>
+            </a:r>
+            <a:r>
+              <a:rPr lang="en-US" altLang="ko-KR" sz="2800" b="1" dirty="0">
+                <a:ln>
+                  <a:solidFill>
+                    <a:schemeClr val="tx1">
+                      <a:lumMod val="85000"/>
+                      <a:lumOff val="15000"/>
+                      <a:alpha val="0"/>
+                    </a:schemeClr>
+                  </a:solidFill>
+                </a:ln>
+                <a:solidFill>
+                  <a:schemeClr val="tx1">
+                    <a:lumMod val="85000"/>
+                    <a:lumOff val="15000"/>
+                  </a:schemeClr>
+                </a:solidFill>
+                <a:latin typeface="12롯데마트드림Medium"/>
+                <a:ea typeface="-윤고딕340" panose="02030504000101010101" pitchFamily="18" charset="-127"/>
+              </a:rPr>
+              <a:t> with ‘</a:t>
+            </a:r>
+            <a:r>
+              <a:rPr lang="en-US" altLang="ko-KR" sz="2800" b="1" dirty="0" err="1">
+                <a:ln>
+                  <a:solidFill>
+                    <a:schemeClr val="tx1">
+                      <a:lumMod val="85000"/>
+                      <a:lumOff val="15000"/>
+                      <a:alpha val="0"/>
+                    </a:schemeClr>
+                  </a:solidFill>
+                </a:ln>
+                <a:solidFill>
+                  <a:schemeClr val="tx1">
+                    <a:lumMod val="85000"/>
+                    <a:lumOff val="15000"/>
+                  </a:schemeClr>
+                </a:solidFill>
+                <a:latin typeface="12롯데마트드림Medium"/>
+                <a:ea typeface="-윤고딕340" panose="02030504000101010101" pitchFamily="18" charset="-127"/>
+              </a:rPr>
+              <a:t>fmlogcondens</a:t>
+            </a:r>
+            <a:r>
+              <a:rPr lang="en-US" altLang="ko-KR" sz="2800" b="1" dirty="0">
+                <a:ln>
+                  <a:solidFill>
+                    <a:schemeClr val="tx1">
+                      <a:lumMod val="85000"/>
+                      <a:lumOff val="15000"/>
+                      <a:alpha val="0"/>
+                    </a:schemeClr>
+                  </a:solidFill>
+                </a:ln>
+                <a:solidFill>
+                  <a:schemeClr val="tx1">
+                    <a:lumMod val="85000"/>
+                    <a:lumOff val="15000"/>
+                  </a:schemeClr>
+                </a:solidFill>
+                <a:latin typeface="12롯데마트드림Medium"/>
+                <a:ea typeface="-윤고딕340" panose="02030504000101010101" pitchFamily="18" charset="-127"/>
+              </a:rPr>
+              <a:t>’</a:t>
+            </a:r>
+          </a:p>
+          <a:p>
+            <a:endParaRPr lang="en-US" altLang="ko-KR" sz="2800" b="1" dirty="0">
+              <a:ln>
+                <a:solidFill>
+                  <a:schemeClr val="tx1">
+                    <a:lumMod val="85000"/>
+                    <a:lumOff val="15000"/>
+                    <a:alpha val="0"/>
+                  </a:schemeClr>
+                </a:solidFill>
+              </a:ln>
+              <a:solidFill>
+                <a:schemeClr val="tx1">
+                  <a:lumMod val="85000"/>
+                  <a:lumOff val="15000"/>
+                </a:schemeClr>
+              </a:solidFill>
+              <a:latin typeface="12롯데마트드림Medium"/>
+              <a:ea typeface="-윤고딕340" panose="02030504000101010101" pitchFamily="18" charset="-127"/>
+            </a:endParaRPr>
+          </a:p>
+        </p:txBody>
+      </p:sp>
+    </p:spTree>
+    <p:extLst>
+      <p:ext uri="{BB962C8B-B14F-4D97-AF65-F5344CB8AC3E}">
+        <p14:creationId xmlns:p14="http://schemas.microsoft.com/office/powerpoint/2010/main" val="3197009357"/>
+      </p:ext>
+    </p:extLst>
+  </p:cSld>
+  <p:clrMapOvr>
+    <a:masterClrMapping/>
+  </p:clrMapOvr>
+  <mc:AlternateContent xmlns:mc="http://schemas.openxmlformats.org/markup-compatibility/2006" xmlns:p14="http://schemas.microsoft.com/office/powerpoint/2010/main">
+    <mc:Choice Requires="p14">
+      <p:transition spd="med" p14:dur="700">
+        <p:fade/>
+      </p:transition>
+    </mc:Choice>
+    <mc:Fallback xmlns="">
+      <p:transition spd="med">
+        <p:fade/>
+      </p:transition>
+    </mc:Fallback>
+  </mc:AlternateContent>
+</p:sld>
+</file>
+
+<file path=ppt/slides/slide11.xml><?xml version="1.0" encoding="utf-8"?>
+<p:sld xmlns:a="http://schemas.openxmlformats.org/drawingml/2006/main" xmlns:r="http://schemas.openxmlformats.org/officeDocument/2006/relationships" xmlns:p="http://schemas.openxmlformats.org/presentationml/2006/main">
+  <p:cSld>
+    <p:spTree>
+      <p:nvGrpSpPr>
+        <p:cNvPr id="1" name=""/>
+        <p:cNvGrpSpPr/>
+        <p:nvPr/>
+      </p:nvGrpSpPr>
+      <p:grpSpPr>
+        <a:xfrm>
+          <a:off x="0" y="0"/>
+          <a:ext cx="0" cy="0"/>
+          <a:chOff x="0" y="0"/>
+          <a:chExt cx="0" cy="0"/>
+        </a:xfrm>
+      </p:grpSpPr>
+      <p:sp>
+        <p:nvSpPr>
           <p:cNvPr id="2" name="직사각형 1"/>
           <p:cNvSpPr/>
           <p:nvPr/>
@@ -6195,159 +6150,7 @@
       </p:sp>
       <p:sp>
         <p:nvSpPr>
-          <p:cNvPr id="14" name="TextBox 13">
-            <a:extLst>
-              <a:ext uri="{FF2B5EF4-FFF2-40B4-BE49-F238E27FC236}">
-                <a16:creationId xmlns:a16="http://schemas.microsoft.com/office/drawing/2014/main" id="{876DB399-8879-4421-8CA8-FD74AEBD157F}"/>
-              </a:ext>
-            </a:extLst>
-          </p:cNvPr>
-          <p:cNvSpPr txBox="1"/>
-          <p:nvPr/>
-        </p:nvSpPr>
-        <p:spPr>
-          <a:xfrm>
-            <a:off x="992976" y="800657"/>
-            <a:ext cx="10191580" cy="1521955"/>
-          </a:xfrm>
-          <a:prstGeom prst="rect">
-            <a:avLst/>
-          </a:prstGeom>
-          <a:noFill/>
-        </p:spPr>
-        <p:txBody>
-          <a:bodyPr wrap="square">
-            <a:spAutoFit/>
-          </a:bodyPr>
-          <a:lstStyle/>
-          <a:p>
-            <a:pPr>
-              <a:lnSpc>
-                <a:spcPct val="150000"/>
-              </a:lnSpc>
-            </a:pPr>
-            <a:r>
-              <a:rPr lang="en-US" altLang="ko-KR" sz="2400" b="1" dirty="0">
-                <a:ln>
-                  <a:solidFill>
-                    <a:schemeClr val="tx1">
-                      <a:lumMod val="85000"/>
-                      <a:lumOff val="15000"/>
-                      <a:alpha val="0"/>
-                    </a:schemeClr>
-                  </a:solidFill>
-                </a:ln>
-                <a:solidFill>
-                  <a:schemeClr val="tx1">
-                    <a:lumMod val="85000"/>
-                    <a:lumOff val="15000"/>
-                  </a:schemeClr>
-                </a:solidFill>
-                <a:latin typeface="12롯데마트드림Medium"/>
-                <a:ea typeface="-윤고딕340" panose="02030504000101010101" pitchFamily="18" charset="-127"/>
-              </a:rPr>
-              <a:t>02 Univariate Gamma</a:t>
-            </a:r>
-          </a:p>
-          <a:p>
-            <a:pPr>
-              <a:lnSpc>
-                <a:spcPct val="150000"/>
-              </a:lnSpc>
-            </a:pPr>
-            <a:r>
-              <a:rPr lang="en-US" altLang="ko-KR" sz="2000" dirty="0">
-                <a:ln>
-                  <a:solidFill>
-                    <a:schemeClr val="tx1">
-                      <a:lumMod val="85000"/>
-                      <a:lumOff val="15000"/>
-                      <a:alpha val="0"/>
-                    </a:schemeClr>
-                  </a:solidFill>
-                </a:ln>
-                <a:solidFill>
-                  <a:schemeClr val="tx1">
-                    <a:lumMod val="85000"/>
-                    <a:lumOff val="15000"/>
-                  </a:schemeClr>
-                </a:solidFill>
-                <a:latin typeface="12롯데마트드림Medium"/>
-                <a:ea typeface="-윤고딕340" panose="02030504000101010101" pitchFamily="18" charset="-127"/>
-              </a:rPr>
-              <a:t>    : p0=0.95</a:t>
-            </a:r>
-          </a:p>
-          <a:p>
-            <a:pPr>
-              <a:lnSpc>
-                <a:spcPct val="150000"/>
-              </a:lnSpc>
-            </a:pPr>
-            <a:r>
-              <a:rPr lang="en-US" altLang="ko-KR" sz="2000" dirty="0">
-                <a:ln>
-                  <a:solidFill>
-                    <a:schemeClr val="tx1">
-                      <a:lumMod val="85000"/>
-                      <a:lumOff val="15000"/>
-                      <a:alpha val="0"/>
-                    </a:schemeClr>
-                  </a:solidFill>
-                </a:ln>
-                <a:solidFill>
-                  <a:schemeClr val="tx1">
-                    <a:lumMod val="85000"/>
-                    <a:lumOff val="15000"/>
-                  </a:schemeClr>
-                </a:solidFill>
-                <a:latin typeface="12롯데마트드림Medium"/>
-                <a:ea typeface="-윤고딕340" panose="02030504000101010101" pitchFamily="18" charset="-127"/>
-              </a:rPr>
-              <a:t>     </a:t>
-            </a:r>
-          </a:p>
-        </p:txBody>
-      </p:sp>
-      <p:pic>
-        <p:nvPicPr>
-          <p:cNvPr id="13" name="그림 12">
-            <a:extLst>
-              <a:ext uri="{FF2B5EF4-FFF2-40B4-BE49-F238E27FC236}">
-                <a16:creationId xmlns:a16="http://schemas.microsoft.com/office/drawing/2014/main" id="{7AC0B6CB-9866-4F35-9DBE-1D90970F1E19}"/>
-              </a:ext>
-            </a:extLst>
-          </p:cNvPr>
-          <p:cNvPicPr>
-            <a:picLocks noChangeAspect="1"/>
-          </p:cNvPicPr>
-          <p:nvPr/>
-        </p:nvPicPr>
-        <p:blipFill>
-          <a:blip r:embed="rId3"/>
-          <a:stretch>
-            <a:fillRect/>
-          </a:stretch>
-        </p:blipFill>
-        <p:spPr>
-          <a:xfrm>
-            <a:off x="2296122" y="1691686"/>
-            <a:ext cx="7599756" cy="4893828"/>
-          </a:xfrm>
-          <a:prstGeom prst="rect">
-            <a:avLst/>
-          </a:prstGeom>
-        </p:spPr>
-      </p:pic>
-      <p:sp>
-        <p:nvSpPr>
-          <p:cNvPr id="15" name="TextBox 14">
-            <a:extLst>
-              <a:ext uri="{FF2B5EF4-FFF2-40B4-BE49-F238E27FC236}">
-                <a16:creationId xmlns:a16="http://schemas.microsoft.com/office/drawing/2014/main" id="{D19B3B59-1C2C-400F-9672-A61E056B5621}"/>
-              </a:ext>
-            </a:extLst>
-          </p:cNvPr>
+          <p:cNvPr id="11" name="TextBox 10"/>
           <p:cNvSpPr txBox="1"/>
           <p:nvPr/>
         </p:nvSpPr>
@@ -6390,6 +6193,28 @@
               <a:t>02. </a:t>
             </a:r>
             <a:r>
+              <a:rPr lang="en-US" altLang="ko-KR" sz="1400" dirty="0" err="1">
+                <a:ln>
+                  <a:solidFill>
+                    <a:schemeClr val="tx1">
+                      <a:lumMod val="85000"/>
+                      <a:lumOff val="15000"/>
+                      <a:alpha val="0"/>
+                    </a:schemeClr>
+                  </a:solidFill>
+                </a:ln>
+                <a:solidFill>
+                  <a:schemeClr val="tx1">
+                    <a:lumMod val="85000"/>
+                    <a:lumOff val="15000"/>
+                  </a:schemeClr>
+                </a:solidFill>
+                <a:latin typeface="-윤고딕340" panose="02030504000101010101" pitchFamily="18" charset="-127"/>
+                <a:ea typeface="-윤고딕340" panose="02030504000101010101" pitchFamily="18" charset="-127"/>
+              </a:rPr>
+              <a:t>SpMix</a:t>
+            </a:r>
+            <a:r>
               <a:rPr lang="en-US" altLang="ko-KR" sz="1400" dirty="0">
                 <a:ln>
                   <a:solidFill>
@@ -6409,7 +6234,51 @@
                 <a:latin typeface="-윤고딕340" panose="02030504000101010101" pitchFamily="18" charset="-127"/>
                 <a:ea typeface="-윤고딕340" panose="02030504000101010101" pitchFamily="18" charset="-127"/>
               </a:rPr>
-              <a:t>Test Case</a:t>
+              <a:t> w/ ‘</a:t>
+            </a:r>
+            <a:r>
+              <a:rPr lang="en-US" altLang="ko-KR" sz="1400" dirty="0" err="1">
+                <a:ln>
+                  <a:solidFill>
+                    <a:schemeClr val="tx1">
+                      <a:lumMod val="85000"/>
+                      <a:lumOff val="15000"/>
+                      <a:alpha val="0"/>
+                    </a:schemeClr>
+                  </a:solidFill>
+                </a:ln>
+                <a:solidFill>
+                  <a:schemeClr val="tx1">
+                    <a:lumMod val="85000"/>
+                    <a:lumOff val="15000"/>
+                  </a:schemeClr>
+                </a:solidFill>
+                <a:latin typeface="-윤고딕340" panose="02030504000101010101" pitchFamily="18" charset="-127"/>
+                <a:ea typeface="-윤고딕340" panose="02030504000101010101" pitchFamily="18" charset="-127"/>
+              </a:rPr>
+              <a:t>fmlogcondens</a:t>
+            </a:r>
+            <a:r>
+              <a:rPr lang="en-US" altLang="ko-KR" sz="1400" dirty="0">
+                <a:ln>
+                  <a:solidFill>
+                    <a:schemeClr val="tx1">
+                      <a:lumMod val="85000"/>
+                      <a:lumOff val="15000"/>
+                      <a:alpha val="0"/>
+                    </a:schemeClr>
+                  </a:solidFill>
+                </a:ln>
+                <a:solidFill>
+                  <a:schemeClr val="tx1">
+                    <a:lumMod val="85000"/>
+                    <a:lumOff val="15000"/>
+                  </a:schemeClr>
+                </a:solidFill>
+                <a:latin typeface="-윤고딕340" panose="02030504000101010101" pitchFamily="18" charset="-127"/>
+                <a:ea typeface="-윤고딕340" panose="02030504000101010101" pitchFamily="18" charset="-127"/>
+              </a:rPr>
+              <a:t>’</a:t>
             </a:r>
             <a:endParaRPr lang="ko-KR" altLang="en-US" sz="1400" dirty="0">
               <a:ln>
@@ -6433,10 +6302,117 @@
           </a:p>
         </p:txBody>
       </p:sp>
+      <p:sp>
+        <p:nvSpPr>
+          <p:cNvPr id="18" name="직사각형 17">
+            <a:extLst>
+              <a:ext uri="{FF2B5EF4-FFF2-40B4-BE49-F238E27FC236}">
+                <a16:creationId xmlns:a16="http://schemas.microsoft.com/office/drawing/2014/main" id="{7A7C13F8-E736-47C7-A7E6-B9BF2CB910BA}"/>
+              </a:ext>
+            </a:extLst>
+          </p:cNvPr>
+          <p:cNvSpPr/>
+          <p:nvPr/>
+        </p:nvSpPr>
+        <p:spPr>
+          <a:xfrm>
+            <a:off x="1250432" y="5795901"/>
+            <a:ext cx="9362660" cy="720924"/>
+          </a:xfrm>
+          <a:prstGeom prst="rect">
+            <a:avLst/>
+          </a:prstGeom>
+          <a:noFill/>
+          <a:ln w="38100"/>
+        </p:spPr>
+        <p:style>
+          <a:lnRef idx="2">
+            <a:schemeClr val="accent1">
+              <a:shade val="50000"/>
+            </a:schemeClr>
+          </a:lnRef>
+          <a:fillRef idx="1">
+            <a:schemeClr val="accent1"/>
+          </a:fillRef>
+          <a:effectRef idx="0">
+            <a:schemeClr val="accent1"/>
+          </a:effectRef>
+          <a:fontRef idx="minor">
+            <a:schemeClr val="lt1"/>
+          </a:fontRef>
+        </p:style>
+        <p:txBody>
+          <a:bodyPr rtlCol="0" anchor="ctr"/>
+          <a:lstStyle/>
+          <a:p>
+            <a:pPr algn="ctr"/>
+            <a:endParaRPr lang="ko-KR" altLang="en-US"/>
+          </a:p>
+        </p:txBody>
+      </p:sp>
+      <p:pic>
+        <p:nvPicPr>
+          <p:cNvPr id="9" name="그림 8">
+            <a:extLst>
+              <a:ext uri="{FF2B5EF4-FFF2-40B4-BE49-F238E27FC236}">
+                <a16:creationId xmlns:a16="http://schemas.microsoft.com/office/drawing/2014/main" id="{F55BED02-9948-1845-A409-2804C2A11DB6}"/>
+              </a:ext>
+            </a:extLst>
+          </p:cNvPr>
+          <p:cNvPicPr>
+            <a:picLocks noChangeAspect="1"/>
+          </p:cNvPicPr>
+          <p:nvPr/>
+        </p:nvPicPr>
+        <p:blipFill>
+          <a:blip r:embed="rId3"/>
+          <a:stretch>
+            <a:fillRect/>
+          </a:stretch>
+        </p:blipFill>
+        <p:spPr>
+          <a:xfrm>
+            <a:off x="1630018" y="5861717"/>
+            <a:ext cx="8597348" cy="572423"/>
+          </a:xfrm>
+          <a:prstGeom prst="rect">
+            <a:avLst/>
+          </a:prstGeom>
+        </p:spPr>
+      </p:pic>
+      <p:pic>
+        <p:nvPicPr>
+          <p:cNvPr id="13" name="그림 12">
+            <a:extLst>
+              <a:ext uri="{FF2B5EF4-FFF2-40B4-BE49-F238E27FC236}">
+                <a16:creationId xmlns:a16="http://schemas.microsoft.com/office/drawing/2014/main" id="{3083261E-CADC-3A41-A530-D11A6ECB1DED}"/>
+              </a:ext>
+            </a:extLst>
+          </p:cNvPr>
+          <p:cNvPicPr>
+            <a:picLocks noChangeAspect="1"/>
+          </p:cNvPicPr>
+          <p:nvPr/>
+        </p:nvPicPr>
+        <p:blipFill rotWithShape="1">
+          <a:blip r:embed="rId4"/>
+          <a:srcRect b="11681"/>
+          <a:stretch/>
+        </p:blipFill>
+        <p:spPr>
+          <a:xfrm>
+            <a:off x="2555108" y="781219"/>
+            <a:ext cx="6747168" cy="4889976"/>
+          </a:xfrm>
+          <a:prstGeom prst="rect">
+            <a:avLst/>
+          </a:prstGeom>
+        </p:spPr>
+      </p:pic>
     </p:spTree>
     <p:extLst>
       <p:ext uri="{BB962C8B-B14F-4D97-AF65-F5344CB8AC3E}">
-        <p14:creationId xmlns:p14="http://schemas.microsoft.com/office/powerpoint/2010/main" val="2924932002"/>
+        <p14:creationId xmlns:p14="http://schemas.microsoft.com/office/powerpoint/2010/main" val="2881229147"/>
       </p:ext>
     </p:extLst>
   </p:cSld>
@@ -6458,7 +6434,7 @@
 </p:sld>
 </file>
 
-<file path=ppt/slides/slide11.xml><?xml version="1.0" encoding="utf-8"?>
+<file path=ppt/slides/slide12.xml><?xml version="1.0" encoding="utf-8"?>
 <p:sld xmlns:a="http://schemas.openxmlformats.org/drawingml/2006/main" xmlns:r="http://schemas.openxmlformats.org/officeDocument/2006/relationships" xmlns:p="http://schemas.openxmlformats.org/presentationml/2006/main">
   <p:cSld>
     <p:spTree>
@@ -6827,159 +6803,7 @@
       </p:sp>
       <p:sp>
         <p:nvSpPr>
-          <p:cNvPr id="14" name="TextBox 13">
-            <a:extLst>
-              <a:ext uri="{FF2B5EF4-FFF2-40B4-BE49-F238E27FC236}">
-                <a16:creationId xmlns:a16="http://schemas.microsoft.com/office/drawing/2014/main" id="{876DB399-8879-4421-8CA8-FD74AEBD157F}"/>
-              </a:ext>
-            </a:extLst>
-          </p:cNvPr>
-          <p:cNvSpPr txBox="1"/>
-          <p:nvPr/>
-        </p:nvSpPr>
-        <p:spPr>
-          <a:xfrm>
-            <a:off x="992976" y="800657"/>
-            <a:ext cx="10191580" cy="1521955"/>
-          </a:xfrm>
-          <a:prstGeom prst="rect">
-            <a:avLst/>
-          </a:prstGeom>
-          <a:noFill/>
-        </p:spPr>
-        <p:txBody>
-          <a:bodyPr wrap="square">
-            <a:spAutoFit/>
-          </a:bodyPr>
-          <a:lstStyle/>
-          <a:p>
-            <a:pPr>
-              <a:lnSpc>
-                <a:spcPct val="150000"/>
-              </a:lnSpc>
-            </a:pPr>
-            <a:r>
-              <a:rPr lang="en-US" altLang="ko-KR" sz="2400" b="1" dirty="0">
-                <a:ln>
-                  <a:solidFill>
-                    <a:schemeClr val="tx1">
-                      <a:lumMod val="85000"/>
-                      <a:lumOff val="15000"/>
-                      <a:alpha val="0"/>
-                    </a:schemeClr>
-                  </a:solidFill>
-                </a:ln>
-                <a:solidFill>
-                  <a:schemeClr val="tx1">
-                    <a:lumMod val="85000"/>
-                    <a:lumOff val="15000"/>
-                  </a:schemeClr>
-                </a:solidFill>
-                <a:latin typeface="12롯데마트드림Medium"/>
-                <a:ea typeface="-윤고딕340" panose="02030504000101010101" pitchFamily="18" charset="-127"/>
-              </a:rPr>
-              <a:t>02 Univariate Gamma</a:t>
-            </a:r>
-          </a:p>
-          <a:p>
-            <a:pPr>
-              <a:lnSpc>
-                <a:spcPct val="150000"/>
-              </a:lnSpc>
-            </a:pPr>
-            <a:r>
-              <a:rPr lang="en-US" altLang="ko-KR" sz="2000" dirty="0">
-                <a:ln>
-                  <a:solidFill>
-                    <a:schemeClr val="tx1">
-                      <a:lumMod val="85000"/>
-                      <a:lumOff val="15000"/>
-                      <a:alpha val="0"/>
-                    </a:schemeClr>
-                  </a:solidFill>
-                </a:ln>
-                <a:solidFill>
-                  <a:schemeClr val="tx1">
-                    <a:lumMod val="85000"/>
-                    <a:lumOff val="15000"/>
-                  </a:schemeClr>
-                </a:solidFill>
-                <a:latin typeface="12롯데마트드림Medium"/>
-                <a:ea typeface="-윤고딕340" panose="02030504000101010101" pitchFamily="18" charset="-127"/>
-              </a:rPr>
-              <a:t>    : p0=0.9</a:t>
-            </a:r>
-          </a:p>
-          <a:p>
-            <a:pPr>
-              <a:lnSpc>
-                <a:spcPct val="150000"/>
-              </a:lnSpc>
-            </a:pPr>
-            <a:r>
-              <a:rPr lang="en-US" altLang="ko-KR" sz="2000" dirty="0">
-                <a:ln>
-                  <a:solidFill>
-                    <a:schemeClr val="tx1">
-                      <a:lumMod val="85000"/>
-                      <a:lumOff val="15000"/>
-                      <a:alpha val="0"/>
-                    </a:schemeClr>
-                  </a:solidFill>
-                </a:ln>
-                <a:solidFill>
-                  <a:schemeClr val="tx1">
-                    <a:lumMod val="85000"/>
-                    <a:lumOff val="15000"/>
-                  </a:schemeClr>
-                </a:solidFill>
-                <a:latin typeface="12롯데마트드림Medium"/>
-                <a:ea typeface="-윤고딕340" panose="02030504000101010101" pitchFamily="18" charset="-127"/>
-              </a:rPr>
-              <a:t>     </a:t>
-            </a:r>
-          </a:p>
-        </p:txBody>
-      </p:sp>
-      <p:pic>
-        <p:nvPicPr>
-          <p:cNvPr id="13" name="그림 12">
-            <a:extLst>
-              <a:ext uri="{FF2B5EF4-FFF2-40B4-BE49-F238E27FC236}">
-                <a16:creationId xmlns:a16="http://schemas.microsoft.com/office/drawing/2014/main" id="{5A7391C7-FA84-401A-988B-E76E71162903}"/>
-              </a:ext>
-            </a:extLst>
-          </p:cNvPr>
-          <p:cNvPicPr>
-            <a:picLocks noChangeAspect="1"/>
-          </p:cNvPicPr>
-          <p:nvPr/>
-        </p:nvPicPr>
-        <p:blipFill>
-          <a:blip r:embed="rId3"/>
-          <a:stretch>
-            <a:fillRect/>
-          </a:stretch>
-        </p:blipFill>
-        <p:spPr>
-          <a:xfrm>
-            <a:off x="2148675" y="1664115"/>
-            <a:ext cx="7870974" cy="5067701"/>
-          </a:xfrm>
-          <a:prstGeom prst="rect">
-            <a:avLst/>
-          </a:prstGeom>
-        </p:spPr>
-      </p:pic>
-      <p:sp>
-        <p:nvSpPr>
-          <p:cNvPr id="15" name="TextBox 14">
-            <a:extLst>
-              <a:ext uri="{FF2B5EF4-FFF2-40B4-BE49-F238E27FC236}">
-                <a16:creationId xmlns:a16="http://schemas.microsoft.com/office/drawing/2014/main" id="{BBFDC099-2F1B-4C0B-915D-F73D184DD8BE}"/>
-              </a:ext>
-            </a:extLst>
-          </p:cNvPr>
+          <p:cNvPr id="11" name="TextBox 10"/>
           <p:cNvSpPr txBox="1"/>
           <p:nvPr/>
         </p:nvSpPr>
@@ -7022,6 +6846,28 @@
               <a:t>02. </a:t>
             </a:r>
             <a:r>
+              <a:rPr lang="en-US" altLang="ko-KR" sz="1400" dirty="0" err="1">
+                <a:ln>
+                  <a:solidFill>
+                    <a:schemeClr val="tx1">
+                      <a:lumMod val="85000"/>
+                      <a:lumOff val="15000"/>
+                      <a:alpha val="0"/>
+                    </a:schemeClr>
+                  </a:solidFill>
+                </a:ln>
+                <a:solidFill>
+                  <a:schemeClr val="tx1">
+                    <a:lumMod val="85000"/>
+                    <a:lumOff val="15000"/>
+                  </a:schemeClr>
+                </a:solidFill>
+                <a:latin typeface="-윤고딕340" panose="02030504000101010101" pitchFamily="18" charset="-127"/>
+                <a:ea typeface="-윤고딕340" panose="02030504000101010101" pitchFamily="18" charset="-127"/>
+              </a:rPr>
+              <a:t>SpMix</a:t>
+            </a:r>
+            <a:r>
               <a:rPr lang="en-US" altLang="ko-KR" sz="1400" dirty="0">
                 <a:ln>
                   <a:solidFill>
@@ -7041,7 +6887,51 @@
                 <a:latin typeface="-윤고딕340" panose="02030504000101010101" pitchFamily="18" charset="-127"/>
                 <a:ea typeface="-윤고딕340" panose="02030504000101010101" pitchFamily="18" charset="-127"/>
               </a:rPr>
-              <a:t>Test Case</a:t>
+              <a:t> w/ ‘</a:t>
+            </a:r>
+            <a:r>
+              <a:rPr lang="en-US" altLang="ko-KR" sz="1400" dirty="0" err="1">
+                <a:ln>
+                  <a:solidFill>
+                    <a:schemeClr val="tx1">
+                      <a:lumMod val="85000"/>
+                      <a:lumOff val="15000"/>
+                      <a:alpha val="0"/>
+                    </a:schemeClr>
+                  </a:solidFill>
+                </a:ln>
+                <a:solidFill>
+                  <a:schemeClr val="tx1">
+                    <a:lumMod val="85000"/>
+                    <a:lumOff val="15000"/>
+                  </a:schemeClr>
+                </a:solidFill>
+                <a:latin typeface="-윤고딕340" panose="02030504000101010101" pitchFamily="18" charset="-127"/>
+                <a:ea typeface="-윤고딕340" panose="02030504000101010101" pitchFamily="18" charset="-127"/>
+              </a:rPr>
+              <a:t>fmlogcondens</a:t>
+            </a:r>
+            <a:r>
+              <a:rPr lang="en-US" altLang="ko-KR" sz="1400" dirty="0">
+                <a:ln>
+                  <a:solidFill>
+                    <a:schemeClr val="tx1">
+                      <a:lumMod val="85000"/>
+                      <a:lumOff val="15000"/>
+                      <a:alpha val="0"/>
+                    </a:schemeClr>
+                  </a:solidFill>
+                </a:ln>
+                <a:solidFill>
+                  <a:schemeClr val="tx1">
+                    <a:lumMod val="85000"/>
+                    <a:lumOff val="15000"/>
+                  </a:schemeClr>
+                </a:solidFill>
+                <a:latin typeface="-윤고딕340" panose="02030504000101010101" pitchFamily="18" charset="-127"/>
+                <a:ea typeface="-윤고딕340" panose="02030504000101010101" pitchFamily="18" charset="-127"/>
+              </a:rPr>
+              <a:t>’</a:t>
             </a:r>
             <a:endParaRPr lang="ko-KR" altLang="en-US" sz="1400" dirty="0">
               <a:ln>
@@ -7065,10 +6955,136 @@
           </a:p>
         </p:txBody>
       </p:sp>
+      <p:pic>
+        <p:nvPicPr>
+          <p:cNvPr id="12" name="그림 11">
+            <a:extLst>
+              <a:ext uri="{FF2B5EF4-FFF2-40B4-BE49-F238E27FC236}">
+                <a16:creationId xmlns:a16="http://schemas.microsoft.com/office/drawing/2014/main" id="{198FE938-2157-644F-81C9-E99640E95FA4}"/>
+              </a:ext>
+            </a:extLst>
+          </p:cNvPr>
+          <p:cNvPicPr>
+            <a:picLocks noChangeAspect="1"/>
+          </p:cNvPicPr>
+          <p:nvPr/>
+        </p:nvPicPr>
+        <p:blipFill>
+          <a:blip r:embed="rId3"/>
+          <a:stretch>
+            <a:fillRect/>
+          </a:stretch>
+        </p:blipFill>
+        <p:spPr>
+          <a:xfrm>
+            <a:off x="2075390" y="1033007"/>
+            <a:ext cx="7227680" cy="1713153"/>
+          </a:xfrm>
+          <a:prstGeom prst="rect">
+            <a:avLst/>
+          </a:prstGeom>
+        </p:spPr>
+      </p:pic>
+      <p:pic>
+        <p:nvPicPr>
+          <p:cNvPr id="14" name="그림 13">
+            <a:extLst>
+              <a:ext uri="{FF2B5EF4-FFF2-40B4-BE49-F238E27FC236}">
+                <a16:creationId xmlns:a16="http://schemas.microsoft.com/office/drawing/2014/main" id="{AFFFA372-1741-104F-8E99-30F9454BEDD7}"/>
+              </a:ext>
+            </a:extLst>
+          </p:cNvPr>
+          <p:cNvPicPr>
+            <a:picLocks noChangeAspect="1"/>
+          </p:cNvPicPr>
+          <p:nvPr/>
+        </p:nvPicPr>
+        <p:blipFill>
+          <a:blip r:embed="rId4"/>
+          <a:stretch>
+            <a:fillRect/>
+          </a:stretch>
+        </p:blipFill>
+        <p:spPr>
+          <a:xfrm>
+            <a:off x="1492570" y="2984500"/>
+            <a:ext cx="7810500" cy="889000"/>
+          </a:xfrm>
+          <a:prstGeom prst="rect">
+            <a:avLst/>
+          </a:prstGeom>
+        </p:spPr>
+      </p:pic>
+      <p:sp>
+        <p:nvSpPr>
+          <p:cNvPr id="15" name="TextBox 14">
+            <a:extLst>
+              <a:ext uri="{FF2B5EF4-FFF2-40B4-BE49-F238E27FC236}">
+                <a16:creationId xmlns:a16="http://schemas.microsoft.com/office/drawing/2014/main" id="{6A401068-1C97-6F4D-AC37-1DBA52072827}"/>
+              </a:ext>
+            </a:extLst>
+          </p:cNvPr>
+          <p:cNvSpPr txBox="1"/>
+          <p:nvPr/>
+        </p:nvSpPr>
+        <p:spPr>
+          <a:xfrm>
+            <a:off x="5689230" y="3429000"/>
+            <a:ext cx="3466562" cy="369332"/>
+          </a:xfrm>
+          <a:prstGeom prst="rect">
+            <a:avLst/>
+          </a:prstGeom>
+          <a:noFill/>
+        </p:spPr>
+        <p:txBody>
+          <a:bodyPr wrap="square" rtlCol="0">
+            <a:spAutoFit/>
+          </a:bodyPr>
+          <a:lstStyle/>
+          <a:p>
+            <a:r>
+              <a:rPr kumimoji="1" lang="en-US" altLang="ko-Kore-KR" dirty="0" err="1"/>
+              <a:t>paramFitGammaOne.R</a:t>
+            </a:r>
+            <a:endParaRPr kumimoji="1" lang="ko-Kore-KR" altLang="en-US" dirty="0"/>
+          </a:p>
+        </p:txBody>
+      </p:sp>
+      <p:pic>
+        <p:nvPicPr>
+          <p:cNvPr id="9" name="그림 8">
+            <a:extLst>
+              <a:ext uri="{FF2B5EF4-FFF2-40B4-BE49-F238E27FC236}">
+                <a16:creationId xmlns:a16="http://schemas.microsoft.com/office/drawing/2014/main" id="{72D3E52F-69BF-A842-9E9A-3D5989A63428}"/>
+              </a:ext>
+            </a:extLst>
+          </p:cNvPr>
+          <p:cNvPicPr>
+            <a:picLocks noChangeAspect="1"/>
+          </p:cNvPicPr>
+          <p:nvPr/>
+        </p:nvPicPr>
+        <p:blipFill>
+          <a:blip r:embed="rId5"/>
+          <a:stretch>
+            <a:fillRect/>
+          </a:stretch>
+        </p:blipFill>
+        <p:spPr>
+          <a:xfrm>
+            <a:off x="1174430" y="4533076"/>
+            <a:ext cx="9525000" cy="1473200"/>
+          </a:xfrm>
+          <a:prstGeom prst="rect">
+            <a:avLst/>
+          </a:prstGeom>
+        </p:spPr>
+      </p:pic>
     </p:spTree>
     <p:extLst>
       <p:ext uri="{BB962C8B-B14F-4D97-AF65-F5344CB8AC3E}">
-        <p14:creationId xmlns:p14="http://schemas.microsoft.com/office/powerpoint/2010/main" val="2301592100"/>
+        <p14:creationId xmlns:p14="http://schemas.microsoft.com/office/powerpoint/2010/main" val="2722882450"/>
       </p:ext>
     </p:extLst>
   </p:cSld>
@@ -7090,7 +7106,7 @@
 </p:sld>
 </file>
 
-<file path=ppt/slides/slide12.xml><?xml version="1.0" encoding="utf-8"?>
+<file path=ppt/slides/slide13.xml><?xml version="1.0" encoding="utf-8"?>
 <p:sld xmlns:a="http://schemas.openxmlformats.org/drawingml/2006/main" xmlns:r="http://schemas.openxmlformats.org/officeDocument/2006/relationships" xmlns:p="http://schemas.openxmlformats.org/presentationml/2006/main">
   <p:cSld>
     <p:spTree>
@@ -7459,159 +7475,7 @@
       </p:sp>
       <p:sp>
         <p:nvSpPr>
-          <p:cNvPr id="14" name="TextBox 13">
-            <a:extLst>
-              <a:ext uri="{FF2B5EF4-FFF2-40B4-BE49-F238E27FC236}">
-                <a16:creationId xmlns:a16="http://schemas.microsoft.com/office/drawing/2014/main" id="{876DB399-8879-4421-8CA8-FD74AEBD157F}"/>
-              </a:ext>
-            </a:extLst>
-          </p:cNvPr>
-          <p:cNvSpPr txBox="1"/>
-          <p:nvPr/>
-        </p:nvSpPr>
-        <p:spPr>
-          <a:xfrm>
-            <a:off x="863243" y="579876"/>
-            <a:ext cx="10191580" cy="1521955"/>
-          </a:xfrm>
-          <a:prstGeom prst="rect">
-            <a:avLst/>
-          </a:prstGeom>
-          <a:noFill/>
-        </p:spPr>
-        <p:txBody>
-          <a:bodyPr wrap="square">
-            <a:spAutoFit/>
-          </a:bodyPr>
-          <a:lstStyle/>
-          <a:p>
-            <a:pPr>
-              <a:lnSpc>
-                <a:spcPct val="150000"/>
-              </a:lnSpc>
-            </a:pPr>
-            <a:r>
-              <a:rPr lang="en-US" altLang="ko-KR" sz="2400" b="1" dirty="0">
-                <a:ln>
-                  <a:solidFill>
-                    <a:schemeClr val="tx1">
-                      <a:lumMod val="85000"/>
-                      <a:lumOff val="15000"/>
-                      <a:alpha val="0"/>
-                    </a:schemeClr>
-                  </a:solidFill>
-                </a:ln>
-                <a:solidFill>
-                  <a:schemeClr val="tx1">
-                    <a:lumMod val="85000"/>
-                    <a:lumOff val="15000"/>
-                  </a:schemeClr>
-                </a:solidFill>
-                <a:latin typeface="12롯데마트드림Medium"/>
-                <a:ea typeface="-윤고딕340" panose="02030504000101010101" pitchFamily="18" charset="-127"/>
-              </a:rPr>
-              <a:t>02 Univariate Gamma</a:t>
-            </a:r>
-          </a:p>
-          <a:p>
-            <a:pPr>
-              <a:lnSpc>
-                <a:spcPct val="150000"/>
-              </a:lnSpc>
-            </a:pPr>
-            <a:r>
-              <a:rPr lang="en-US" altLang="ko-KR" sz="2000" dirty="0">
-                <a:ln>
-                  <a:solidFill>
-                    <a:schemeClr val="tx1">
-                      <a:lumMod val="85000"/>
-                      <a:lumOff val="15000"/>
-                      <a:alpha val="0"/>
-                    </a:schemeClr>
-                  </a:solidFill>
-                </a:ln>
-                <a:solidFill>
-                  <a:schemeClr val="tx1">
-                    <a:lumMod val="85000"/>
-                    <a:lumOff val="15000"/>
-                  </a:schemeClr>
-                </a:solidFill>
-                <a:latin typeface="12롯데마트드림Medium"/>
-                <a:ea typeface="-윤고딕340" panose="02030504000101010101" pitchFamily="18" charset="-127"/>
-              </a:rPr>
-              <a:t>    : p0=0.8</a:t>
-            </a:r>
-          </a:p>
-          <a:p>
-            <a:pPr>
-              <a:lnSpc>
-                <a:spcPct val="150000"/>
-              </a:lnSpc>
-            </a:pPr>
-            <a:r>
-              <a:rPr lang="en-US" altLang="ko-KR" sz="2000" dirty="0">
-                <a:ln>
-                  <a:solidFill>
-                    <a:schemeClr val="tx1">
-                      <a:lumMod val="85000"/>
-                      <a:lumOff val="15000"/>
-                      <a:alpha val="0"/>
-                    </a:schemeClr>
-                  </a:solidFill>
-                </a:ln>
-                <a:solidFill>
-                  <a:schemeClr val="tx1">
-                    <a:lumMod val="85000"/>
-                    <a:lumOff val="15000"/>
-                  </a:schemeClr>
-                </a:solidFill>
-                <a:latin typeface="12롯데마트드림Medium"/>
-                <a:ea typeface="-윤고딕340" panose="02030504000101010101" pitchFamily="18" charset="-127"/>
-              </a:rPr>
-              <a:t>     </a:t>
-            </a:r>
-          </a:p>
-        </p:txBody>
-      </p:sp>
-      <p:pic>
-        <p:nvPicPr>
-          <p:cNvPr id="13" name="그림 12">
-            <a:extLst>
-              <a:ext uri="{FF2B5EF4-FFF2-40B4-BE49-F238E27FC236}">
-                <a16:creationId xmlns:a16="http://schemas.microsoft.com/office/drawing/2014/main" id="{5BB942F4-BD6E-4D25-9679-35B14676DA00}"/>
-              </a:ext>
-            </a:extLst>
-          </p:cNvPr>
-          <p:cNvPicPr>
-            <a:picLocks noChangeAspect="1"/>
-          </p:cNvPicPr>
-          <p:nvPr/>
-        </p:nvPicPr>
-        <p:blipFill>
-          <a:blip r:embed="rId3"/>
-          <a:stretch>
-            <a:fillRect/>
-          </a:stretch>
-        </p:blipFill>
-        <p:spPr>
-          <a:xfrm>
-            <a:off x="2070081" y="1526662"/>
-            <a:ext cx="8051838" cy="5106202"/>
-          </a:xfrm>
-          <a:prstGeom prst="rect">
-            <a:avLst/>
-          </a:prstGeom>
-        </p:spPr>
-      </p:pic>
-      <p:sp>
-        <p:nvSpPr>
-          <p:cNvPr id="15" name="TextBox 14">
-            <a:extLst>
-              <a:ext uri="{FF2B5EF4-FFF2-40B4-BE49-F238E27FC236}">
-                <a16:creationId xmlns:a16="http://schemas.microsoft.com/office/drawing/2014/main" id="{3A58A65E-A385-4994-9CDF-412BC3F9CC14}"/>
-              </a:ext>
-            </a:extLst>
-          </p:cNvPr>
+          <p:cNvPr id="11" name="TextBox 10"/>
           <p:cNvSpPr txBox="1"/>
           <p:nvPr/>
         </p:nvSpPr>
@@ -7654,6 +7518,28 @@
               <a:t>02. </a:t>
             </a:r>
             <a:r>
+              <a:rPr lang="en-US" altLang="ko-KR" sz="1400" dirty="0" err="1">
+                <a:ln>
+                  <a:solidFill>
+                    <a:schemeClr val="tx1">
+                      <a:lumMod val="85000"/>
+                      <a:lumOff val="15000"/>
+                      <a:alpha val="0"/>
+                    </a:schemeClr>
+                  </a:solidFill>
+                </a:ln>
+                <a:solidFill>
+                  <a:schemeClr val="tx1">
+                    <a:lumMod val="85000"/>
+                    <a:lumOff val="15000"/>
+                  </a:schemeClr>
+                </a:solidFill>
+                <a:latin typeface="-윤고딕340" panose="02030504000101010101" pitchFamily="18" charset="-127"/>
+                <a:ea typeface="-윤고딕340" panose="02030504000101010101" pitchFamily="18" charset="-127"/>
+              </a:rPr>
+              <a:t>SpMix</a:t>
+            </a:r>
+            <a:r>
               <a:rPr lang="en-US" altLang="ko-KR" sz="1400" dirty="0">
                 <a:ln>
                   <a:solidFill>
@@ -7673,7 +7559,51 @@
                 <a:latin typeface="-윤고딕340" panose="02030504000101010101" pitchFamily="18" charset="-127"/>
                 <a:ea typeface="-윤고딕340" panose="02030504000101010101" pitchFamily="18" charset="-127"/>
               </a:rPr>
-              <a:t>Test Case</a:t>
+              <a:t> w/ ‘</a:t>
+            </a:r>
+            <a:r>
+              <a:rPr lang="en-US" altLang="ko-KR" sz="1400" dirty="0" err="1">
+                <a:ln>
+                  <a:solidFill>
+                    <a:schemeClr val="tx1">
+                      <a:lumMod val="85000"/>
+                      <a:lumOff val="15000"/>
+                      <a:alpha val="0"/>
+                    </a:schemeClr>
+                  </a:solidFill>
+                </a:ln>
+                <a:solidFill>
+                  <a:schemeClr val="tx1">
+                    <a:lumMod val="85000"/>
+                    <a:lumOff val="15000"/>
+                  </a:schemeClr>
+                </a:solidFill>
+                <a:latin typeface="-윤고딕340" panose="02030504000101010101" pitchFamily="18" charset="-127"/>
+                <a:ea typeface="-윤고딕340" panose="02030504000101010101" pitchFamily="18" charset="-127"/>
+              </a:rPr>
+              <a:t>fmlogcondens</a:t>
+            </a:r>
+            <a:r>
+              <a:rPr lang="en-US" altLang="ko-KR" sz="1400" dirty="0">
+                <a:ln>
+                  <a:solidFill>
+                    <a:schemeClr val="tx1">
+                      <a:lumMod val="85000"/>
+                      <a:lumOff val="15000"/>
+                      <a:alpha val="0"/>
+                    </a:schemeClr>
+                  </a:solidFill>
+                </a:ln>
+                <a:solidFill>
+                  <a:schemeClr val="tx1">
+                    <a:lumMod val="85000"/>
+                    <a:lumOff val="15000"/>
+                  </a:schemeClr>
+                </a:solidFill>
+                <a:latin typeface="-윤고딕340" panose="02030504000101010101" pitchFamily="18" charset="-127"/>
+                <a:ea typeface="-윤고딕340" panose="02030504000101010101" pitchFamily="18" charset="-127"/>
+              </a:rPr>
+              <a:t>’</a:t>
             </a:r>
             <a:endParaRPr lang="ko-KR" altLang="en-US" sz="1400" dirty="0">
               <a:ln>
@@ -7697,10 +7627,76 @@
           </a:p>
         </p:txBody>
       </p:sp>
+      <p:sp>
+        <p:nvSpPr>
+          <p:cNvPr id="16" name="TextBox 15">
+            <a:extLst>
+              <a:ext uri="{FF2B5EF4-FFF2-40B4-BE49-F238E27FC236}">
+                <a16:creationId xmlns:a16="http://schemas.microsoft.com/office/drawing/2014/main" id="{F1D4B13F-D3A4-C044-9B52-D906858A509F}"/>
+              </a:ext>
+            </a:extLst>
+          </p:cNvPr>
+          <p:cNvSpPr txBox="1"/>
+          <p:nvPr/>
+        </p:nvSpPr>
+        <p:spPr>
+          <a:xfrm>
+            <a:off x="6959890" y="4046517"/>
+            <a:ext cx="3466562" cy="369332"/>
+          </a:xfrm>
+          <a:prstGeom prst="rect">
+            <a:avLst/>
+          </a:prstGeom>
+          <a:noFill/>
+        </p:spPr>
+        <p:txBody>
+          <a:bodyPr wrap="square" rtlCol="0">
+            <a:spAutoFit/>
+          </a:bodyPr>
+          <a:lstStyle/>
+          <a:p>
+            <a:r>
+              <a:rPr kumimoji="1" lang="en-US" altLang="ko-Kore-KR" dirty="0" err="1"/>
+              <a:t>fmlcd.R</a:t>
+            </a:r>
+            <a:endParaRPr kumimoji="1" lang="ko-Kore-KR" altLang="en-US" dirty="0"/>
+          </a:p>
+        </p:txBody>
+      </p:sp>
+      <p:pic>
+        <p:nvPicPr>
+          <p:cNvPr id="17" name="그림 16">
+            <a:extLst>
+              <a:ext uri="{FF2B5EF4-FFF2-40B4-BE49-F238E27FC236}">
+                <a16:creationId xmlns:a16="http://schemas.microsoft.com/office/drawing/2014/main" id="{2C2F057A-A5F9-D441-B47C-3F02288DE049}"/>
+              </a:ext>
+            </a:extLst>
+          </p:cNvPr>
+          <p:cNvPicPr>
+            <a:picLocks noChangeAspect="1"/>
+          </p:cNvPicPr>
+          <p:nvPr/>
+        </p:nvPicPr>
+        <p:blipFill>
+          <a:blip r:embed="rId3"/>
+          <a:stretch>
+            <a:fillRect/>
+          </a:stretch>
+        </p:blipFill>
+        <p:spPr>
+          <a:xfrm>
+            <a:off x="654050" y="1084448"/>
+            <a:ext cx="10883900" cy="2717800"/>
+          </a:xfrm>
+          <a:prstGeom prst="rect">
+            <a:avLst/>
+          </a:prstGeom>
+        </p:spPr>
+      </p:pic>
     </p:spTree>
     <p:extLst>
       <p:ext uri="{BB962C8B-B14F-4D97-AF65-F5344CB8AC3E}">
-        <p14:creationId xmlns:p14="http://schemas.microsoft.com/office/powerpoint/2010/main" val="4033427756"/>
+        <p14:creationId xmlns:p14="http://schemas.microsoft.com/office/powerpoint/2010/main" val="38967690"/>
       </p:ext>
     </p:extLst>
   </p:cSld>
@@ -7722,7 +7718,7 @@
 </p:sld>
 </file>
 
-<file path=ppt/slides/slide13.xml><?xml version="1.0" encoding="utf-8"?>
+<file path=ppt/slides/slide14.xml><?xml version="1.0" encoding="utf-8"?>
 <p:sld xmlns:a="http://schemas.openxmlformats.org/drawingml/2006/main" xmlns:r="http://schemas.openxmlformats.org/officeDocument/2006/relationships" xmlns:p="http://schemas.openxmlformats.org/presentationml/2006/main">
   <p:cSld>
     <p:spTree>
@@ -8091,100 +8087,7 @@
       </p:sp>
       <p:sp>
         <p:nvSpPr>
-          <p:cNvPr id="14" name="TextBox 13">
-            <a:extLst>
-              <a:ext uri="{FF2B5EF4-FFF2-40B4-BE49-F238E27FC236}">
-                <a16:creationId xmlns:a16="http://schemas.microsoft.com/office/drawing/2014/main" id="{876DB399-8879-4421-8CA8-FD74AEBD157F}"/>
-              </a:ext>
-            </a:extLst>
-          </p:cNvPr>
-          <p:cNvSpPr txBox="1"/>
-          <p:nvPr/>
-        </p:nvSpPr>
-        <p:spPr>
-          <a:xfrm>
-            <a:off x="863243" y="579876"/>
-            <a:ext cx="10191580" cy="1060290"/>
-          </a:xfrm>
-          <a:prstGeom prst="rect">
-            <a:avLst/>
-          </a:prstGeom>
-          <a:noFill/>
-        </p:spPr>
-        <p:txBody>
-          <a:bodyPr wrap="square">
-            <a:spAutoFit/>
-          </a:bodyPr>
-          <a:lstStyle/>
-          <a:p>
-            <a:pPr>
-              <a:lnSpc>
-                <a:spcPct val="150000"/>
-              </a:lnSpc>
-            </a:pPr>
-            <a:r>
-              <a:rPr lang="en-US" altLang="ko-KR" sz="2400" b="1" dirty="0">
-                <a:ln>
-                  <a:solidFill>
-                    <a:schemeClr val="tx1">
-                      <a:lumMod val="85000"/>
-                      <a:lumOff val="15000"/>
-                      <a:alpha val="0"/>
-                    </a:schemeClr>
-                  </a:solidFill>
-                </a:ln>
-                <a:solidFill>
-                  <a:schemeClr val="tx1">
-                    <a:lumMod val="85000"/>
-                    <a:lumOff val="15000"/>
-                  </a:schemeClr>
-                </a:solidFill>
-                <a:latin typeface="12롯데마트드림Medium"/>
-                <a:ea typeface="-윤고딕340" panose="02030504000101010101" pitchFamily="18" charset="-127"/>
-              </a:rPr>
-              <a:t>01 Documentation</a:t>
-            </a:r>
-          </a:p>
-          <a:p>
-            <a:pPr>
-              <a:lnSpc>
-                <a:spcPct val="150000"/>
-              </a:lnSpc>
-            </a:pPr>
-            <a:r>
-              <a:rPr lang="en-US" altLang="ko-KR" sz="2000" dirty="0">
-                <a:ln>
-                  <a:solidFill>
-                    <a:schemeClr val="tx1">
-                      <a:lumMod val="85000"/>
-                      <a:lumOff val="15000"/>
-                      <a:alpha val="0"/>
-                    </a:schemeClr>
-                  </a:solidFill>
-                </a:ln>
-                <a:solidFill>
-                  <a:schemeClr val="tx1">
-                    <a:lumMod val="85000"/>
-                    <a:lumOff val="15000"/>
-                  </a:schemeClr>
-                </a:solidFill>
-                <a:latin typeface="12롯데마트드림Medium"/>
-                <a:ea typeface="-윤고딕340" panose="02030504000101010101" pitchFamily="18" charset="-127"/>
-              </a:rPr>
-              <a:t>     </a:t>
-            </a:r>
-          </a:p>
-        </p:txBody>
-      </p:sp>
-      <p:sp>
-        <p:nvSpPr>
-          <p:cNvPr id="15" name="TextBox 14">
-            <a:extLst>
-              <a:ext uri="{FF2B5EF4-FFF2-40B4-BE49-F238E27FC236}">
-                <a16:creationId xmlns:a16="http://schemas.microsoft.com/office/drawing/2014/main" id="{3A58A65E-A385-4994-9CDF-412BC3F9CC14}"/>
-              </a:ext>
-            </a:extLst>
-          </p:cNvPr>
+          <p:cNvPr id="11" name="TextBox 10"/>
           <p:cNvSpPr txBox="1"/>
           <p:nvPr/>
         </p:nvSpPr>
@@ -8224,7 +8127,29 @@
                 <a:latin typeface="-윤고딕340" pitchFamily="18" charset="-127"/>
                 <a:ea typeface="-윤고딕340" pitchFamily="18" charset="-127"/>
               </a:rPr>
-              <a:t>03. </a:t>
+              <a:t>02. </a:t>
+            </a:r>
+            <a:r>
+              <a:rPr lang="en-US" altLang="ko-KR" sz="1400" dirty="0" err="1">
+                <a:ln>
+                  <a:solidFill>
+                    <a:schemeClr val="tx1">
+                      <a:lumMod val="85000"/>
+                      <a:lumOff val="15000"/>
+                      <a:alpha val="0"/>
+                    </a:schemeClr>
+                  </a:solidFill>
+                </a:ln>
+                <a:solidFill>
+                  <a:schemeClr val="tx1">
+                    <a:lumMod val="85000"/>
+                    <a:lumOff val="15000"/>
+                  </a:schemeClr>
+                </a:solidFill>
+                <a:latin typeface="-윤고딕340" panose="02030504000101010101" pitchFamily="18" charset="-127"/>
+                <a:ea typeface="-윤고딕340" panose="02030504000101010101" pitchFamily="18" charset="-127"/>
+              </a:rPr>
+              <a:t>SpMix</a:t>
             </a:r>
             <a:r>
               <a:rPr lang="en-US" altLang="ko-KR" sz="1400" dirty="0">
@@ -8246,7 +8171,51 @@
                 <a:latin typeface="-윤고딕340" panose="02030504000101010101" pitchFamily="18" charset="-127"/>
                 <a:ea typeface="-윤고딕340" panose="02030504000101010101" pitchFamily="18" charset="-127"/>
               </a:rPr>
-              <a:t>Update</a:t>
+              <a:t> w/ ‘</a:t>
+            </a:r>
+            <a:r>
+              <a:rPr lang="en-US" altLang="ko-KR" sz="1400" dirty="0" err="1">
+                <a:ln>
+                  <a:solidFill>
+                    <a:schemeClr val="tx1">
+                      <a:lumMod val="85000"/>
+                      <a:lumOff val="15000"/>
+                      <a:alpha val="0"/>
+                    </a:schemeClr>
+                  </a:solidFill>
+                </a:ln>
+                <a:solidFill>
+                  <a:schemeClr val="tx1">
+                    <a:lumMod val="85000"/>
+                    <a:lumOff val="15000"/>
+                  </a:schemeClr>
+                </a:solidFill>
+                <a:latin typeface="-윤고딕340" panose="02030504000101010101" pitchFamily="18" charset="-127"/>
+                <a:ea typeface="-윤고딕340" panose="02030504000101010101" pitchFamily="18" charset="-127"/>
+              </a:rPr>
+              <a:t>fmlogcondens</a:t>
+            </a:r>
+            <a:r>
+              <a:rPr lang="en-US" altLang="ko-KR" sz="1400" dirty="0">
+                <a:ln>
+                  <a:solidFill>
+                    <a:schemeClr val="tx1">
+                      <a:lumMod val="85000"/>
+                      <a:lumOff val="15000"/>
+                      <a:alpha val="0"/>
+                    </a:schemeClr>
+                  </a:solidFill>
+                </a:ln>
+                <a:solidFill>
+                  <a:schemeClr val="tx1">
+                    <a:lumMod val="85000"/>
+                    <a:lumOff val="15000"/>
+                  </a:schemeClr>
+                </a:solidFill>
+                <a:latin typeface="-윤고딕340" panose="02030504000101010101" pitchFamily="18" charset="-127"/>
+                <a:ea typeface="-윤고딕340" panose="02030504000101010101" pitchFamily="18" charset="-127"/>
+              </a:rPr>
+              <a:t>’</a:t>
             </a:r>
             <a:endParaRPr lang="ko-KR" altLang="en-US" sz="1400" dirty="0">
               <a:ln>
@@ -8272,10 +8241,10 @@
       </p:sp>
       <p:pic>
         <p:nvPicPr>
-          <p:cNvPr id="11" name="그림 10" descr="텍스트이(가) 표시된 사진&#10;&#10;자동 생성된 설명">
+          <p:cNvPr id="13" name="그림 12">
             <a:extLst>
               <a:ext uri="{FF2B5EF4-FFF2-40B4-BE49-F238E27FC236}">
-                <a16:creationId xmlns:a16="http://schemas.microsoft.com/office/drawing/2014/main" id="{5C6E75F7-5B0F-47FC-8461-4086F1EB7356}"/>
+                <a16:creationId xmlns:a16="http://schemas.microsoft.com/office/drawing/2014/main" id="{4A447706-0E44-6A41-B7F4-EC17DED2D49B}"/>
               </a:ext>
             </a:extLst>
           </p:cNvPr>
@@ -8292,18 +8261,54 @@
         </p:blipFill>
         <p:spPr>
           <a:xfrm>
-            <a:off x="1672783" y="1448148"/>
-            <a:ext cx="8822757" cy="4829976"/>
+            <a:off x="997527" y="1035758"/>
+            <a:ext cx="5876757" cy="5741778"/>
           </a:xfrm>
           <a:prstGeom prst="rect">
             <a:avLst/>
           </a:prstGeom>
         </p:spPr>
       </p:pic>
+      <p:sp>
+        <p:nvSpPr>
+          <p:cNvPr id="16" name="TextBox 15">
+            <a:extLst>
+              <a:ext uri="{FF2B5EF4-FFF2-40B4-BE49-F238E27FC236}">
+                <a16:creationId xmlns:a16="http://schemas.microsoft.com/office/drawing/2014/main" id="{F1D4B13F-D3A4-C044-9B52-D906858A509F}"/>
+              </a:ext>
+            </a:extLst>
+          </p:cNvPr>
+          <p:cNvSpPr txBox="1"/>
+          <p:nvPr/>
+        </p:nvSpPr>
+        <p:spPr>
+          <a:xfrm>
+            <a:off x="6959890" y="4046517"/>
+            <a:ext cx="3466562" cy="369332"/>
+          </a:xfrm>
+          <a:prstGeom prst="rect">
+            <a:avLst/>
+          </a:prstGeom>
+          <a:noFill/>
+        </p:spPr>
+        <p:txBody>
+          <a:bodyPr wrap="square" rtlCol="0">
+            <a:spAutoFit/>
+          </a:bodyPr>
+          <a:lstStyle/>
+          <a:p>
+            <a:r>
+              <a:rPr kumimoji="1" lang="en-US" altLang="ko-Kore-KR" dirty="0" err="1"/>
+              <a:t>paramFitGammaOne.R</a:t>
+            </a:r>
+            <a:endParaRPr kumimoji="1" lang="ko-Kore-KR" altLang="en-US" dirty="0"/>
+          </a:p>
+        </p:txBody>
+      </p:sp>
     </p:spTree>
     <p:extLst>
       <p:ext uri="{BB962C8B-B14F-4D97-AF65-F5344CB8AC3E}">
-        <p14:creationId xmlns:p14="http://schemas.microsoft.com/office/powerpoint/2010/main" val="94299831"/>
+        <p14:creationId xmlns:p14="http://schemas.microsoft.com/office/powerpoint/2010/main" val="1248652652"/>
       </p:ext>
     </p:extLst>
   </p:cSld>
@@ -8325,7 +8330,7 @@
 </p:sld>
 </file>
 
-<file path=ppt/slides/slide14.xml><?xml version="1.0" encoding="utf-8"?>
+<file path=ppt/slides/slide15.xml><?xml version="1.0" encoding="utf-8"?>
 <p:sld xmlns:a="http://schemas.openxmlformats.org/drawingml/2006/main" xmlns:r="http://schemas.openxmlformats.org/officeDocument/2006/relationships" xmlns:p="http://schemas.openxmlformats.org/presentationml/2006/main">
   <p:cSld>
     <p:spTree>
@@ -8694,100 +8699,7 @@
       </p:sp>
       <p:sp>
         <p:nvSpPr>
-          <p:cNvPr id="14" name="TextBox 13">
-            <a:extLst>
-              <a:ext uri="{FF2B5EF4-FFF2-40B4-BE49-F238E27FC236}">
-                <a16:creationId xmlns:a16="http://schemas.microsoft.com/office/drawing/2014/main" id="{876DB399-8879-4421-8CA8-FD74AEBD157F}"/>
-              </a:ext>
-            </a:extLst>
-          </p:cNvPr>
-          <p:cNvSpPr txBox="1"/>
-          <p:nvPr/>
-        </p:nvSpPr>
-        <p:spPr>
-          <a:xfrm>
-            <a:off x="863243" y="579876"/>
-            <a:ext cx="10191580" cy="1060290"/>
-          </a:xfrm>
-          <a:prstGeom prst="rect">
-            <a:avLst/>
-          </a:prstGeom>
-          <a:noFill/>
-        </p:spPr>
-        <p:txBody>
-          <a:bodyPr wrap="square">
-            <a:spAutoFit/>
-          </a:bodyPr>
-          <a:lstStyle/>
-          <a:p>
-            <a:pPr>
-              <a:lnSpc>
-                <a:spcPct val="150000"/>
-              </a:lnSpc>
-            </a:pPr>
-            <a:r>
-              <a:rPr lang="en-US" altLang="ko-KR" sz="2400" b="1" dirty="0">
-                <a:ln>
-                  <a:solidFill>
-                    <a:schemeClr val="tx1">
-                      <a:lumMod val="85000"/>
-                      <a:lumOff val="15000"/>
-                      <a:alpha val="0"/>
-                    </a:schemeClr>
-                  </a:solidFill>
-                </a:ln>
-                <a:solidFill>
-                  <a:schemeClr val="tx1">
-                    <a:lumMod val="85000"/>
-                    <a:lumOff val="15000"/>
-                  </a:schemeClr>
-                </a:solidFill>
-                <a:latin typeface="12롯데마트드림Medium"/>
-                <a:ea typeface="-윤고딕340" panose="02030504000101010101" pitchFamily="18" charset="-127"/>
-              </a:rPr>
-              <a:t>01 Documentation</a:t>
-            </a:r>
-          </a:p>
-          <a:p>
-            <a:pPr>
-              <a:lnSpc>
-                <a:spcPct val="150000"/>
-              </a:lnSpc>
-            </a:pPr>
-            <a:r>
-              <a:rPr lang="en-US" altLang="ko-KR" sz="2000" dirty="0">
-                <a:ln>
-                  <a:solidFill>
-                    <a:schemeClr val="tx1">
-                      <a:lumMod val="85000"/>
-                      <a:lumOff val="15000"/>
-                      <a:alpha val="0"/>
-                    </a:schemeClr>
-                  </a:solidFill>
-                </a:ln>
-                <a:solidFill>
-                  <a:schemeClr val="tx1">
-                    <a:lumMod val="85000"/>
-                    <a:lumOff val="15000"/>
-                  </a:schemeClr>
-                </a:solidFill>
-                <a:latin typeface="12롯데마트드림Medium"/>
-                <a:ea typeface="-윤고딕340" panose="02030504000101010101" pitchFamily="18" charset="-127"/>
-              </a:rPr>
-              <a:t>     </a:t>
-            </a:r>
-          </a:p>
-        </p:txBody>
-      </p:sp>
-      <p:sp>
-        <p:nvSpPr>
-          <p:cNvPr id="15" name="TextBox 14">
-            <a:extLst>
-              <a:ext uri="{FF2B5EF4-FFF2-40B4-BE49-F238E27FC236}">
-                <a16:creationId xmlns:a16="http://schemas.microsoft.com/office/drawing/2014/main" id="{3A58A65E-A385-4994-9CDF-412BC3F9CC14}"/>
-              </a:ext>
-            </a:extLst>
-          </p:cNvPr>
+          <p:cNvPr id="11" name="TextBox 10"/>
           <p:cNvSpPr txBox="1"/>
           <p:nvPr/>
         </p:nvSpPr>
@@ -8827,7 +8739,29 @@
                 <a:latin typeface="-윤고딕340" pitchFamily="18" charset="-127"/>
                 <a:ea typeface="-윤고딕340" pitchFamily="18" charset="-127"/>
               </a:rPr>
-              <a:t>03. </a:t>
+              <a:t>02. </a:t>
+            </a:r>
+            <a:r>
+              <a:rPr lang="en-US" altLang="ko-KR" sz="1400" dirty="0" err="1">
+                <a:ln>
+                  <a:solidFill>
+                    <a:schemeClr val="tx1">
+                      <a:lumMod val="85000"/>
+                      <a:lumOff val="15000"/>
+                      <a:alpha val="0"/>
+                    </a:schemeClr>
+                  </a:solidFill>
+                </a:ln>
+                <a:solidFill>
+                  <a:schemeClr val="tx1">
+                    <a:lumMod val="85000"/>
+                    <a:lumOff val="15000"/>
+                  </a:schemeClr>
+                </a:solidFill>
+                <a:latin typeface="-윤고딕340" panose="02030504000101010101" pitchFamily="18" charset="-127"/>
+                <a:ea typeface="-윤고딕340" panose="02030504000101010101" pitchFamily="18" charset="-127"/>
+              </a:rPr>
+              <a:t>SpMix</a:t>
             </a:r>
             <a:r>
               <a:rPr lang="en-US" altLang="ko-KR" sz="1400" dirty="0">
@@ -8849,7 +8783,51 @@
                 <a:latin typeface="-윤고딕340" panose="02030504000101010101" pitchFamily="18" charset="-127"/>
                 <a:ea typeface="-윤고딕340" panose="02030504000101010101" pitchFamily="18" charset="-127"/>
               </a:rPr>
-              <a:t>Update</a:t>
+              <a:t> w/ ‘</a:t>
+            </a:r>
+            <a:r>
+              <a:rPr lang="en-US" altLang="ko-KR" sz="1400" dirty="0" err="1">
+                <a:ln>
+                  <a:solidFill>
+                    <a:schemeClr val="tx1">
+                      <a:lumMod val="85000"/>
+                      <a:lumOff val="15000"/>
+                      <a:alpha val="0"/>
+                    </a:schemeClr>
+                  </a:solidFill>
+                </a:ln>
+                <a:solidFill>
+                  <a:schemeClr val="tx1">
+                    <a:lumMod val="85000"/>
+                    <a:lumOff val="15000"/>
+                  </a:schemeClr>
+                </a:solidFill>
+                <a:latin typeface="-윤고딕340" panose="02030504000101010101" pitchFamily="18" charset="-127"/>
+                <a:ea typeface="-윤고딕340" panose="02030504000101010101" pitchFamily="18" charset="-127"/>
+              </a:rPr>
+              <a:t>fmlogcondens</a:t>
+            </a:r>
+            <a:r>
+              <a:rPr lang="en-US" altLang="ko-KR" sz="1400" dirty="0">
+                <a:ln>
+                  <a:solidFill>
+                    <a:schemeClr val="tx1">
+                      <a:lumMod val="85000"/>
+                      <a:lumOff val="15000"/>
+                      <a:alpha val="0"/>
+                    </a:schemeClr>
+                  </a:solidFill>
+                </a:ln>
+                <a:solidFill>
+                  <a:schemeClr val="tx1">
+                    <a:lumMod val="85000"/>
+                    <a:lumOff val="15000"/>
+                  </a:schemeClr>
+                </a:solidFill>
+                <a:latin typeface="-윤고딕340" panose="02030504000101010101" pitchFamily="18" charset="-127"/>
+                <a:ea typeface="-윤고딕340" panose="02030504000101010101" pitchFamily="18" charset="-127"/>
+              </a:rPr>
+              <a:t>’</a:t>
             </a:r>
             <a:endParaRPr lang="ko-KR" altLang="en-US" sz="1400" dirty="0">
               <a:ln>
@@ -8875,10 +8853,10 @@
       </p:sp>
       <p:pic>
         <p:nvPicPr>
-          <p:cNvPr id="12" name="그림 11" descr="텍스트이(가) 표시된 사진&#10;&#10;자동 생성된 설명">
+          <p:cNvPr id="12" name="그림 11">
             <a:extLst>
               <a:ext uri="{FF2B5EF4-FFF2-40B4-BE49-F238E27FC236}">
-                <a16:creationId xmlns:a16="http://schemas.microsoft.com/office/drawing/2014/main" id="{50CAACD3-80C6-4F5A-B368-5769587D1001}"/>
+                <a16:creationId xmlns:a16="http://schemas.microsoft.com/office/drawing/2014/main" id="{198FE938-2157-644F-81C9-E99640E95FA4}"/>
               </a:ext>
             </a:extLst>
           </p:cNvPr>
@@ -8895,8 +8873,104 @@
         </p:blipFill>
         <p:spPr>
           <a:xfrm>
-            <a:off x="2025029" y="1241658"/>
-            <a:ext cx="8118266" cy="5462337"/>
+            <a:off x="2075390" y="1033007"/>
+            <a:ext cx="7227680" cy="1713153"/>
+          </a:xfrm>
+          <a:prstGeom prst="rect">
+            <a:avLst/>
+          </a:prstGeom>
+        </p:spPr>
+      </p:pic>
+      <p:pic>
+        <p:nvPicPr>
+          <p:cNvPr id="14" name="그림 13">
+            <a:extLst>
+              <a:ext uri="{FF2B5EF4-FFF2-40B4-BE49-F238E27FC236}">
+                <a16:creationId xmlns:a16="http://schemas.microsoft.com/office/drawing/2014/main" id="{AFFFA372-1741-104F-8E99-30F9454BEDD7}"/>
+              </a:ext>
+            </a:extLst>
+          </p:cNvPr>
+          <p:cNvPicPr>
+            <a:picLocks noChangeAspect="1"/>
+          </p:cNvPicPr>
+          <p:nvPr/>
+        </p:nvPicPr>
+        <p:blipFill>
+          <a:blip r:embed="rId4"/>
+          <a:stretch>
+            <a:fillRect/>
+          </a:stretch>
+        </p:blipFill>
+        <p:spPr>
+          <a:xfrm>
+            <a:off x="1492570" y="2984500"/>
+            <a:ext cx="7810500" cy="889000"/>
+          </a:xfrm>
+          <a:prstGeom prst="rect">
+            <a:avLst/>
+          </a:prstGeom>
+        </p:spPr>
+      </p:pic>
+      <p:sp>
+        <p:nvSpPr>
+          <p:cNvPr id="15" name="TextBox 14">
+            <a:extLst>
+              <a:ext uri="{FF2B5EF4-FFF2-40B4-BE49-F238E27FC236}">
+                <a16:creationId xmlns:a16="http://schemas.microsoft.com/office/drawing/2014/main" id="{6A401068-1C97-6F4D-AC37-1DBA52072827}"/>
+              </a:ext>
+            </a:extLst>
+          </p:cNvPr>
+          <p:cNvSpPr txBox="1"/>
+          <p:nvPr/>
+        </p:nvSpPr>
+        <p:spPr>
+          <a:xfrm>
+            <a:off x="5689230" y="3429000"/>
+            <a:ext cx="3466562" cy="369332"/>
+          </a:xfrm>
+          <a:prstGeom prst="rect">
+            <a:avLst/>
+          </a:prstGeom>
+          <a:noFill/>
+        </p:spPr>
+        <p:txBody>
+          <a:bodyPr wrap="square" rtlCol="0">
+            <a:spAutoFit/>
+          </a:bodyPr>
+          <a:lstStyle/>
+          <a:p>
+            <a:r>
+              <a:rPr kumimoji="1" lang="en-US" altLang="ko-Kore-KR" dirty="0" err="1"/>
+              <a:t>paramFitGammaOne.R</a:t>
+            </a:r>
+            <a:endParaRPr kumimoji="1" lang="ko-Kore-KR" altLang="en-US" dirty="0"/>
+          </a:p>
+        </p:txBody>
+      </p:sp>
+      <p:pic>
+        <p:nvPicPr>
+          <p:cNvPr id="19" name="그림 18">
+            <a:extLst>
+              <a:ext uri="{FF2B5EF4-FFF2-40B4-BE49-F238E27FC236}">
+                <a16:creationId xmlns:a16="http://schemas.microsoft.com/office/drawing/2014/main" id="{868E2481-D32A-5F45-8A12-19477DF16906}"/>
+              </a:ext>
+            </a:extLst>
+          </p:cNvPr>
+          <p:cNvPicPr>
+            <a:picLocks noChangeAspect="1"/>
+          </p:cNvPicPr>
+          <p:nvPr/>
+        </p:nvPicPr>
+        <p:blipFill>
+          <a:blip r:embed="rId5"/>
+          <a:stretch>
+            <a:fillRect/>
+          </a:stretch>
+        </p:blipFill>
+        <p:spPr>
+          <a:xfrm>
+            <a:off x="1163288" y="4724648"/>
+            <a:ext cx="8864600" cy="876300"/>
           </a:xfrm>
           <a:prstGeom prst="rect">
             <a:avLst/>
@@ -8906,7 +8980,7 @@
     </p:spTree>
     <p:extLst>
       <p:ext uri="{BB962C8B-B14F-4D97-AF65-F5344CB8AC3E}">
-        <p14:creationId xmlns:p14="http://schemas.microsoft.com/office/powerpoint/2010/main" val="1257723866"/>
+        <p14:creationId xmlns:p14="http://schemas.microsoft.com/office/powerpoint/2010/main" val="2274778080"/>
       </p:ext>
     </p:extLst>
   </p:cSld>
@@ -8928,7 +9002,1014 @@
 </p:sld>
 </file>
 
-<file path=ppt/slides/slide15.xml><?xml version="1.0" encoding="utf-8"?>
+<file path=ppt/slides/slide2.xml><?xml version="1.0" encoding="utf-8"?>
+<p:sld xmlns:a="http://schemas.openxmlformats.org/drawingml/2006/main" xmlns:r="http://schemas.openxmlformats.org/officeDocument/2006/relationships" xmlns:p="http://schemas.openxmlformats.org/presentationml/2006/main">
+  <p:cSld>
+    <p:spTree>
+      <p:nvGrpSpPr>
+        <p:cNvPr id="1" name=""/>
+        <p:cNvGrpSpPr/>
+        <p:nvPr/>
+      </p:nvGrpSpPr>
+      <p:grpSpPr>
+        <a:xfrm>
+          <a:off x="0" y="0"/>
+          <a:ext cx="0" cy="0"/>
+          <a:chOff x="0" y="0"/>
+          <a:chExt cx="0" cy="0"/>
+        </a:xfrm>
+      </p:grpSpPr>
+      <p:sp>
+        <p:nvSpPr>
+          <p:cNvPr id="3" name="TextBox 2"/>
+          <p:cNvSpPr txBox="1"/>
+          <p:nvPr/>
+        </p:nvSpPr>
+        <p:spPr>
+          <a:xfrm>
+            <a:off x="4150386" y="2474700"/>
+            <a:ext cx="5117595" cy="1528945"/>
+          </a:xfrm>
+          <a:prstGeom prst="rect">
+            <a:avLst/>
+          </a:prstGeom>
+          <a:noFill/>
+        </p:spPr>
+        <p:txBody>
+          <a:bodyPr wrap="square" rtlCol="0">
+            <a:spAutoFit/>
+          </a:bodyPr>
+          <a:lstStyle/>
+          <a:p>
+            <a:r>
+              <a:rPr lang="en-US" altLang="ko-KR" sz="1867" dirty="0">
+                <a:ln>
+                  <a:solidFill>
+                    <a:schemeClr val="tx1">
+                      <a:lumMod val="85000"/>
+                      <a:lumOff val="15000"/>
+                      <a:alpha val="0"/>
+                    </a:schemeClr>
+                  </a:solidFill>
+                </a:ln>
+                <a:solidFill>
+                  <a:schemeClr val="tx1">
+                    <a:lumMod val="85000"/>
+                    <a:lumOff val="15000"/>
+                  </a:schemeClr>
+                </a:solidFill>
+                <a:latin typeface="12롯데마트드림Medium"/>
+                <a:ea typeface="-윤고딕340" panose="02030504000101010101" pitchFamily="18" charset="-127"/>
+              </a:rPr>
+              <a:t>01 Argument/Documentation</a:t>
+            </a:r>
+            <a:r>
+              <a:rPr lang="ko-KR" altLang="en-US" sz="1867" dirty="0">
+                <a:ln>
+                  <a:solidFill>
+                    <a:schemeClr val="tx1">
+                      <a:lumMod val="85000"/>
+                      <a:lumOff val="15000"/>
+                      <a:alpha val="0"/>
+                    </a:schemeClr>
+                  </a:solidFill>
+                </a:ln>
+                <a:solidFill>
+                  <a:schemeClr val="tx1">
+                    <a:lumMod val="85000"/>
+                    <a:lumOff val="15000"/>
+                  </a:schemeClr>
+                </a:solidFill>
+                <a:latin typeface="12롯데마트드림Medium"/>
+                <a:ea typeface="-윤고딕340" panose="02030504000101010101" pitchFamily="18" charset="-127"/>
+              </a:rPr>
+              <a:t> </a:t>
+            </a:r>
+            <a:r>
+              <a:rPr lang="en-US" altLang="ko-KR" sz="1867" dirty="0">
+                <a:ln>
+                  <a:solidFill>
+                    <a:schemeClr val="tx1">
+                      <a:lumMod val="85000"/>
+                      <a:lumOff val="15000"/>
+                      <a:alpha val="0"/>
+                    </a:schemeClr>
+                  </a:solidFill>
+                </a:ln>
+                <a:solidFill>
+                  <a:schemeClr val="tx1">
+                    <a:lumMod val="85000"/>
+                    <a:lumOff val="15000"/>
+                  </a:schemeClr>
+                </a:solidFill>
+                <a:latin typeface="12롯데마트드림Medium"/>
+                <a:ea typeface="-윤고딕340" panose="02030504000101010101" pitchFamily="18" charset="-127"/>
+              </a:rPr>
+              <a:t>Update</a:t>
+            </a:r>
+          </a:p>
+          <a:p>
+            <a:endParaRPr lang="en-US" altLang="ko-KR" sz="1867" dirty="0">
+              <a:ln>
+                <a:solidFill>
+                  <a:schemeClr val="tx1">
+                    <a:lumMod val="85000"/>
+                    <a:lumOff val="15000"/>
+                    <a:alpha val="0"/>
+                  </a:schemeClr>
+                </a:solidFill>
+              </a:ln>
+              <a:solidFill>
+                <a:schemeClr val="tx1">
+                  <a:lumMod val="85000"/>
+                  <a:lumOff val="15000"/>
+                </a:schemeClr>
+              </a:solidFill>
+              <a:latin typeface="12롯데마트드림Medium"/>
+              <a:ea typeface="-윤고딕340" panose="02030504000101010101" pitchFamily="18" charset="-127"/>
+            </a:endParaRPr>
+          </a:p>
+          <a:p>
+            <a:r>
+              <a:rPr lang="en-US" altLang="ko-KR" sz="1867" dirty="0">
+                <a:ln>
+                  <a:solidFill>
+                    <a:schemeClr val="tx1">
+                      <a:lumMod val="85000"/>
+                      <a:lumOff val="15000"/>
+                      <a:alpha val="0"/>
+                    </a:schemeClr>
+                  </a:solidFill>
+                </a:ln>
+                <a:solidFill>
+                  <a:schemeClr val="tx1">
+                    <a:lumMod val="85000"/>
+                    <a:lumOff val="15000"/>
+                  </a:schemeClr>
+                </a:solidFill>
+                <a:latin typeface="12롯데마트드림Medium"/>
+                <a:ea typeface="-윤고딕340" panose="02030504000101010101" pitchFamily="18" charset="-127"/>
+              </a:rPr>
+              <a:t>02 </a:t>
+            </a:r>
+            <a:r>
+              <a:rPr lang="en-US" altLang="ko-KR" sz="1867" dirty="0" err="1">
+                <a:ln>
+                  <a:solidFill>
+                    <a:schemeClr val="tx1">
+                      <a:lumMod val="85000"/>
+                      <a:lumOff val="15000"/>
+                      <a:alpha val="0"/>
+                    </a:schemeClr>
+                  </a:solidFill>
+                </a:ln>
+                <a:solidFill>
+                  <a:schemeClr val="tx1">
+                    <a:lumMod val="85000"/>
+                    <a:lumOff val="15000"/>
+                  </a:schemeClr>
+                </a:solidFill>
+                <a:latin typeface="12롯데마트드림Medium"/>
+                <a:ea typeface="-윤고딕340" panose="02030504000101010101" pitchFamily="18" charset="-127"/>
+              </a:rPr>
+              <a:t>sp.mix.multi</a:t>
+            </a:r>
+            <a:r>
+              <a:rPr lang="en-US" altLang="ko-KR" sz="1867" dirty="0">
+                <a:ln>
+                  <a:solidFill>
+                    <a:schemeClr val="tx1">
+                      <a:lumMod val="85000"/>
+                      <a:lumOff val="15000"/>
+                      <a:alpha val="0"/>
+                    </a:schemeClr>
+                  </a:solidFill>
+                </a:ln>
+                <a:solidFill>
+                  <a:schemeClr val="tx1">
+                    <a:lumMod val="85000"/>
+                    <a:lumOff val="15000"/>
+                  </a:schemeClr>
+                </a:solidFill>
+                <a:latin typeface="12롯데마트드림Medium"/>
+                <a:ea typeface="-윤고딕340" panose="02030504000101010101" pitchFamily="18" charset="-127"/>
+              </a:rPr>
+              <a:t> with ‘</a:t>
+            </a:r>
+            <a:r>
+              <a:rPr lang="en-US" altLang="ko-KR" sz="1867" dirty="0" err="1">
+                <a:ln>
+                  <a:solidFill>
+                    <a:schemeClr val="tx1">
+                      <a:lumMod val="85000"/>
+                      <a:lumOff val="15000"/>
+                      <a:alpha val="0"/>
+                    </a:schemeClr>
+                  </a:solidFill>
+                </a:ln>
+                <a:solidFill>
+                  <a:schemeClr val="tx1">
+                    <a:lumMod val="85000"/>
+                    <a:lumOff val="15000"/>
+                  </a:schemeClr>
+                </a:solidFill>
+                <a:latin typeface="12롯데마트드림Medium"/>
+                <a:ea typeface="-윤고딕340" panose="02030504000101010101" pitchFamily="18" charset="-127"/>
+              </a:rPr>
+              <a:t>fmlogcondens</a:t>
+            </a:r>
+            <a:r>
+              <a:rPr lang="en-US" altLang="ko-KR" sz="1867" dirty="0">
+                <a:ln>
+                  <a:solidFill>
+                    <a:schemeClr val="tx1">
+                      <a:lumMod val="85000"/>
+                      <a:lumOff val="15000"/>
+                      <a:alpha val="0"/>
+                    </a:schemeClr>
+                  </a:solidFill>
+                </a:ln>
+                <a:solidFill>
+                  <a:schemeClr val="tx1">
+                    <a:lumMod val="85000"/>
+                    <a:lumOff val="15000"/>
+                  </a:schemeClr>
+                </a:solidFill>
+                <a:latin typeface="12롯데마트드림Medium"/>
+                <a:ea typeface="-윤고딕340" panose="02030504000101010101" pitchFamily="18" charset="-127"/>
+              </a:rPr>
+              <a:t>’</a:t>
+            </a:r>
+          </a:p>
+          <a:p>
+            <a:endParaRPr lang="en-US" altLang="ko-KR" sz="1867" dirty="0">
+              <a:ln>
+                <a:solidFill>
+                  <a:schemeClr val="tx1">
+                    <a:lumMod val="85000"/>
+                    <a:lumOff val="15000"/>
+                    <a:alpha val="0"/>
+                  </a:schemeClr>
+                </a:solidFill>
+              </a:ln>
+              <a:solidFill>
+                <a:schemeClr val="tx1">
+                  <a:lumMod val="85000"/>
+                  <a:lumOff val="15000"/>
+                </a:schemeClr>
+              </a:solidFill>
+              <a:latin typeface="12롯데마트드림Medium"/>
+              <a:ea typeface="-윤고딕340" panose="02030504000101010101" pitchFamily="18" charset="-127"/>
+            </a:endParaRPr>
+          </a:p>
+          <a:p>
+            <a:r>
+              <a:rPr lang="en-US" altLang="ko-KR" sz="1867" dirty="0">
+                <a:ln>
+                  <a:solidFill>
+                    <a:schemeClr val="tx1">
+                      <a:lumMod val="85000"/>
+                      <a:lumOff val="15000"/>
+                      <a:alpha val="0"/>
+                    </a:schemeClr>
+                  </a:solidFill>
+                </a:ln>
+                <a:solidFill>
+                  <a:schemeClr val="tx1">
+                    <a:lumMod val="85000"/>
+                    <a:lumOff val="15000"/>
+                  </a:schemeClr>
+                </a:solidFill>
+                <a:latin typeface="12롯데마트드림Medium"/>
+                <a:ea typeface="-윤고딕340" panose="02030504000101010101" pitchFamily="18" charset="-127"/>
+              </a:rPr>
+              <a:t>03 Time Comparison</a:t>
+            </a:r>
+          </a:p>
+        </p:txBody>
+      </p:sp>
+      <p:sp>
+        <p:nvSpPr>
+          <p:cNvPr id="7" name="직사각형 6"/>
+          <p:cNvSpPr/>
+          <p:nvPr/>
+        </p:nvSpPr>
+        <p:spPr>
+          <a:xfrm>
+            <a:off x="4128613" y="1942328"/>
+            <a:ext cx="723589" cy="305591"/>
+          </a:xfrm>
+          <a:prstGeom prst="rect">
+            <a:avLst/>
+          </a:prstGeom>
+          <a:solidFill>
+            <a:schemeClr val="tx2">
+              <a:lumMod val="50000"/>
+            </a:schemeClr>
+          </a:solidFill>
+          <a:ln>
+            <a:noFill/>
+          </a:ln>
+        </p:spPr>
+        <p:style>
+          <a:lnRef idx="2">
+            <a:schemeClr val="accent1">
+              <a:shade val="50000"/>
+            </a:schemeClr>
+          </a:lnRef>
+          <a:fillRef idx="1">
+            <a:schemeClr val="accent1"/>
+          </a:fillRef>
+          <a:effectRef idx="0">
+            <a:schemeClr val="accent1"/>
+          </a:effectRef>
+          <a:fontRef idx="minor">
+            <a:schemeClr val="lt1"/>
+          </a:fontRef>
+        </p:style>
+        <p:txBody>
+          <a:bodyPr rtlCol="0" anchor="ctr"/>
+          <a:lstStyle/>
+          <a:p>
+            <a:pPr algn="ctr"/>
+            <a:endParaRPr lang="ko-KR" altLang="en-US" sz="2400"/>
+          </a:p>
+        </p:txBody>
+      </p:sp>
+      <p:sp>
+        <p:nvSpPr>
+          <p:cNvPr id="8" name="TextBox 7"/>
+          <p:cNvSpPr txBox="1"/>
+          <p:nvPr/>
+        </p:nvSpPr>
+        <p:spPr>
+          <a:xfrm>
+            <a:off x="4106084" y="1942327"/>
+            <a:ext cx="1245956" cy="297454"/>
+          </a:xfrm>
+          <a:prstGeom prst="rect">
+            <a:avLst/>
+          </a:prstGeom>
+          <a:noFill/>
+        </p:spPr>
+        <p:txBody>
+          <a:bodyPr wrap="square" rtlCol="0">
+            <a:spAutoFit/>
+          </a:bodyPr>
+          <a:lstStyle/>
+          <a:p>
+            <a:r>
+              <a:rPr lang="en-US" altLang="ko-KR" sz="1333" dirty="0">
+                <a:ln>
+                  <a:solidFill>
+                    <a:schemeClr val="bg1">
+                      <a:lumMod val="95000"/>
+                      <a:alpha val="10000"/>
+                    </a:schemeClr>
+                  </a:solidFill>
+                </a:ln>
+                <a:solidFill>
+                  <a:schemeClr val="bg1">
+                    <a:lumMod val="95000"/>
+                  </a:schemeClr>
+                </a:solidFill>
+                <a:latin typeface="-윤고딕350" pitchFamily="18" charset="-127"/>
+                <a:ea typeface="-윤고딕350" pitchFamily="18" charset="-127"/>
+              </a:rPr>
+              <a:t>INDEX</a:t>
+            </a:r>
+            <a:endParaRPr lang="ko-KR" altLang="en-US" sz="1333" dirty="0">
+              <a:ln>
+                <a:solidFill>
+                  <a:schemeClr val="bg1">
+                    <a:lumMod val="95000"/>
+                    <a:alpha val="10000"/>
+                  </a:schemeClr>
+                </a:solidFill>
+              </a:ln>
+              <a:solidFill>
+                <a:schemeClr val="bg1">
+                  <a:lumMod val="95000"/>
+                </a:schemeClr>
+              </a:solidFill>
+              <a:latin typeface="-윤고딕350" pitchFamily="18" charset="-127"/>
+              <a:ea typeface="-윤고딕350" pitchFamily="18" charset="-127"/>
+            </a:endParaRPr>
+          </a:p>
+        </p:txBody>
+      </p:sp>
+      <p:sp>
+        <p:nvSpPr>
+          <p:cNvPr id="9" name="직각 삼각형 8"/>
+          <p:cNvSpPr/>
+          <p:nvPr/>
+        </p:nvSpPr>
+        <p:spPr>
+          <a:xfrm>
+            <a:off x="4849838" y="1942328"/>
+            <a:ext cx="289383" cy="305591"/>
+          </a:xfrm>
+          <a:prstGeom prst="rtTriangle">
+            <a:avLst/>
+          </a:prstGeom>
+          <a:solidFill>
+            <a:schemeClr val="tx2">
+              <a:lumMod val="50000"/>
+            </a:schemeClr>
+          </a:solidFill>
+          <a:ln>
+            <a:noFill/>
+          </a:ln>
+        </p:spPr>
+        <p:style>
+          <a:lnRef idx="2">
+            <a:schemeClr val="accent1">
+              <a:shade val="50000"/>
+            </a:schemeClr>
+          </a:lnRef>
+          <a:fillRef idx="1">
+            <a:schemeClr val="accent1"/>
+          </a:fillRef>
+          <a:effectRef idx="0">
+            <a:schemeClr val="accent1"/>
+          </a:effectRef>
+          <a:fontRef idx="minor">
+            <a:schemeClr val="lt1"/>
+          </a:fontRef>
+        </p:style>
+        <p:txBody>
+          <a:bodyPr rtlCol="0" anchor="ctr"/>
+          <a:lstStyle/>
+          <a:p>
+            <a:pPr algn="ctr"/>
+            <a:endParaRPr lang="ko-KR" altLang="en-US" sz="2400"/>
+          </a:p>
+        </p:txBody>
+      </p:sp>
+      <p:sp>
+        <p:nvSpPr>
+          <p:cNvPr id="11" name="직각 삼각형 10"/>
+          <p:cNvSpPr/>
+          <p:nvPr/>
+        </p:nvSpPr>
+        <p:spPr>
+          <a:xfrm rot="16200000" flipH="1">
+            <a:off x="4880432" y="1945292"/>
+            <a:ext cx="311517" cy="305591"/>
+          </a:xfrm>
+          <a:prstGeom prst="rtTriangle">
+            <a:avLst/>
+          </a:prstGeom>
+          <a:solidFill>
+            <a:schemeClr val="bg1">
+              <a:lumMod val="85000"/>
+            </a:schemeClr>
+          </a:solidFill>
+          <a:ln>
+            <a:noFill/>
+          </a:ln>
+        </p:spPr>
+        <p:style>
+          <a:lnRef idx="2">
+            <a:schemeClr val="accent1">
+              <a:shade val="50000"/>
+            </a:schemeClr>
+          </a:lnRef>
+          <a:fillRef idx="1">
+            <a:schemeClr val="accent1"/>
+          </a:fillRef>
+          <a:effectRef idx="0">
+            <a:schemeClr val="accent1"/>
+          </a:effectRef>
+          <a:fontRef idx="minor">
+            <a:schemeClr val="lt1"/>
+          </a:fontRef>
+        </p:style>
+        <p:txBody>
+          <a:bodyPr rtlCol="0" anchor="ctr"/>
+          <a:lstStyle/>
+          <a:p>
+            <a:pPr algn="ctr"/>
+            <a:endParaRPr lang="ko-KR" altLang="en-US" sz="2400"/>
+          </a:p>
+        </p:txBody>
+      </p:sp>
+      <p:sp>
+        <p:nvSpPr>
+          <p:cNvPr id="12" name="직사각형 11"/>
+          <p:cNvSpPr/>
+          <p:nvPr/>
+        </p:nvSpPr>
+        <p:spPr>
+          <a:xfrm>
+            <a:off x="5188987" y="1942327"/>
+            <a:ext cx="1797417" cy="301357"/>
+          </a:xfrm>
+          <a:prstGeom prst="rect">
+            <a:avLst/>
+          </a:prstGeom>
+          <a:solidFill>
+            <a:schemeClr val="bg1">
+              <a:lumMod val="85000"/>
+            </a:schemeClr>
+          </a:solidFill>
+          <a:ln>
+            <a:noFill/>
+          </a:ln>
+        </p:spPr>
+        <p:style>
+          <a:lnRef idx="2">
+            <a:schemeClr val="accent1">
+              <a:shade val="50000"/>
+            </a:schemeClr>
+          </a:lnRef>
+          <a:fillRef idx="1">
+            <a:schemeClr val="accent1"/>
+          </a:fillRef>
+          <a:effectRef idx="0">
+            <a:schemeClr val="accent1"/>
+          </a:effectRef>
+          <a:fontRef idx="minor">
+            <a:schemeClr val="lt1"/>
+          </a:fontRef>
+        </p:style>
+        <p:txBody>
+          <a:bodyPr rtlCol="0" anchor="ctr"/>
+          <a:lstStyle/>
+          <a:p>
+            <a:pPr algn="ctr"/>
+            <a:endParaRPr lang="ko-KR" altLang="en-US" sz="2400"/>
+          </a:p>
+        </p:txBody>
+      </p:sp>
+      <p:sp>
+        <p:nvSpPr>
+          <p:cNvPr id="14" name="직사각형 13"/>
+          <p:cNvSpPr/>
+          <p:nvPr/>
+        </p:nvSpPr>
+        <p:spPr>
+          <a:xfrm>
+            <a:off x="4135113" y="4211761"/>
+            <a:ext cx="2851291" cy="45800"/>
+          </a:xfrm>
+          <a:prstGeom prst="rect">
+            <a:avLst/>
+          </a:prstGeom>
+          <a:solidFill>
+            <a:schemeClr val="tx1">
+              <a:lumMod val="85000"/>
+              <a:lumOff val="15000"/>
+            </a:schemeClr>
+          </a:solidFill>
+          <a:ln>
+            <a:noFill/>
+          </a:ln>
+        </p:spPr>
+        <p:style>
+          <a:lnRef idx="2">
+            <a:schemeClr val="accent1">
+              <a:shade val="50000"/>
+            </a:schemeClr>
+          </a:lnRef>
+          <a:fillRef idx="1">
+            <a:schemeClr val="accent1"/>
+          </a:fillRef>
+          <a:effectRef idx="0">
+            <a:schemeClr val="accent1"/>
+          </a:effectRef>
+          <a:fontRef idx="minor">
+            <a:schemeClr val="lt1"/>
+          </a:fontRef>
+        </p:style>
+        <p:txBody>
+          <a:bodyPr rtlCol="0" anchor="ctr"/>
+          <a:lstStyle/>
+          <a:p>
+            <a:pPr algn="ctr"/>
+            <a:endParaRPr lang="ko-KR" altLang="en-US" sz="2400"/>
+          </a:p>
+        </p:txBody>
+      </p:sp>
+    </p:spTree>
+    <p:extLst>
+      <p:ext uri="{BB962C8B-B14F-4D97-AF65-F5344CB8AC3E}">
+        <p14:creationId xmlns:p14="http://schemas.microsoft.com/office/powerpoint/2010/main" val="3234700786"/>
+      </p:ext>
+    </p:extLst>
+  </p:cSld>
+  <p:clrMapOvr>
+    <a:masterClrMapping/>
+  </p:clrMapOvr>
+  <mc:AlternateContent xmlns:mc="http://schemas.openxmlformats.org/markup-compatibility/2006" xmlns:p14="http://schemas.microsoft.com/office/powerpoint/2010/main">
+    <mc:Choice Requires="p14">
+      <p:transition spd="med" p14:dur="700">
+        <p:fade/>
+      </p:transition>
+    </mc:Choice>
+    <mc:Fallback xmlns="">
+      <p:transition spd="med">
+        <p:fade/>
+      </p:transition>
+    </mc:Fallback>
+  </mc:AlternateContent>
+</p:sld>
+</file>
+
+<file path=ppt/slides/slide3.xml><?xml version="1.0" encoding="utf-8"?>
+<p:sld xmlns:a="http://schemas.openxmlformats.org/drawingml/2006/main" xmlns:r="http://schemas.openxmlformats.org/officeDocument/2006/relationships" xmlns:p="http://schemas.openxmlformats.org/presentationml/2006/main">
+  <p:cSld>
+    <p:spTree>
+      <p:nvGrpSpPr>
+        <p:cNvPr id="1" name=""/>
+        <p:cNvGrpSpPr/>
+        <p:nvPr/>
+      </p:nvGrpSpPr>
+      <p:grpSpPr>
+        <a:xfrm>
+          <a:off x="0" y="0"/>
+          <a:ext cx="0" cy="0"/>
+          <a:chOff x="0" y="0"/>
+          <a:chExt cx="0" cy="0"/>
+        </a:xfrm>
+      </p:grpSpPr>
+      <p:sp>
+        <p:nvSpPr>
+          <p:cNvPr id="3" name="직사각형 2"/>
+          <p:cNvSpPr/>
+          <p:nvPr/>
+        </p:nvSpPr>
+        <p:spPr>
+          <a:xfrm>
+            <a:off x="4669700" y="2364468"/>
+            <a:ext cx="410555" cy="206400"/>
+          </a:xfrm>
+          <a:prstGeom prst="rect">
+            <a:avLst/>
+          </a:prstGeom>
+          <a:solidFill>
+            <a:schemeClr val="tx2">
+              <a:lumMod val="50000"/>
+            </a:schemeClr>
+          </a:solidFill>
+          <a:ln>
+            <a:noFill/>
+          </a:ln>
+        </p:spPr>
+        <p:style>
+          <a:lnRef idx="2">
+            <a:schemeClr val="accent1">
+              <a:shade val="50000"/>
+            </a:schemeClr>
+          </a:lnRef>
+          <a:fillRef idx="1">
+            <a:schemeClr val="accent1"/>
+          </a:fillRef>
+          <a:effectRef idx="0">
+            <a:schemeClr val="accent1"/>
+          </a:effectRef>
+          <a:fontRef idx="minor">
+            <a:schemeClr val="lt1"/>
+          </a:fontRef>
+        </p:style>
+        <p:txBody>
+          <a:bodyPr rtlCol="0" anchor="ctr"/>
+          <a:lstStyle/>
+          <a:p>
+            <a:pPr algn="ctr"/>
+            <a:endParaRPr lang="ko-KR" altLang="en-US" sz="2400"/>
+          </a:p>
+        </p:txBody>
+      </p:sp>
+      <p:sp>
+        <p:nvSpPr>
+          <p:cNvPr id="6" name="직각 삼각형 5"/>
+          <p:cNvSpPr/>
+          <p:nvPr/>
+        </p:nvSpPr>
+        <p:spPr>
+          <a:xfrm>
+            <a:off x="5079697" y="2364468"/>
+            <a:ext cx="206400" cy="206400"/>
+          </a:xfrm>
+          <a:prstGeom prst="rtTriangle">
+            <a:avLst/>
+          </a:prstGeom>
+          <a:solidFill>
+            <a:schemeClr val="tx2">
+              <a:lumMod val="50000"/>
+            </a:schemeClr>
+          </a:solidFill>
+          <a:ln>
+            <a:noFill/>
+          </a:ln>
+        </p:spPr>
+        <p:style>
+          <a:lnRef idx="2">
+            <a:schemeClr val="accent1">
+              <a:shade val="50000"/>
+            </a:schemeClr>
+          </a:lnRef>
+          <a:fillRef idx="1">
+            <a:schemeClr val="accent1"/>
+          </a:fillRef>
+          <a:effectRef idx="0">
+            <a:schemeClr val="accent1"/>
+          </a:effectRef>
+          <a:fontRef idx="minor">
+            <a:schemeClr val="lt1"/>
+          </a:fontRef>
+        </p:style>
+        <p:txBody>
+          <a:bodyPr rtlCol="0" anchor="ctr"/>
+          <a:lstStyle/>
+          <a:p>
+            <a:pPr algn="ctr"/>
+            <a:endParaRPr lang="ko-KR" altLang="en-US" sz="2400"/>
+          </a:p>
+        </p:txBody>
+      </p:sp>
+      <p:sp>
+        <p:nvSpPr>
+          <p:cNvPr id="7" name="직각 삼각형 6"/>
+          <p:cNvSpPr/>
+          <p:nvPr/>
+        </p:nvSpPr>
+        <p:spPr>
+          <a:xfrm rot="16200000" flipH="1">
+            <a:off x="5126487" y="2364850"/>
+            <a:ext cx="206400" cy="206400"/>
+          </a:xfrm>
+          <a:prstGeom prst="rtTriangle">
+            <a:avLst/>
+          </a:prstGeom>
+          <a:solidFill>
+            <a:schemeClr val="bg1">
+              <a:lumMod val="85000"/>
+            </a:schemeClr>
+          </a:solidFill>
+          <a:ln>
+            <a:noFill/>
+          </a:ln>
+        </p:spPr>
+        <p:style>
+          <a:lnRef idx="2">
+            <a:schemeClr val="accent1">
+              <a:shade val="50000"/>
+            </a:schemeClr>
+          </a:lnRef>
+          <a:fillRef idx="1">
+            <a:schemeClr val="accent1"/>
+          </a:fillRef>
+          <a:effectRef idx="0">
+            <a:schemeClr val="accent1"/>
+          </a:effectRef>
+          <a:fontRef idx="minor">
+            <a:schemeClr val="lt1"/>
+          </a:fontRef>
+        </p:style>
+        <p:txBody>
+          <a:bodyPr rtlCol="0" anchor="ctr"/>
+          <a:lstStyle/>
+          <a:p>
+            <a:pPr algn="ctr"/>
+            <a:endParaRPr lang="ko-KR" altLang="en-US" sz="2400"/>
+          </a:p>
+        </p:txBody>
+      </p:sp>
+      <p:sp>
+        <p:nvSpPr>
+          <p:cNvPr id="8" name="직사각형 7"/>
+          <p:cNvSpPr/>
+          <p:nvPr/>
+        </p:nvSpPr>
+        <p:spPr>
+          <a:xfrm>
+            <a:off x="5327915" y="2364467"/>
+            <a:ext cx="2040244" cy="205729"/>
+          </a:xfrm>
+          <a:prstGeom prst="rect">
+            <a:avLst/>
+          </a:prstGeom>
+          <a:solidFill>
+            <a:schemeClr val="bg1">
+              <a:lumMod val="85000"/>
+            </a:schemeClr>
+          </a:solidFill>
+          <a:ln>
+            <a:noFill/>
+          </a:ln>
+        </p:spPr>
+        <p:style>
+          <a:lnRef idx="2">
+            <a:schemeClr val="accent1">
+              <a:shade val="50000"/>
+            </a:schemeClr>
+          </a:lnRef>
+          <a:fillRef idx="1">
+            <a:schemeClr val="accent1"/>
+          </a:fillRef>
+          <a:effectRef idx="0">
+            <a:schemeClr val="accent1"/>
+          </a:effectRef>
+          <a:fontRef idx="minor">
+            <a:schemeClr val="lt1"/>
+          </a:fontRef>
+        </p:style>
+        <p:txBody>
+          <a:bodyPr rtlCol="0" anchor="ctr"/>
+          <a:lstStyle/>
+          <a:p>
+            <a:pPr algn="ctr"/>
+            <a:endParaRPr lang="ko-KR" altLang="en-US" sz="2400"/>
+          </a:p>
+        </p:txBody>
+      </p:sp>
+      <p:sp>
+        <p:nvSpPr>
+          <p:cNvPr id="9" name="TextBox 8"/>
+          <p:cNvSpPr txBox="1"/>
+          <p:nvPr/>
+        </p:nvSpPr>
+        <p:spPr>
+          <a:xfrm>
+            <a:off x="4667529" y="2324587"/>
+            <a:ext cx="1245956" cy="276999"/>
+          </a:xfrm>
+          <a:prstGeom prst="rect">
+            <a:avLst/>
+          </a:prstGeom>
+          <a:noFill/>
+        </p:spPr>
+        <p:txBody>
+          <a:bodyPr wrap="square" rtlCol="0">
+            <a:spAutoFit/>
+          </a:bodyPr>
+          <a:lstStyle/>
+          <a:p>
+            <a:r>
+              <a:rPr lang="en-US" altLang="ko-KR" sz="1200" dirty="0">
+                <a:ln>
+                  <a:solidFill>
+                    <a:schemeClr val="bg1">
+                      <a:lumMod val="95000"/>
+                      <a:alpha val="10000"/>
+                    </a:schemeClr>
+                  </a:solidFill>
+                </a:ln>
+                <a:solidFill>
+                  <a:schemeClr val="bg1">
+                    <a:lumMod val="95000"/>
+                  </a:schemeClr>
+                </a:solidFill>
+                <a:latin typeface="-윤고딕350" pitchFamily="18" charset="-127"/>
+                <a:ea typeface="-윤고딕350" pitchFamily="18" charset="-127"/>
+              </a:rPr>
+              <a:t>01</a:t>
+            </a:r>
+            <a:endParaRPr lang="ko-KR" altLang="en-US" sz="1200" dirty="0">
+              <a:ln>
+                <a:solidFill>
+                  <a:schemeClr val="bg1">
+                    <a:lumMod val="95000"/>
+                    <a:alpha val="10000"/>
+                  </a:schemeClr>
+                </a:solidFill>
+              </a:ln>
+              <a:solidFill>
+                <a:schemeClr val="bg1">
+                  <a:lumMod val="95000"/>
+                </a:schemeClr>
+              </a:solidFill>
+              <a:latin typeface="-윤고딕350" pitchFamily="18" charset="-127"/>
+              <a:ea typeface="-윤고딕350" pitchFamily="18" charset="-127"/>
+            </a:endParaRPr>
+          </a:p>
+        </p:txBody>
+      </p:sp>
+      <p:sp>
+        <p:nvSpPr>
+          <p:cNvPr id="10" name="TextBox 9">
+            <a:extLst>
+              <a:ext uri="{FF2B5EF4-FFF2-40B4-BE49-F238E27FC236}">
+                <a16:creationId xmlns:a16="http://schemas.microsoft.com/office/drawing/2014/main" id="{68F54F11-66A0-4001-8E76-82D44A7BB9F0}"/>
+              </a:ext>
+            </a:extLst>
+          </p:cNvPr>
+          <p:cNvSpPr txBox="1"/>
+          <p:nvPr/>
+        </p:nvSpPr>
+        <p:spPr>
+          <a:xfrm>
+            <a:off x="3345372" y="2905780"/>
+            <a:ext cx="6663332" cy="523220"/>
+          </a:xfrm>
+          <a:prstGeom prst="rect">
+            <a:avLst/>
+          </a:prstGeom>
+          <a:noFill/>
+        </p:spPr>
+        <p:txBody>
+          <a:bodyPr wrap="square">
+            <a:spAutoFit/>
+          </a:bodyPr>
+          <a:lstStyle/>
+          <a:p>
+            <a:r>
+              <a:rPr lang="en-US" altLang="ko-KR" sz="2800" b="1" dirty="0">
+                <a:ln>
+                  <a:solidFill>
+                    <a:schemeClr val="tx1">
+                      <a:lumMod val="85000"/>
+                      <a:lumOff val="15000"/>
+                      <a:alpha val="0"/>
+                    </a:schemeClr>
+                  </a:solidFill>
+                </a:ln>
+                <a:solidFill>
+                  <a:schemeClr val="tx1">
+                    <a:lumMod val="85000"/>
+                    <a:lumOff val="15000"/>
+                  </a:schemeClr>
+                </a:solidFill>
+                <a:latin typeface="12롯데마트드림Medium"/>
+                <a:ea typeface="-윤고딕340" panose="02030504000101010101" pitchFamily="18" charset="-127"/>
+              </a:rPr>
+              <a:t>01 Argument/Documentation</a:t>
+            </a:r>
+            <a:r>
+              <a:rPr lang="ko-KR" altLang="en-US" sz="2800" b="1" dirty="0">
+                <a:ln>
+                  <a:solidFill>
+                    <a:schemeClr val="tx1">
+                      <a:lumMod val="85000"/>
+                      <a:lumOff val="15000"/>
+                      <a:alpha val="0"/>
+                    </a:schemeClr>
+                  </a:solidFill>
+                </a:ln>
+                <a:solidFill>
+                  <a:schemeClr val="tx1">
+                    <a:lumMod val="85000"/>
+                    <a:lumOff val="15000"/>
+                  </a:schemeClr>
+                </a:solidFill>
+                <a:latin typeface="12롯데마트드림Medium"/>
+                <a:ea typeface="-윤고딕340" panose="02030504000101010101" pitchFamily="18" charset="-127"/>
+              </a:rPr>
+              <a:t> </a:t>
+            </a:r>
+            <a:r>
+              <a:rPr lang="en-US" altLang="ko-KR" sz="2800" b="1" dirty="0">
+                <a:ln>
+                  <a:solidFill>
+                    <a:schemeClr val="tx1">
+                      <a:lumMod val="85000"/>
+                      <a:lumOff val="15000"/>
+                      <a:alpha val="0"/>
+                    </a:schemeClr>
+                  </a:solidFill>
+                </a:ln>
+                <a:solidFill>
+                  <a:schemeClr val="tx1">
+                    <a:lumMod val="85000"/>
+                    <a:lumOff val="15000"/>
+                  </a:schemeClr>
+                </a:solidFill>
+                <a:latin typeface="12롯데마트드림Medium"/>
+                <a:ea typeface="-윤고딕340" panose="02030504000101010101" pitchFamily="18" charset="-127"/>
+              </a:rPr>
+              <a:t>Update</a:t>
+            </a:r>
+          </a:p>
+        </p:txBody>
+      </p:sp>
+    </p:spTree>
+    <p:extLst>
+      <p:ext uri="{BB962C8B-B14F-4D97-AF65-F5344CB8AC3E}">
+        <p14:creationId xmlns:p14="http://schemas.microsoft.com/office/powerpoint/2010/main" val="2274375574"/>
+      </p:ext>
+    </p:extLst>
+  </p:cSld>
+  <p:clrMapOvr>
+    <a:masterClrMapping/>
+  </p:clrMapOvr>
+  <mc:AlternateContent xmlns:mc="http://schemas.openxmlformats.org/markup-compatibility/2006" xmlns:p14="http://schemas.microsoft.com/office/powerpoint/2010/main">
+    <mc:Choice Requires="p14">
+      <p:transition spd="med" p14:dur="700">
+        <p:fade/>
+      </p:transition>
+    </mc:Choice>
+    <mc:Fallback xmlns="">
+      <p:transition spd="med">
+        <p:fade/>
+      </p:transition>
+    </mc:Fallback>
+  </mc:AlternateContent>
+</p:sld>
+</file>
+
+<file path=ppt/slides/slide4.xml><?xml version="1.0" encoding="utf-8"?>
 <p:sld xmlns:a="http://schemas.openxmlformats.org/drawingml/2006/main" xmlns:r="http://schemas.openxmlformats.org/officeDocument/2006/relationships" xmlns:p="http://schemas.openxmlformats.org/presentationml/2006/main">
   <p:cSld>
     <p:spTree>
@@ -9430,7 +10511,7 @@
                 <a:latin typeface="-윤고딕340" pitchFamily="18" charset="-127"/>
                 <a:ea typeface="-윤고딕340" pitchFamily="18" charset="-127"/>
               </a:rPr>
-              <a:t>03. </a:t>
+              <a:t>01. </a:t>
             </a:r>
             <a:r>
               <a:rPr lang="en-US" altLang="ko-KR" sz="1400" dirty="0">
@@ -9481,7 +10562,7 @@
           <p:cNvPr id="11" name="그림 10" descr="텍스트이(가) 표시된 사진&#10;&#10;자동 생성된 설명">
             <a:extLst>
               <a:ext uri="{FF2B5EF4-FFF2-40B4-BE49-F238E27FC236}">
-                <a16:creationId xmlns:a16="http://schemas.microsoft.com/office/drawing/2014/main" id="{D058D944-09B2-4FC1-87EE-3F7BE14FEDCC}"/>
+                <a16:creationId xmlns:a16="http://schemas.microsoft.com/office/drawing/2014/main" id="{5C6E75F7-5B0F-47FC-8461-4086F1EB7356}"/>
               </a:ext>
             </a:extLst>
           </p:cNvPr>
@@ -9498,8 +10579,8 @@
         </p:blipFill>
         <p:spPr>
           <a:xfrm>
-            <a:off x="1595763" y="1382007"/>
-            <a:ext cx="9000473" cy="4985756"/>
+            <a:off x="1672783" y="1448148"/>
+            <a:ext cx="8822757" cy="4829976"/>
           </a:xfrm>
           <a:prstGeom prst="rect">
             <a:avLst/>
@@ -9509,7 +10590,7 @@
     </p:spTree>
     <p:extLst>
       <p:ext uri="{BB962C8B-B14F-4D97-AF65-F5344CB8AC3E}">
-        <p14:creationId xmlns:p14="http://schemas.microsoft.com/office/powerpoint/2010/main" val="785733556"/>
+        <p14:creationId xmlns:p14="http://schemas.microsoft.com/office/powerpoint/2010/main" val="3559894597"/>
       </p:ext>
     </p:extLst>
   </p:cSld>
@@ -9531,7 +10612,7 @@
 </p:sld>
 </file>
 
-<file path=ppt/slides/slide16.xml><?xml version="1.0" encoding="utf-8"?>
+<file path=ppt/slides/slide5.xml><?xml version="1.0" encoding="utf-8"?>
 <p:sld xmlns:a="http://schemas.openxmlformats.org/drawingml/2006/main" xmlns:r="http://schemas.openxmlformats.org/officeDocument/2006/relationships" xmlns:p="http://schemas.openxmlformats.org/presentationml/2006/main">
   <p:cSld>
     <p:spTree>
@@ -9985,12 +11066,42 @@
           </a:p>
         </p:txBody>
       </p:sp>
-      <p:sp>
-        <p:nvSpPr>
-          <p:cNvPr id="15" name="TextBox 14">
+      <p:pic>
+        <p:nvPicPr>
+          <p:cNvPr id="12" name="그림 11" descr="텍스트이(가) 표시된 사진&#10;&#10;자동 생성된 설명">
             <a:extLst>
               <a:ext uri="{FF2B5EF4-FFF2-40B4-BE49-F238E27FC236}">
-                <a16:creationId xmlns:a16="http://schemas.microsoft.com/office/drawing/2014/main" id="{3A58A65E-A385-4994-9CDF-412BC3F9CC14}"/>
+                <a16:creationId xmlns:a16="http://schemas.microsoft.com/office/drawing/2014/main" id="{50CAACD3-80C6-4F5A-B368-5769587D1001}"/>
+              </a:ext>
+            </a:extLst>
+          </p:cNvPr>
+          <p:cNvPicPr>
+            <a:picLocks noChangeAspect="1"/>
+          </p:cNvPicPr>
+          <p:nvPr/>
+        </p:nvPicPr>
+        <p:blipFill>
+          <a:blip r:embed="rId3"/>
+          <a:stretch>
+            <a:fillRect/>
+          </a:stretch>
+        </p:blipFill>
+        <p:spPr>
+          <a:xfrm>
+            <a:off x="2025029" y="1241658"/>
+            <a:ext cx="8118266" cy="5462337"/>
+          </a:xfrm>
+          <a:prstGeom prst="rect">
+            <a:avLst/>
+          </a:prstGeom>
+        </p:spPr>
+      </p:pic>
+      <p:sp>
+        <p:nvSpPr>
+          <p:cNvPr id="13" name="TextBox 12">
+            <a:extLst>
+              <a:ext uri="{FF2B5EF4-FFF2-40B4-BE49-F238E27FC236}">
+                <a16:creationId xmlns:a16="http://schemas.microsoft.com/office/drawing/2014/main" id="{2B30BDCA-8F22-524A-9F88-7807B0DF3860}"/>
               </a:ext>
             </a:extLst>
           </p:cNvPr>
@@ -10033,7 +11144,7 @@
                 <a:latin typeface="-윤고딕340" pitchFamily="18" charset="-127"/>
                 <a:ea typeface="-윤고딕340" pitchFamily="18" charset="-127"/>
               </a:rPr>
-              <a:t>03. </a:t>
+              <a:t>01. </a:t>
             </a:r>
             <a:r>
               <a:rPr lang="en-US" altLang="ko-KR" sz="1400" dirty="0">
@@ -10079,40 +11190,10 @@
           </a:p>
         </p:txBody>
       </p:sp>
-      <p:pic>
-        <p:nvPicPr>
-          <p:cNvPr id="16" name="그림 15" descr="텍스트이(가) 표시된 사진&#10;&#10;자동 생성된 설명">
-            <a:extLst>
-              <a:ext uri="{FF2B5EF4-FFF2-40B4-BE49-F238E27FC236}">
-                <a16:creationId xmlns:a16="http://schemas.microsoft.com/office/drawing/2014/main" id="{D647BF76-6F62-47D8-8C1F-9D4AC23D304B}"/>
-              </a:ext>
-            </a:extLst>
-          </p:cNvPr>
-          <p:cNvPicPr>
-            <a:picLocks noChangeAspect="1"/>
-          </p:cNvPicPr>
-          <p:nvPr/>
-        </p:nvPicPr>
-        <p:blipFill>
-          <a:blip r:embed="rId3"/>
-          <a:stretch>
-            <a:fillRect/>
-          </a:stretch>
-        </p:blipFill>
-        <p:spPr>
-          <a:xfrm>
-            <a:off x="1625584" y="1401555"/>
-            <a:ext cx="8917155" cy="4876569"/>
-          </a:xfrm>
-          <a:prstGeom prst="rect">
-            <a:avLst/>
-          </a:prstGeom>
-        </p:spPr>
-      </p:pic>
     </p:spTree>
     <p:extLst>
       <p:ext uri="{BB962C8B-B14F-4D97-AF65-F5344CB8AC3E}">
-        <p14:creationId xmlns:p14="http://schemas.microsoft.com/office/powerpoint/2010/main" val="3257620196"/>
+        <p14:creationId xmlns:p14="http://schemas.microsoft.com/office/powerpoint/2010/main" val="837766294"/>
       </p:ext>
     </p:extLst>
   </p:cSld>
@@ -10134,7 +11215,7 @@
 </p:sld>
 </file>
 
-<file path=ppt/slides/slide17.xml><?xml version="1.0" encoding="utf-8"?>
+<file path=ppt/slides/slide6.xml><?xml version="1.0" encoding="utf-8"?>
 <p:sld xmlns:a="http://schemas.openxmlformats.org/drawingml/2006/main" xmlns:r="http://schemas.openxmlformats.org/officeDocument/2006/relationships" xmlns:p="http://schemas.openxmlformats.org/presentationml/2006/main">
   <p:cSld>
     <p:spTree>
@@ -10516,7 +11597,7 @@
         <p:spPr>
           <a:xfrm>
             <a:off x="863243" y="579876"/>
-            <a:ext cx="10191580" cy="1983620"/>
+            <a:ext cx="10191580" cy="1060290"/>
           </a:xfrm>
           <a:prstGeom prst="rect">
             <a:avLst/>
@@ -10554,7 +11635,7 @@
                 <a:latin typeface="12롯데마트드림Medium"/>
                 <a:ea typeface="-윤고딕340" panose="02030504000101010101" pitchFamily="18" charset="-127"/>
               </a:rPr>
-              <a:t>02 Function argument</a:t>
+              <a:t>01 Documentation</a:t>
             </a:r>
           </a:p>
           <a:p>
@@ -10583,242 +11664,47 @@
                 <a:latin typeface="12롯데마트드림Medium"/>
                 <a:ea typeface="-윤고딕340" panose="02030504000101010101" pitchFamily="18" charset="-127"/>
               </a:rPr>
-              <a:t>    </a:t>
-            </a:r>
-            <a:r>
-              <a:rPr lang="en-US" altLang="ko-KR" sz="2000" dirty="0" err="1">
-                <a:ln>
-                  <a:solidFill>
-                    <a:schemeClr val="tx1">
-                      <a:lumMod val="85000"/>
-                      <a:lumOff val="15000"/>
-                      <a:alpha val="0"/>
-                    </a:schemeClr>
-                  </a:solidFill>
-                </a:ln>
-                <a:solidFill>
-                  <a:schemeClr val="tx1">
-                    <a:lumMod val="85000"/>
-                    <a:lumOff val="15000"/>
-                  </a:schemeClr>
-                </a:solidFill>
-                <a:latin typeface="12롯데마트드림Medium"/>
-                <a:ea typeface="-윤고딕340" panose="02030504000101010101" pitchFamily="18" charset="-127"/>
-              </a:rPr>
-              <a:t>thre.LocalFDR</a:t>
-            </a:r>
-            <a:r>
-              <a:rPr lang="en-US" altLang="ko-KR" sz="2000" dirty="0">
-                <a:ln>
-                  <a:solidFill>
-                    <a:schemeClr val="tx1">
-                      <a:lumMod val="85000"/>
-                      <a:lumOff val="15000"/>
-                      <a:alpha val="0"/>
-                    </a:schemeClr>
-                  </a:solidFill>
-                </a:ln>
-                <a:solidFill>
-                  <a:schemeClr val="tx1">
-                    <a:lumMod val="85000"/>
-                    <a:lumOff val="15000"/>
-                  </a:schemeClr>
-                </a:solidFill>
-                <a:latin typeface="12롯데마트드림Medium"/>
-                <a:ea typeface="-윤고딕340" panose="02030504000101010101" pitchFamily="18" charset="-127"/>
-              </a:rPr>
-              <a:t> / </a:t>
-            </a:r>
-            <a:r>
-              <a:rPr lang="en-US" altLang="ko-KR" sz="2000" dirty="0" err="1">
-                <a:ln>
-                  <a:solidFill>
-                    <a:schemeClr val="tx1">
-                      <a:lumMod val="85000"/>
-                      <a:lumOff val="15000"/>
-                      <a:alpha val="0"/>
-                    </a:schemeClr>
-                  </a:solidFill>
-                </a:ln>
-                <a:solidFill>
-                  <a:schemeClr val="tx1">
-                    <a:lumMod val="85000"/>
-                    <a:lumOff val="15000"/>
-                  </a:schemeClr>
-                </a:solidFill>
-                <a:latin typeface="12롯데마트드림Medium"/>
-                <a:ea typeface="-윤고딕340" panose="02030504000101010101" pitchFamily="18" charset="-127"/>
-              </a:rPr>
-              <a:t>thre.z</a:t>
-            </a:r>
-            <a:r>
-              <a:rPr lang="en-US" altLang="ko-KR" sz="2000" dirty="0">
-                <a:ln>
-                  <a:solidFill>
-                    <a:schemeClr val="tx1">
-                      <a:lumMod val="85000"/>
-                      <a:lumOff val="15000"/>
-                      <a:alpha val="0"/>
-                    </a:schemeClr>
-                  </a:solidFill>
-                </a:ln>
-                <a:solidFill>
-                  <a:schemeClr val="tx1">
-                    <a:lumMod val="85000"/>
-                    <a:lumOff val="15000"/>
-                  </a:schemeClr>
-                </a:solidFill>
-                <a:latin typeface="12롯데마트드림Medium"/>
-                <a:ea typeface="-윤고딕340" panose="02030504000101010101" pitchFamily="18" charset="-127"/>
-              </a:rPr>
-              <a:t> / </a:t>
-            </a:r>
-            <a:r>
-              <a:rPr lang="en-US" altLang="ko-KR" sz="2000" dirty="0" err="1">
-                <a:ln>
-                  <a:solidFill>
-                    <a:schemeClr val="tx1">
-                      <a:lumMod val="85000"/>
-                      <a:lumOff val="15000"/>
-                      <a:alpha val="0"/>
-                    </a:schemeClr>
-                  </a:solidFill>
-                </a:ln>
-                <a:solidFill>
-                  <a:schemeClr val="tx1">
-                    <a:lumMod val="85000"/>
-                    <a:lumOff val="15000"/>
-                  </a:schemeClr>
-                </a:solidFill>
-                <a:latin typeface="12롯데마트드림Medium"/>
-                <a:ea typeface="-윤고딕340" panose="02030504000101010101" pitchFamily="18" charset="-127"/>
-              </a:rPr>
-              <a:t>Uthre.gam</a:t>
-            </a:r>
-            <a:r>
-              <a:rPr lang="en-US" altLang="ko-KR" sz="2000" dirty="0">
-                <a:ln>
-                  <a:solidFill>
-                    <a:schemeClr val="tx1">
-                      <a:lumMod val="85000"/>
-                      <a:lumOff val="15000"/>
-                      <a:alpha val="0"/>
-                    </a:schemeClr>
-                  </a:solidFill>
-                </a:ln>
-                <a:solidFill>
-                  <a:schemeClr val="tx1">
-                    <a:lumMod val="85000"/>
-                    <a:lumOff val="15000"/>
-                  </a:schemeClr>
-                </a:solidFill>
-                <a:latin typeface="12롯데마트드림Medium"/>
-                <a:ea typeface="-윤고딕340" panose="02030504000101010101" pitchFamily="18" charset="-127"/>
-              </a:rPr>
-              <a:t> / </a:t>
-            </a:r>
-            <a:r>
-              <a:rPr lang="en-US" altLang="ko-KR" sz="2000" dirty="0" err="1">
-                <a:ln>
-                  <a:solidFill>
-                    <a:schemeClr val="tx1">
-                      <a:lumMod val="85000"/>
-                      <a:lumOff val="15000"/>
-                      <a:alpha val="0"/>
-                    </a:schemeClr>
-                  </a:solidFill>
-                </a:ln>
-                <a:solidFill>
-                  <a:schemeClr val="tx1">
-                    <a:lumMod val="85000"/>
-                    <a:lumOff val="15000"/>
-                  </a:schemeClr>
-                </a:solidFill>
-                <a:latin typeface="12롯데마트드림Medium"/>
-                <a:ea typeface="-윤고딕340" panose="02030504000101010101" pitchFamily="18" charset="-127"/>
-              </a:rPr>
-              <a:t>Lthre.gam</a:t>
-            </a:r>
-            <a:endParaRPr lang="en-US" altLang="ko-KR" sz="2000" dirty="0">
-              <a:ln>
-                <a:solidFill>
-                  <a:schemeClr val="tx1">
-                    <a:lumMod val="85000"/>
-                    <a:lumOff val="15000"/>
-                    <a:alpha val="0"/>
-                  </a:schemeClr>
-                </a:solidFill>
-              </a:ln>
-              <a:solidFill>
-                <a:schemeClr val="tx1">
-                  <a:lumMod val="85000"/>
-                  <a:lumOff val="15000"/>
-                </a:schemeClr>
-              </a:solidFill>
-              <a:latin typeface="12롯데마트드림Medium"/>
-              <a:ea typeface="-윤고딕340" panose="02030504000101010101" pitchFamily="18" charset="-127"/>
-            </a:endParaRPr>
-          </a:p>
-          <a:p>
-            <a:pPr>
-              <a:lnSpc>
-                <a:spcPct val="150000"/>
-              </a:lnSpc>
-            </a:pPr>
-            <a:endParaRPr lang="en-US" altLang="ko-KR" sz="2000" dirty="0">
-              <a:ln>
-                <a:solidFill>
-                  <a:schemeClr val="tx1">
-                    <a:lumMod val="85000"/>
-                    <a:lumOff val="15000"/>
-                    <a:alpha val="0"/>
-                  </a:schemeClr>
-                </a:solidFill>
-              </a:ln>
-              <a:solidFill>
-                <a:schemeClr val="tx1">
-                  <a:lumMod val="85000"/>
-                  <a:lumOff val="15000"/>
-                </a:schemeClr>
-              </a:solidFill>
-              <a:latin typeface="12롯데마트드림Medium"/>
-              <a:ea typeface="-윤고딕340" panose="02030504000101010101" pitchFamily="18" charset="-127"/>
-            </a:endParaRPr>
-          </a:p>
-          <a:p>
-            <a:pPr>
-              <a:lnSpc>
-                <a:spcPct val="150000"/>
-              </a:lnSpc>
-            </a:pPr>
-            <a:endParaRPr lang="en-US" altLang="ko-KR" sz="2000" dirty="0">
-              <a:ln>
-                <a:solidFill>
-                  <a:schemeClr val="tx1">
-                    <a:lumMod val="85000"/>
-                    <a:lumOff val="15000"/>
-                    <a:alpha val="0"/>
-                  </a:schemeClr>
-                </a:solidFill>
-              </a:ln>
-              <a:solidFill>
-                <a:schemeClr val="tx1">
-                  <a:lumMod val="85000"/>
-                  <a:lumOff val="15000"/>
-                </a:schemeClr>
-              </a:solidFill>
-              <a:latin typeface="12롯데마트드림Medium"/>
-              <a:ea typeface="-윤고딕340" panose="02030504000101010101" pitchFamily="18" charset="-127"/>
-            </a:endParaRPr>
-          </a:p>
-        </p:txBody>
-      </p:sp>
-      <p:sp>
-        <p:nvSpPr>
-          <p:cNvPr id="15" name="TextBox 14">
+              <a:t>     </a:t>
+            </a:r>
+          </a:p>
+        </p:txBody>
+      </p:sp>
+      <p:pic>
+        <p:nvPicPr>
+          <p:cNvPr id="11" name="그림 10" descr="텍스트이(가) 표시된 사진&#10;&#10;자동 생성된 설명">
             <a:extLst>
               <a:ext uri="{FF2B5EF4-FFF2-40B4-BE49-F238E27FC236}">
-                <a16:creationId xmlns:a16="http://schemas.microsoft.com/office/drawing/2014/main" id="{3A58A65E-A385-4994-9CDF-412BC3F9CC14}"/>
+                <a16:creationId xmlns:a16="http://schemas.microsoft.com/office/drawing/2014/main" id="{D058D944-09B2-4FC1-87EE-3F7BE14FEDCC}"/>
+              </a:ext>
+            </a:extLst>
+          </p:cNvPr>
+          <p:cNvPicPr>
+            <a:picLocks noChangeAspect="1"/>
+          </p:cNvPicPr>
+          <p:nvPr/>
+        </p:nvPicPr>
+        <p:blipFill>
+          <a:blip r:embed="rId3"/>
+          <a:stretch>
+            <a:fillRect/>
+          </a:stretch>
+        </p:blipFill>
+        <p:spPr>
+          <a:xfrm>
+            <a:off x="1595763" y="1382007"/>
+            <a:ext cx="9000473" cy="4985756"/>
+          </a:xfrm>
+          <a:prstGeom prst="rect">
+            <a:avLst/>
+          </a:prstGeom>
+        </p:spPr>
+      </p:pic>
+      <p:sp>
+        <p:nvSpPr>
+          <p:cNvPr id="13" name="TextBox 12">
+            <a:extLst>
+              <a:ext uri="{FF2B5EF4-FFF2-40B4-BE49-F238E27FC236}">
+                <a16:creationId xmlns:a16="http://schemas.microsoft.com/office/drawing/2014/main" id="{3CAFF61F-F024-DB48-999E-700752A3609E}"/>
               </a:ext>
             </a:extLst>
           </p:cNvPr>
@@ -10861,7 +11747,7 @@
                 <a:latin typeface="-윤고딕340" pitchFamily="18" charset="-127"/>
                 <a:ea typeface="-윤고딕340" pitchFamily="18" charset="-127"/>
               </a:rPr>
-              <a:t>03. </a:t>
+              <a:t>01. </a:t>
             </a:r>
             <a:r>
               <a:rPr lang="en-US" altLang="ko-KR" sz="1400" dirty="0">
@@ -10907,202 +11793,10 @@
           </a:p>
         </p:txBody>
       </p:sp>
-      <p:pic>
-        <p:nvPicPr>
-          <p:cNvPr id="12" name="그림 11" descr="텍스트이(가) 표시된 사진&#10;&#10;자동 생성된 설명">
-            <a:extLst>
-              <a:ext uri="{FF2B5EF4-FFF2-40B4-BE49-F238E27FC236}">
-                <a16:creationId xmlns:a16="http://schemas.microsoft.com/office/drawing/2014/main" id="{23C1C69C-DF0C-4880-9958-A949DAAA4F76}"/>
-              </a:ext>
-            </a:extLst>
-          </p:cNvPr>
-          <p:cNvPicPr>
-            <a:picLocks noChangeAspect="1"/>
-          </p:cNvPicPr>
-          <p:nvPr/>
-        </p:nvPicPr>
-        <p:blipFill rotWithShape="1">
-          <a:blip r:embed="rId3"/>
-          <a:srcRect t="48535" r="74776"/>
-          <a:stretch/>
-        </p:blipFill>
-        <p:spPr>
-          <a:xfrm>
-            <a:off x="962665" y="1896178"/>
-            <a:ext cx="2225449" cy="2485770"/>
-          </a:xfrm>
-          <a:prstGeom prst="rect">
-            <a:avLst/>
-          </a:prstGeom>
-        </p:spPr>
-      </p:pic>
-      <p:pic>
-        <p:nvPicPr>
-          <p:cNvPr id="13" name="그림 12" descr="텍스트이(가) 표시된 사진&#10;&#10;자동 생성된 설명">
-            <a:extLst>
-              <a:ext uri="{FF2B5EF4-FFF2-40B4-BE49-F238E27FC236}">
-                <a16:creationId xmlns:a16="http://schemas.microsoft.com/office/drawing/2014/main" id="{EDB4C2F4-943F-4DAB-8683-7B2506977EDC}"/>
-              </a:ext>
-            </a:extLst>
-          </p:cNvPr>
-          <p:cNvPicPr>
-            <a:picLocks noChangeAspect="1"/>
-          </p:cNvPicPr>
-          <p:nvPr/>
-        </p:nvPicPr>
-        <p:blipFill rotWithShape="1">
-          <a:blip r:embed="rId4"/>
-          <a:srcRect t="25539" r="898" b="51171"/>
-          <a:stretch/>
-        </p:blipFill>
-        <p:spPr>
-          <a:xfrm>
-            <a:off x="1540495" y="4812631"/>
-            <a:ext cx="8837076" cy="1135781"/>
-          </a:xfrm>
-          <a:prstGeom prst="rect">
-            <a:avLst/>
-          </a:prstGeom>
-        </p:spPr>
-      </p:pic>
-      <p:pic>
-        <p:nvPicPr>
-          <p:cNvPr id="11" name="그림 10" descr="텍스트이(가) 표시된 사진&#10;&#10;자동 생성된 설명">
-            <a:extLst>
-              <a:ext uri="{FF2B5EF4-FFF2-40B4-BE49-F238E27FC236}">
-                <a16:creationId xmlns:a16="http://schemas.microsoft.com/office/drawing/2014/main" id="{D9C8018B-F2B9-4793-BCEC-A85E235BEEF5}"/>
-              </a:ext>
-            </a:extLst>
-          </p:cNvPr>
-          <p:cNvPicPr>
-            <a:picLocks noChangeAspect="1"/>
-          </p:cNvPicPr>
-          <p:nvPr/>
-        </p:nvPicPr>
-        <p:blipFill>
-          <a:blip r:embed="rId5"/>
-          <a:stretch>
-            <a:fillRect/>
-          </a:stretch>
-        </p:blipFill>
-        <p:spPr>
-          <a:xfrm>
-            <a:off x="4148488" y="2112327"/>
-            <a:ext cx="6906335" cy="2053472"/>
-          </a:xfrm>
-          <a:prstGeom prst="rect">
-            <a:avLst/>
-          </a:prstGeom>
-        </p:spPr>
-      </p:pic>
-      <p:sp>
-        <p:nvSpPr>
-          <p:cNvPr id="16" name="직사각형 15">
-            <a:extLst>
-              <a:ext uri="{FF2B5EF4-FFF2-40B4-BE49-F238E27FC236}">
-                <a16:creationId xmlns:a16="http://schemas.microsoft.com/office/drawing/2014/main" id="{C65D62DD-0820-4C85-B25C-24196366B77A}"/>
-              </a:ext>
-            </a:extLst>
-          </p:cNvPr>
-          <p:cNvSpPr/>
-          <p:nvPr/>
-        </p:nvSpPr>
-        <p:spPr>
-          <a:xfrm>
-            <a:off x="6728059" y="2454443"/>
-            <a:ext cx="798897" cy="231006"/>
-          </a:xfrm>
-          <a:prstGeom prst="rect">
-            <a:avLst/>
-          </a:prstGeom>
-          <a:noFill/>
-          <a:ln w="19050">
-            <a:solidFill>
-              <a:srgbClr val="FF0000"/>
-            </a:solidFill>
-          </a:ln>
-        </p:spPr>
-        <p:style>
-          <a:lnRef idx="2">
-            <a:schemeClr val="accent1">
-              <a:shade val="50000"/>
-            </a:schemeClr>
-          </a:lnRef>
-          <a:fillRef idx="1">
-            <a:schemeClr val="accent1"/>
-          </a:fillRef>
-          <a:effectRef idx="0">
-            <a:schemeClr val="accent1"/>
-          </a:effectRef>
-          <a:fontRef idx="minor">
-            <a:schemeClr val="lt1"/>
-          </a:fontRef>
-        </p:style>
-        <p:txBody>
-          <a:bodyPr rtlCol="0" anchor="ctr"/>
-          <a:lstStyle/>
-          <a:p>
-            <a:pPr algn="ctr"/>
-            <a:endParaRPr lang="ko-KR" altLang="en-US"/>
-          </a:p>
-        </p:txBody>
-      </p:sp>
-      <p:sp>
-        <p:nvSpPr>
-          <p:cNvPr id="17" name="직사각형 16">
-            <a:extLst>
-              <a:ext uri="{FF2B5EF4-FFF2-40B4-BE49-F238E27FC236}">
-                <a16:creationId xmlns:a16="http://schemas.microsoft.com/office/drawing/2014/main" id="{C2B67D96-FE5A-421E-AD1E-14779AD5DC2B}"/>
-              </a:ext>
-            </a:extLst>
-          </p:cNvPr>
-          <p:cNvSpPr/>
-          <p:nvPr/>
-        </p:nvSpPr>
-        <p:spPr>
-          <a:xfrm>
-            <a:off x="5894248" y="3514810"/>
-            <a:ext cx="4693541" cy="231006"/>
-          </a:xfrm>
-          <a:prstGeom prst="rect">
-            <a:avLst/>
-          </a:prstGeom>
-          <a:noFill/>
-          <a:ln w="19050">
-            <a:solidFill>
-              <a:srgbClr val="FF0000"/>
-            </a:solidFill>
-          </a:ln>
-        </p:spPr>
-        <p:style>
-          <a:lnRef idx="2">
-            <a:schemeClr val="accent1">
-              <a:shade val="50000"/>
-            </a:schemeClr>
-          </a:lnRef>
-          <a:fillRef idx="1">
-            <a:schemeClr val="accent1"/>
-          </a:fillRef>
-          <a:effectRef idx="0">
-            <a:schemeClr val="accent1"/>
-          </a:effectRef>
-          <a:fontRef idx="minor">
-            <a:schemeClr val="lt1"/>
-          </a:fontRef>
-        </p:style>
-        <p:txBody>
-          <a:bodyPr rtlCol="0" anchor="ctr"/>
-          <a:lstStyle/>
-          <a:p>
-            <a:pPr algn="ctr"/>
-            <a:endParaRPr lang="ko-KR" altLang="en-US"/>
-          </a:p>
-        </p:txBody>
-      </p:sp>
     </p:spTree>
     <p:extLst>
       <p:ext uri="{BB962C8B-B14F-4D97-AF65-F5344CB8AC3E}">
-        <p14:creationId xmlns:p14="http://schemas.microsoft.com/office/powerpoint/2010/main" val="4284760486"/>
+        <p14:creationId xmlns:p14="http://schemas.microsoft.com/office/powerpoint/2010/main" val="2655516849"/>
       </p:ext>
     </p:extLst>
   </p:cSld>
@@ -11124,7 +11818,7 @@
 </p:sld>
 </file>
 
-<file path=ppt/slides/slide18.xml><?xml version="1.0" encoding="utf-8"?>
+<file path=ppt/slides/slide7.xml><?xml version="1.0" encoding="utf-8"?>
 <p:sld xmlns:a="http://schemas.openxmlformats.org/drawingml/2006/main" xmlns:r="http://schemas.openxmlformats.org/officeDocument/2006/relationships" xmlns:p="http://schemas.openxmlformats.org/presentationml/2006/main">
   <p:cSld>
     <p:spTree>
@@ -11506,7 +12200,7 @@
         <p:spPr>
           <a:xfrm>
             <a:off x="863243" y="579876"/>
-            <a:ext cx="10191580" cy="1521955"/>
+            <a:ext cx="10191580" cy="1060290"/>
           </a:xfrm>
           <a:prstGeom prst="rect">
             <a:avLst/>
@@ -11544,36 +12238,7 @@
                 <a:latin typeface="12롯데마트드림Medium"/>
                 <a:ea typeface="-윤고딕340" panose="02030504000101010101" pitchFamily="18" charset="-127"/>
               </a:rPr>
-              <a:t>03 </a:t>
-            </a:r>
-          </a:p>
-          <a:p>
-            <a:pPr>
-              <a:lnSpc>
-                <a:spcPct val="150000"/>
-              </a:lnSpc>
-            </a:pPr>
-            <a:r>
-              <a:rPr lang="en-US" altLang="ko-KR" sz="2000" dirty="0">
-                <a:ln>
-                  <a:solidFill>
-                    <a:schemeClr val="tx1">
-                      <a:lumMod val="85000"/>
-                      <a:lumOff val="15000"/>
-                      <a:alpha val="0"/>
-                    </a:schemeClr>
-                  </a:solidFill>
-                </a:ln>
-                <a:solidFill>
-                  <a:schemeClr val="tx1">
-                    <a:lumMod val="85000"/>
-                    <a:lumOff val="15000"/>
-                  </a:schemeClr>
-                </a:solidFill>
-                <a:latin typeface="12롯데마트드림Medium"/>
-                <a:ea typeface="-윤고딕340" panose="02030504000101010101" pitchFamily="18" charset="-127"/>
-              </a:rPr>
-              <a:t>    : ‘Mono’ argument</a:t>
+              <a:t>01 Documentation</a:t>
             </a:r>
           </a:p>
           <a:p>
@@ -11607,12 +12272,42 @@
           </a:p>
         </p:txBody>
       </p:sp>
-      <p:sp>
-        <p:nvSpPr>
-          <p:cNvPr id="15" name="TextBox 14">
+      <p:pic>
+        <p:nvPicPr>
+          <p:cNvPr id="16" name="그림 15" descr="텍스트이(가) 표시된 사진&#10;&#10;자동 생성된 설명">
             <a:extLst>
               <a:ext uri="{FF2B5EF4-FFF2-40B4-BE49-F238E27FC236}">
-                <a16:creationId xmlns:a16="http://schemas.microsoft.com/office/drawing/2014/main" id="{3A58A65E-A385-4994-9CDF-412BC3F9CC14}"/>
+                <a16:creationId xmlns:a16="http://schemas.microsoft.com/office/drawing/2014/main" id="{D647BF76-6F62-47D8-8C1F-9D4AC23D304B}"/>
+              </a:ext>
+            </a:extLst>
+          </p:cNvPr>
+          <p:cNvPicPr>
+            <a:picLocks noChangeAspect="1"/>
+          </p:cNvPicPr>
+          <p:nvPr/>
+        </p:nvPicPr>
+        <p:blipFill>
+          <a:blip r:embed="rId3"/>
+          <a:stretch>
+            <a:fillRect/>
+          </a:stretch>
+        </p:blipFill>
+        <p:spPr>
+          <a:xfrm>
+            <a:off x="1625584" y="1401555"/>
+            <a:ext cx="8917155" cy="4876569"/>
+          </a:xfrm>
+          <a:prstGeom prst="rect">
+            <a:avLst/>
+          </a:prstGeom>
+        </p:spPr>
+      </p:pic>
+      <p:sp>
+        <p:nvSpPr>
+          <p:cNvPr id="13" name="TextBox 12">
+            <a:extLst>
+              <a:ext uri="{FF2B5EF4-FFF2-40B4-BE49-F238E27FC236}">
+                <a16:creationId xmlns:a16="http://schemas.microsoft.com/office/drawing/2014/main" id="{3A692BD8-E526-4941-9AB0-A757FBBA11C6}"/>
               </a:ext>
             </a:extLst>
           </p:cNvPr>
@@ -11655,7 +12350,7 @@
                 <a:latin typeface="-윤고딕340" pitchFamily="18" charset="-127"/>
                 <a:ea typeface="-윤고딕340" pitchFamily="18" charset="-127"/>
               </a:rPr>
-              <a:t>03. </a:t>
+              <a:t>01. </a:t>
             </a:r>
             <a:r>
               <a:rPr lang="en-US" altLang="ko-KR" sz="1400" dirty="0">
@@ -11701,151 +12396,10 @@
           </a:p>
         </p:txBody>
       </p:sp>
-      <p:pic>
-        <p:nvPicPr>
-          <p:cNvPr id="11" name="그림 10" descr="텍스트이(가) 표시된 사진&#10;&#10;자동 생성된 설명">
-            <a:extLst>
-              <a:ext uri="{FF2B5EF4-FFF2-40B4-BE49-F238E27FC236}">
-                <a16:creationId xmlns:a16="http://schemas.microsoft.com/office/drawing/2014/main" id="{2910DC2C-1F5E-481E-9717-209F85F99FCF}"/>
-              </a:ext>
-            </a:extLst>
-          </p:cNvPr>
-          <p:cNvPicPr>
-            <a:picLocks noChangeAspect="1"/>
-          </p:cNvPicPr>
-          <p:nvPr/>
-        </p:nvPicPr>
-        <p:blipFill>
-          <a:blip r:embed="rId3"/>
-          <a:stretch>
-            <a:fillRect/>
-          </a:stretch>
-        </p:blipFill>
-        <p:spPr>
-          <a:xfrm>
-            <a:off x="1281864" y="1787223"/>
-            <a:ext cx="4964932" cy="1182127"/>
-          </a:xfrm>
-          <a:prstGeom prst="rect">
-            <a:avLst/>
-          </a:prstGeom>
-        </p:spPr>
-      </p:pic>
-      <p:pic>
-        <p:nvPicPr>
-          <p:cNvPr id="13" name="그림 12" descr="텍스트이(가) 표시된 사진&#10;&#10;자동 생성된 설명">
-            <a:extLst>
-              <a:ext uri="{FF2B5EF4-FFF2-40B4-BE49-F238E27FC236}">
-                <a16:creationId xmlns:a16="http://schemas.microsoft.com/office/drawing/2014/main" id="{FB21A6E6-DC32-454F-85B3-136827806F96}"/>
-              </a:ext>
-            </a:extLst>
-          </p:cNvPr>
-          <p:cNvPicPr>
-            <a:picLocks noChangeAspect="1"/>
-          </p:cNvPicPr>
-          <p:nvPr/>
-        </p:nvPicPr>
-        <p:blipFill rotWithShape="1">
-          <a:blip r:embed="rId4"/>
-          <a:srcRect l="947"/>
-          <a:stretch/>
-        </p:blipFill>
-        <p:spPr>
-          <a:xfrm>
-            <a:off x="1379639" y="4008181"/>
-            <a:ext cx="4251140" cy="2299820"/>
-          </a:xfrm>
-          <a:prstGeom prst="rect">
-            <a:avLst/>
-          </a:prstGeom>
-        </p:spPr>
-      </p:pic>
-      <p:pic>
-        <p:nvPicPr>
-          <p:cNvPr id="17" name="그림 16" descr="텍스트이(가) 표시된 사진&#10;&#10;자동 생성된 설명">
-            <a:extLst>
-              <a:ext uri="{FF2B5EF4-FFF2-40B4-BE49-F238E27FC236}">
-                <a16:creationId xmlns:a16="http://schemas.microsoft.com/office/drawing/2014/main" id="{0E660D16-EC18-498E-86FD-D87CBD6866B3}"/>
-              </a:ext>
-            </a:extLst>
-          </p:cNvPr>
-          <p:cNvPicPr>
-            <a:picLocks noChangeAspect="1"/>
-          </p:cNvPicPr>
-          <p:nvPr/>
-        </p:nvPicPr>
-        <p:blipFill>
-          <a:blip r:embed="rId5"/>
-          <a:stretch>
-            <a:fillRect/>
-          </a:stretch>
-        </p:blipFill>
-        <p:spPr>
-          <a:xfrm>
-            <a:off x="6434278" y="2581161"/>
-            <a:ext cx="5602546" cy="2080688"/>
-          </a:xfrm>
-          <a:prstGeom prst="rect">
-            <a:avLst/>
-          </a:prstGeom>
-        </p:spPr>
-      </p:pic>
-      <p:sp>
-        <p:nvSpPr>
-          <p:cNvPr id="18" name="직사각형 17">
-            <a:extLst>
-              <a:ext uri="{FF2B5EF4-FFF2-40B4-BE49-F238E27FC236}">
-                <a16:creationId xmlns:a16="http://schemas.microsoft.com/office/drawing/2014/main" id="{12401979-0E53-4B03-8D64-ADC950E185B8}"/>
-              </a:ext>
-            </a:extLst>
-          </p:cNvPr>
-          <p:cNvSpPr/>
-          <p:nvPr/>
-        </p:nvSpPr>
-        <p:spPr>
-          <a:xfrm>
-            <a:off x="1276493" y="2670968"/>
-            <a:ext cx="4964932" cy="279131"/>
-          </a:xfrm>
-          <a:prstGeom prst="rect">
-            <a:avLst/>
-          </a:prstGeom>
-          <a:noFill/>
-          <a:ln w="19050">
-            <a:solidFill>
-              <a:srgbClr val="FF0000"/>
-            </a:solidFill>
-          </a:ln>
-        </p:spPr>
-        <p:style>
-          <a:lnRef idx="2">
-            <a:schemeClr val="accent1">
-              <a:shade val="50000"/>
-            </a:schemeClr>
-          </a:lnRef>
-          <a:fillRef idx="1">
-            <a:schemeClr val="accent1"/>
-          </a:fillRef>
-          <a:effectRef idx="0">
-            <a:schemeClr val="accent1"/>
-          </a:effectRef>
-          <a:fontRef idx="minor">
-            <a:schemeClr val="lt1"/>
-          </a:fontRef>
-        </p:style>
-        <p:txBody>
-          <a:bodyPr rtlCol="0" anchor="ctr"/>
-          <a:lstStyle/>
-          <a:p>
-            <a:pPr algn="ctr"/>
-            <a:endParaRPr lang="ko-KR" altLang="en-US"/>
-          </a:p>
-        </p:txBody>
-      </p:sp>
     </p:spTree>
     <p:extLst>
       <p:ext uri="{BB962C8B-B14F-4D97-AF65-F5344CB8AC3E}">
-        <p14:creationId xmlns:p14="http://schemas.microsoft.com/office/powerpoint/2010/main" val="78618381"/>
+        <p14:creationId xmlns:p14="http://schemas.microsoft.com/office/powerpoint/2010/main" val="644564962"/>
       </p:ext>
     </p:extLst>
   </p:cSld>
@@ -11867,489 +12421,7 @@
 </p:sld>
 </file>
 
-<file path=ppt/slides/slide2.xml><?xml version="1.0" encoding="utf-8"?>
-<p:sld xmlns:a="http://schemas.openxmlformats.org/drawingml/2006/main" xmlns:r="http://schemas.openxmlformats.org/officeDocument/2006/relationships" xmlns:p="http://schemas.openxmlformats.org/presentationml/2006/main">
-  <p:cSld>
-    <p:spTree>
-      <p:nvGrpSpPr>
-        <p:cNvPr id="1" name=""/>
-        <p:cNvGrpSpPr/>
-        <p:nvPr/>
-      </p:nvGrpSpPr>
-      <p:grpSpPr>
-        <a:xfrm>
-          <a:off x="0" y="0"/>
-          <a:ext cx="0" cy="0"/>
-          <a:chOff x="0" y="0"/>
-          <a:chExt cx="0" cy="0"/>
-        </a:xfrm>
-      </p:grpSpPr>
-      <p:sp>
-        <p:nvSpPr>
-          <p:cNvPr id="3" name="TextBox 2"/>
-          <p:cNvSpPr txBox="1"/>
-          <p:nvPr/>
-        </p:nvSpPr>
-        <p:spPr>
-          <a:xfrm>
-            <a:off x="4150386" y="2474700"/>
-            <a:ext cx="5117595" cy="1528945"/>
-          </a:xfrm>
-          <a:prstGeom prst="rect">
-            <a:avLst/>
-          </a:prstGeom>
-          <a:noFill/>
-        </p:spPr>
-        <p:txBody>
-          <a:bodyPr wrap="square" rtlCol="0">
-            <a:spAutoFit/>
-          </a:bodyPr>
-          <a:lstStyle/>
-          <a:p>
-            <a:r>
-              <a:rPr lang="en-US" altLang="ko-KR" sz="1867" dirty="0">
-                <a:ln>
-                  <a:solidFill>
-                    <a:schemeClr val="tx1">
-                      <a:lumMod val="85000"/>
-                      <a:lumOff val="15000"/>
-                      <a:alpha val="0"/>
-                    </a:schemeClr>
-                  </a:solidFill>
-                </a:ln>
-                <a:solidFill>
-                  <a:schemeClr val="tx1">
-                    <a:lumMod val="85000"/>
-                    <a:lumOff val="15000"/>
-                  </a:schemeClr>
-                </a:solidFill>
-                <a:latin typeface="12롯데마트드림Medium"/>
-                <a:ea typeface="-윤고딕340" panose="02030504000101010101" pitchFamily="18" charset="-127"/>
-              </a:rPr>
-              <a:t>01 Package Structure</a:t>
-            </a:r>
-          </a:p>
-          <a:p>
-            <a:endParaRPr lang="en-US" altLang="ko-KR" sz="1867" dirty="0">
-              <a:ln>
-                <a:solidFill>
-                  <a:schemeClr val="tx1">
-                    <a:lumMod val="85000"/>
-                    <a:lumOff val="15000"/>
-                    <a:alpha val="0"/>
-                  </a:schemeClr>
-                </a:solidFill>
-              </a:ln>
-              <a:solidFill>
-                <a:schemeClr val="tx1">
-                  <a:lumMod val="85000"/>
-                  <a:lumOff val="15000"/>
-                </a:schemeClr>
-              </a:solidFill>
-              <a:latin typeface="12롯데마트드림Medium"/>
-              <a:ea typeface="-윤고딕340" panose="02030504000101010101" pitchFamily="18" charset="-127"/>
-            </a:endParaRPr>
-          </a:p>
-          <a:p>
-            <a:r>
-              <a:rPr lang="en-US" altLang="ko-KR" sz="1867" dirty="0">
-                <a:ln>
-                  <a:solidFill>
-                    <a:schemeClr val="tx1">
-                      <a:lumMod val="85000"/>
-                      <a:lumOff val="15000"/>
-                      <a:alpha val="0"/>
-                    </a:schemeClr>
-                  </a:solidFill>
-                </a:ln>
-                <a:solidFill>
-                  <a:schemeClr val="tx1">
-                    <a:lumMod val="85000"/>
-                    <a:lumOff val="15000"/>
-                  </a:schemeClr>
-                </a:solidFill>
-                <a:latin typeface="12롯데마트드림Medium"/>
-                <a:ea typeface="-윤고딕340" panose="02030504000101010101" pitchFamily="18" charset="-127"/>
-              </a:rPr>
-              <a:t>02 Test Case</a:t>
-            </a:r>
-          </a:p>
-          <a:p>
-            <a:endParaRPr lang="en-US" altLang="ko-KR" sz="1867" dirty="0">
-              <a:ln>
-                <a:solidFill>
-                  <a:schemeClr val="tx1">
-                    <a:lumMod val="85000"/>
-                    <a:lumOff val="15000"/>
-                    <a:alpha val="0"/>
-                  </a:schemeClr>
-                </a:solidFill>
-              </a:ln>
-              <a:solidFill>
-                <a:schemeClr val="tx1">
-                  <a:lumMod val="85000"/>
-                  <a:lumOff val="15000"/>
-                </a:schemeClr>
-              </a:solidFill>
-              <a:latin typeface="12롯데마트드림Medium"/>
-              <a:ea typeface="-윤고딕340" panose="02030504000101010101" pitchFamily="18" charset="-127"/>
-            </a:endParaRPr>
-          </a:p>
-          <a:p>
-            <a:r>
-              <a:rPr lang="en-US" altLang="ko-KR" sz="1867" dirty="0">
-                <a:ln>
-                  <a:solidFill>
-                    <a:schemeClr val="tx1">
-                      <a:lumMod val="85000"/>
-                      <a:lumOff val="15000"/>
-                      <a:alpha val="0"/>
-                    </a:schemeClr>
-                  </a:solidFill>
-                </a:ln>
-                <a:solidFill>
-                  <a:schemeClr val="tx1">
-                    <a:lumMod val="85000"/>
-                    <a:lumOff val="15000"/>
-                  </a:schemeClr>
-                </a:solidFill>
-                <a:latin typeface="12롯데마트드림Medium"/>
-                <a:ea typeface="-윤고딕340" panose="02030504000101010101" pitchFamily="18" charset="-127"/>
-              </a:rPr>
-              <a:t>03 Update_0813</a:t>
-            </a:r>
-          </a:p>
-        </p:txBody>
-      </p:sp>
-      <p:sp>
-        <p:nvSpPr>
-          <p:cNvPr id="7" name="직사각형 6"/>
-          <p:cNvSpPr/>
-          <p:nvPr/>
-        </p:nvSpPr>
-        <p:spPr>
-          <a:xfrm>
-            <a:off x="4128613" y="1942328"/>
-            <a:ext cx="723589" cy="305591"/>
-          </a:xfrm>
-          <a:prstGeom prst="rect">
-            <a:avLst/>
-          </a:prstGeom>
-          <a:solidFill>
-            <a:schemeClr val="tx2">
-              <a:lumMod val="50000"/>
-            </a:schemeClr>
-          </a:solidFill>
-          <a:ln>
-            <a:noFill/>
-          </a:ln>
-        </p:spPr>
-        <p:style>
-          <a:lnRef idx="2">
-            <a:schemeClr val="accent1">
-              <a:shade val="50000"/>
-            </a:schemeClr>
-          </a:lnRef>
-          <a:fillRef idx="1">
-            <a:schemeClr val="accent1"/>
-          </a:fillRef>
-          <a:effectRef idx="0">
-            <a:schemeClr val="accent1"/>
-          </a:effectRef>
-          <a:fontRef idx="minor">
-            <a:schemeClr val="lt1"/>
-          </a:fontRef>
-        </p:style>
-        <p:txBody>
-          <a:bodyPr rtlCol="0" anchor="ctr"/>
-          <a:lstStyle/>
-          <a:p>
-            <a:pPr algn="ctr"/>
-            <a:endParaRPr lang="ko-KR" altLang="en-US" sz="2400"/>
-          </a:p>
-        </p:txBody>
-      </p:sp>
-      <p:sp>
-        <p:nvSpPr>
-          <p:cNvPr id="8" name="TextBox 7"/>
-          <p:cNvSpPr txBox="1"/>
-          <p:nvPr/>
-        </p:nvSpPr>
-        <p:spPr>
-          <a:xfrm>
-            <a:off x="4106084" y="1942327"/>
-            <a:ext cx="1245956" cy="297454"/>
-          </a:xfrm>
-          <a:prstGeom prst="rect">
-            <a:avLst/>
-          </a:prstGeom>
-          <a:noFill/>
-        </p:spPr>
-        <p:txBody>
-          <a:bodyPr wrap="square" rtlCol="0">
-            <a:spAutoFit/>
-          </a:bodyPr>
-          <a:lstStyle/>
-          <a:p>
-            <a:r>
-              <a:rPr lang="en-US" altLang="ko-KR" sz="1333" dirty="0">
-                <a:ln>
-                  <a:solidFill>
-                    <a:schemeClr val="bg1">
-                      <a:lumMod val="95000"/>
-                      <a:alpha val="10000"/>
-                    </a:schemeClr>
-                  </a:solidFill>
-                </a:ln>
-                <a:solidFill>
-                  <a:schemeClr val="bg1">
-                    <a:lumMod val="95000"/>
-                  </a:schemeClr>
-                </a:solidFill>
-                <a:latin typeface="-윤고딕350" pitchFamily="18" charset="-127"/>
-                <a:ea typeface="-윤고딕350" pitchFamily="18" charset="-127"/>
-              </a:rPr>
-              <a:t>INDEX</a:t>
-            </a:r>
-            <a:endParaRPr lang="ko-KR" altLang="en-US" sz="1333" dirty="0">
-              <a:ln>
-                <a:solidFill>
-                  <a:schemeClr val="bg1">
-                    <a:lumMod val="95000"/>
-                    <a:alpha val="10000"/>
-                  </a:schemeClr>
-                </a:solidFill>
-              </a:ln>
-              <a:solidFill>
-                <a:schemeClr val="bg1">
-                  <a:lumMod val="95000"/>
-                </a:schemeClr>
-              </a:solidFill>
-              <a:latin typeface="-윤고딕350" pitchFamily="18" charset="-127"/>
-              <a:ea typeface="-윤고딕350" pitchFamily="18" charset="-127"/>
-            </a:endParaRPr>
-          </a:p>
-        </p:txBody>
-      </p:sp>
-      <p:sp>
-        <p:nvSpPr>
-          <p:cNvPr id="9" name="직각 삼각형 8"/>
-          <p:cNvSpPr/>
-          <p:nvPr/>
-        </p:nvSpPr>
-        <p:spPr>
-          <a:xfrm>
-            <a:off x="4849838" y="1942328"/>
-            <a:ext cx="289383" cy="305591"/>
-          </a:xfrm>
-          <a:prstGeom prst="rtTriangle">
-            <a:avLst/>
-          </a:prstGeom>
-          <a:solidFill>
-            <a:schemeClr val="tx2">
-              <a:lumMod val="50000"/>
-            </a:schemeClr>
-          </a:solidFill>
-          <a:ln>
-            <a:noFill/>
-          </a:ln>
-        </p:spPr>
-        <p:style>
-          <a:lnRef idx="2">
-            <a:schemeClr val="accent1">
-              <a:shade val="50000"/>
-            </a:schemeClr>
-          </a:lnRef>
-          <a:fillRef idx="1">
-            <a:schemeClr val="accent1"/>
-          </a:fillRef>
-          <a:effectRef idx="0">
-            <a:schemeClr val="accent1"/>
-          </a:effectRef>
-          <a:fontRef idx="minor">
-            <a:schemeClr val="lt1"/>
-          </a:fontRef>
-        </p:style>
-        <p:txBody>
-          <a:bodyPr rtlCol="0" anchor="ctr"/>
-          <a:lstStyle/>
-          <a:p>
-            <a:pPr algn="ctr"/>
-            <a:endParaRPr lang="ko-KR" altLang="en-US" sz="2400"/>
-          </a:p>
-        </p:txBody>
-      </p:sp>
-      <p:sp>
-        <p:nvSpPr>
-          <p:cNvPr id="11" name="직각 삼각형 10"/>
-          <p:cNvSpPr/>
-          <p:nvPr/>
-        </p:nvSpPr>
-        <p:spPr>
-          <a:xfrm rot="16200000" flipH="1">
-            <a:off x="4880432" y="1945292"/>
-            <a:ext cx="311517" cy="305591"/>
-          </a:xfrm>
-          <a:prstGeom prst="rtTriangle">
-            <a:avLst/>
-          </a:prstGeom>
-          <a:solidFill>
-            <a:schemeClr val="bg1">
-              <a:lumMod val="85000"/>
-            </a:schemeClr>
-          </a:solidFill>
-          <a:ln>
-            <a:noFill/>
-          </a:ln>
-        </p:spPr>
-        <p:style>
-          <a:lnRef idx="2">
-            <a:schemeClr val="accent1">
-              <a:shade val="50000"/>
-            </a:schemeClr>
-          </a:lnRef>
-          <a:fillRef idx="1">
-            <a:schemeClr val="accent1"/>
-          </a:fillRef>
-          <a:effectRef idx="0">
-            <a:schemeClr val="accent1"/>
-          </a:effectRef>
-          <a:fontRef idx="minor">
-            <a:schemeClr val="lt1"/>
-          </a:fontRef>
-        </p:style>
-        <p:txBody>
-          <a:bodyPr rtlCol="0" anchor="ctr"/>
-          <a:lstStyle/>
-          <a:p>
-            <a:pPr algn="ctr"/>
-            <a:endParaRPr lang="ko-KR" altLang="en-US" sz="2400"/>
-          </a:p>
-        </p:txBody>
-      </p:sp>
-      <p:sp>
-        <p:nvSpPr>
-          <p:cNvPr id="12" name="직사각형 11"/>
-          <p:cNvSpPr/>
-          <p:nvPr/>
-        </p:nvSpPr>
-        <p:spPr>
-          <a:xfrm>
-            <a:off x="5188987" y="1942327"/>
-            <a:ext cx="1797417" cy="301357"/>
-          </a:xfrm>
-          <a:prstGeom prst="rect">
-            <a:avLst/>
-          </a:prstGeom>
-          <a:solidFill>
-            <a:schemeClr val="bg1">
-              <a:lumMod val="85000"/>
-            </a:schemeClr>
-          </a:solidFill>
-          <a:ln>
-            <a:noFill/>
-          </a:ln>
-        </p:spPr>
-        <p:style>
-          <a:lnRef idx="2">
-            <a:schemeClr val="accent1">
-              <a:shade val="50000"/>
-            </a:schemeClr>
-          </a:lnRef>
-          <a:fillRef idx="1">
-            <a:schemeClr val="accent1"/>
-          </a:fillRef>
-          <a:effectRef idx="0">
-            <a:schemeClr val="accent1"/>
-          </a:effectRef>
-          <a:fontRef idx="minor">
-            <a:schemeClr val="lt1"/>
-          </a:fontRef>
-        </p:style>
-        <p:txBody>
-          <a:bodyPr rtlCol="0" anchor="ctr"/>
-          <a:lstStyle/>
-          <a:p>
-            <a:pPr algn="ctr"/>
-            <a:endParaRPr lang="ko-KR" altLang="en-US" sz="2400"/>
-          </a:p>
-        </p:txBody>
-      </p:sp>
-      <p:sp>
-        <p:nvSpPr>
-          <p:cNvPr id="14" name="직사각형 13"/>
-          <p:cNvSpPr/>
-          <p:nvPr/>
-        </p:nvSpPr>
-        <p:spPr>
-          <a:xfrm>
-            <a:off x="4135113" y="4211761"/>
-            <a:ext cx="2851291" cy="45800"/>
-          </a:xfrm>
-          <a:prstGeom prst="rect">
-            <a:avLst/>
-          </a:prstGeom>
-          <a:solidFill>
-            <a:schemeClr val="tx1">
-              <a:lumMod val="85000"/>
-              <a:lumOff val="15000"/>
-            </a:schemeClr>
-          </a:solidFill>
-          <a:ln>
-            <a:noFill/>
-          </a:ln>
-        </p:spPr>
-        <p:style>
-          <a:lnRef idx="2">
-            <a:schemeClr val="accent1">
-              <a:shade val="50000"/>
-            </a:schemeClr>
-          </a:lnRef>
-          <a:fillRef idx="1">
-            <a:schemeClr val="accent1"/>
-          </a:fillRef>
-          <a:effectRef idx="0">
-            <a:schemeClr val="accent1"/>
-          </a:effectRef>
-          <a:fontRef idx="minor">
-            <a:schemeClr val="lt1"/>
-          </a:fontRef>
-        </p:style>
-        <p:txBody>
-          <a:bodyPr rtlCol="0" anchor="ctr"/>
-          <a:lstStyle/>
-          <a:p>
-            <a:pPr algn="ctr"/>
-            <a:endParaRPr lang="ko-KR" altLang="en-US" sz="2400"/>
-          </a:p>
-        </p:txBody>
-      </p:sp>
-    </p:spTree>
-    <p:extLst>
-      <p:ext uri="{BB962C8B-B14F-4D97-AF65-F5344CB8AC3E}">
-        <p14:creationId xmlns:p14="http://schemas.microsoft.com/office/powerpoint/2010/main" val="3234700786"/>
-      </p:ext>
-    </p:extLst>
-  </p:cSld>
-  <p:clrMapOvr>
-    <a:masterClrMapping/>
-  </p:clrMapOvr>
-  <mc:AlternateContent xmlns:mc="http://schemas.openxmlformats.org/markup-compatibility/2006" xmlns:p14="http://schemas.microsoft.com/office/powerpoint/2010/main">
-    <mc:Choice Requires="p14">
-      <p:transition spd="med" p14:dur="700">
-        <p:fade/>
-      </p:transition>
-    </mc:Choice>
-    <mc:Fallback xmlns="">
-      <p:transition spd="med">
-        <p:fade/>
-      </p:transition>
-    </mc:Fallback>
-  </mc:AlternateContent>
-</p:sld>
-</file>
-
-<file path=ppt/slides/slide3.xml><?xml version="1.0" encoding="utf-8"?>
+<file path=ppt/slides/slide8.xml><?xml version="1.0" encoding="utf-8"?>
 <p:sld xmlns:a="http://schemas.openxmlformats.org/drawingml/2006/main" xmlns:r="http://schemas.openxmlformats.org/officeDocument/2006/relationships" xmlns:p="http://schemas.openxmlformats.org/presentationml/2006/main">
   <p:cSld>
     <p:spTree>
@@ -12718,7 +12790,517 @@
       </p:sp>
       <p:sp>
         <p:nvSpPr>
-          <p:cNvPr id="11" name="TextBox 10"/>
+          <p:cNvPr id="14" name="TextBox 13">
+            <a:extLst>
+              <a:ext uri="{FF2B5EF4-FFF2-40B4-BE49-F238E27FC236}">
+                <a16:creationId xmlns:a16="http://schemas.microsoft.com/office/drawing/2014/main" id="{876DB399-8879-4421-8CA8-FD74AEBD157F}"/>
+              </a:ext>
+            </a:extLst>
+          </p:cNvPr>
+          <p:cNvSpPr txBox="1"/>
+          <p:nvPr/>
+        </p:nvSpPr>
+        <p:spPr>
+          <a:xfrm>
+            <a:off x="863243" y="579876"/>
+            <a:ext cx="10191580" cy="1983620"/>
+          </a:xfrm>
+          <a:prstGeom prst="rect">
+            <a:avLst/>
+          </a:prstGeom>
+          <a:noFill/>
+        </p:spPr>
+        <p:txBody>
+          <a:bodyPr wrap="square">
+            <a:spAutoFit/>
+          </a:bodyPr>
+          <a:lstStyle/>
+          <a:p>
+            <a:pPr>
+              <a:lnSpc>
+                <a:spcPct val="150000"/>
+              </a:lnSpc>
+            </a:pPr>
+            <a:r>
+              <a:rPr lang="en-US" altLang="ko-KR" sz="2400" b="1" dirty="0">
+                <a:ln>
+                  <a:solidFill>
+                    <a:schemeClr val="tx1">
+                      <a:lumMod val="85000"/>
+                      <a:lumOff val="15000"/>
+                      <a:alpha val="0"/>
+                    </a:schemeClr>
+                  </a:solidFill>
+                </a:ln>
+                <a:solidFill>
+                  <a:schemeClr val="tx1">
+                    <a:lumMod val="85000"/>
+                    <a:lumOff val="15000"/>
+                  </a:schemeClr>
+                </a:solidFill>
+                <a:latin typeface="12롯데마트드림Medium"/>
+                <a:ea typeface="-윤고딕340" panose="02030504000101010101" pitchFamily="18" charset="-127"/>
+              </a:rPr>
+              <a:t>02 Function argument</a:t>
+            </a:r>
+          </a:p>
+          <a:p>
+            <a:pPr>
+              <a:lnSpc>
+                <a:spcPct val="150000"/>
+              </a:lnSpc>
+            </a:pPr>
+            <a:r>
+              <a:rPr lang="en-US" altLang="ko-KR" sz="2000" dirty="0">
+                <a:ln>
+                  <a:solidFill>
+                    <a:schemeClr val="tx1">
+                      <a:lumMod val="85000"/>
+                      <a:lumOff val="15000"/>
+                      <a:alpha val="0"/>
+                    </a:schemeClr>
+                  </a:solidFill>
+                </a:ln>
+                <a:solidFill>
+                  <a:schemeClr val="tx1">
+                    <a:lumMod val="85000"/>
+                    <a:lumOff val="15000"/>
+                  </a:schemeClr>
+                </a:solidFill>
+                <a:latin typeface="12롯데마트드림Medium"/>
+                <a:ea typeface="-윤고딕340" panose="02030504000101010101" pitchFamily="18" charset="-127"/>
+              </a:rPr>
+              <a:t>    </a:t>
+            </a:r>
+            <a:r>
+              <a:rPr lang="en-US" altLang="ko-KR" sz="2000" dirty="0" err="1">
+                <a:ln>
+                  <a:solidFill>
+                    <a:schemeClr val="tx1">
+                      <a:lumMod val="85000"/>
+                      <a:lumOff val="15000"/>
+                      <a:alpha val="0"/>
+                    </a:schemeClr>
+                  </a:solidFill>
+                </a:ln>
+                <a:solidFill>
+                  <a:schemeClr val="tx1">
+                    <a:lumMod val="85000"/>
+                    <a:lumOff val="15000"/>
+                  </a:schemeClr>
+                </a:solidFill>
+                <a:latin typeface="12롯데마트드림Medium"/>
+                <a:ea typeface="-윤고딕340" panose="02030504000101010101" pitchFamily="18" charset="-127"/>
+              </a:rPr>
+              <a:t>thre.LocalFDR</a:t>
+            </a:r>
+            <a:r>
+              <a:rPr lang="en-US" altLang="ko-KR" sz="2000" dirty="0">
+                <a:ln>
+                  <a:solidFill>
+                    <a:schemeClr val="tx1">
+                      <a:lumMod val="85000"/>
+                      <a:lumOff val="15000"/>
+                      <a:alpha val="0"/>
+                    </a:schemeClr>
+                  </a:solidFill>
+                </a:ln>
+                <a:solidFill>
+                  <a:schemeClr val="tx1">
+                    <a:lumMod val="85000"/>
+                    <a:lumOff val="15000"/>
+                  </a:schemeClr>
+                </a:solidFill>
+                <a:latin typeface="12롯데마트드림Medium"/>
+                <a:ea typeface="-윤고딕340" panose="02030504000101010101" pitchFamily="18" charset="-127"/>
+              </a:rPr>
+              <a:t> / </a:t>
+            </a:r>
+            <a:r>
+              <a:rPr lang="en-US" altLang="ko-KR" sz="2000" dirty="0" err="1">
+                <a:ln>
+                  <a:solidFill>
+                    <a:schemeClr val="tx1">
+                      <a:lumMod val="85000"/>
+                      <a:lumOff val="15000"/>
+                      <a:alpha val="0"/>
+                    </a:schemeClr>
+                  </a:solidFill>
+                </a:ln>
+                <a:solidFill>
+                  <a:schemeClr val="tx1">
+                    <a:lumMod val="85000"/>
+                    <a:lumOff val="15000"/>
+                  </a:schemeClr>
+                </a:solidFill>
+                <a:latin typeface="12롯데마트드림Medium"/>
+                <a:ea typeface="-윤고딕340" panose="02030504000101010101" pitchFamily="18" charset="-127"/>
+              </a:rPr>
+              <a:t>thre.z</a:t>
+            </a:r>
+            <a:r>
+              <a:rPr lang="en-US" altLang="ko-KR" sz="2000" dirty="0">
+                <a:ln>
+                  <a:solidFill>
+                    <a:schemeClr val="tx1">
+                      <a:lumMod val="85000"/>
+                      <a:lumOff val="15000"/>
+                      <a:alpha val="0"/>
+                    </a:schemeClr>
+                  </a:solidFill>
+                </a:ln>
+                <a:solidFill>
+                  <a:schemeClr val="tx1">
+                    <a:lumMod val="85000"/>
+                    <a:lumOff val="15000"/>
+                  </a:schemeClr>
+                </a:solidFill>
+                <a:latin typeface="12롯데마트드림Medium"/>
+                <a:ea typeface="-윤고딕340" panose="02030504000101010101" pitchFamily="18" charset="-127"/>
+              </a:rPr>
+              <a:t> / </a:t>
+            </a:r>
+            <a:r>
+              <a:rPr lang="en-US" altLang="ko-KR" sz="2000" dirty="0" err="1">
+                <a:ln>
+                  <a:solidFill>
+                    <a:schemeClr val="tx1">
+                      <a:lumMod val="85000"/>
+                      <a:lumOff val="15000"/>
+                      <a:alpha val="0"/>
+                    </a:schemeClr>
+                  </a:solidFill>
+                </a:ln>
+                <a:solidFill>
+                  <a:schemeClr val="tx1">
+                    <a:lumMod val="85000"/>
+                    <a:lumOff val="15000"/>
+                  </a:schemeClr>
+                </a:solidFill>
+                <a:latin typeface="12롯데마트드림Medium"/>
+                <a:ea typeface="-윤고딕340" panose="02030504000101010101" pitchFamily="18" charset="-127"/>
+              </a:rPr>
+              <a:t>Uthre.gam</a:t>
+            </a:r>
+            <a:r>
+              <a:rPr lang="en-US" altLang="ko-KR" sz="2000" dirty="0">
+                <a:ln>
+                  <a:solidFill>
+                    <a:schemeClr val="tx1">
+                      <a:lumMod val="85000"/>
+                      <a:lumOff val="15000"/>
+                      <a:alpha val="0"/>
+                    </a:schemeClr>
+                  </a:solidFill>
+                </a:ln>
+                <a:solidFill>
+                  <a:schemeClr val="tx1">
+                    <a:lumMod val="85000"/>
+                    <a:lumOff val="15000"/>
+                  </a:schemeClr>
+                </a:solidFill>
+                <a:latin typeface="12롯데마트드림Medium"/>
+                <a:ea typeface="-윤고딕340" panose="02030504000101010101" pitchFamily="18" charset="-127"/>
+              </a:rPr>
+              <a:t> / </a:t>
+            </a:r>
+            <a:r>
+              <a:rPr lang="en-US" altLang="ko-KR" sz="2000" dirty="0" err="1">
+                <a:ln>
+                  <a:solidFill>
+                    <a:schemeClr val="tx1">
+                      <a:lumMod val="85000"/>
+                      <a:lumOff val="15000"/>
+                      <a:alpha val="0"/>
+                    </a:schemeClr>
+                  </a:solidFill>
+                </a:ln>
+                <a:solidFill>
+                  <a:schemeClr val="tx1">
+                    <a:lumMod val="85000"/>
+                    <a:lumOff val="15000"/>
+                  </a:schemeClr>
+                </a:solidFill>
+                <a:latin typeface="12롯데마트드림Medium"/>
+                <a:ea typeface="-윤고딕340" panose="02030504000101010101" pitchFamily="18" charset="-127"/>
+              </a:rPr>
+              <a:t>Lthre.gam</a:t>
+            </a:r>
+            <a:endParaRPr lang="en-US" altLang="ko-KR" sz="2000" dirty="0">
+              <a:ln>
+                <a:solidFill>
+                  <a:schemeClr val="tx1">
+                    <a:lumMod val="85000"/>
+                    <a:lumOff val="15000"/>
+                    <a:alpha val="0"/>
+                  </a:schemeClr>
+                </a:solidFill>
+              </a:ln>
+              <a:solidFill>
+                <a:schemeClr val="tx1">
+                  <a:lumMod val="85000"/>
+                  <a:lumOff val="15000"/>
+                </a:schemeClr>
+              </a:solidFill>
+              <a:latin typeface="12롯데마트드림Medium"/>
+              <a:ea typeface="-윤고딕340" panose="02030504000101010101" pitchFamily="18" charset="-127"/>
+            </a:endParaRPr>
+          </a:p>
+          <a:p>
+            <a:pPr>
+              <a:lnSpc>
+                <a:spcPct val="150000"/>
+              </a:lnSpc>
+            </a:pPr>
+            <a:endParaRPr lang="en-US" altLang="ko-KR" sz="2000" dirty="0">
+              <a:ln>
+                <a:solidFill>
+                  <a:schemeClr val="tx1">
+                    <a:lumMod val="85000"/>
+                    <a:lumOff val="15000"/>
+                    <a:alpha val="0"/>
+                  </a:schemeClr>
+                </a:solidFill>
+              </a:ln>
+              <a:solidFill>
+                <a:schemeClr val="tx1">
+                  <a:lumMod val="85000"/>
+                  <a:lumOff val="15000"/>
+                </a:schemeClr>
+              </a:solidFill>
+              <a:latin typeface="12롯데마트드림Medium"/>
+              <a:ea typeface="-윤고딕340" panose="02030504000101010101" pitchFamily="18" charset="-127"/>
+            </a:endParaRPr>
+          </a:p>
+          <a:p>
+            <a:pPr>
+              <a:lnSpc>
+                <a:spcPct val="150000"/>
+              </a:lnSpc>
+            </a:pPr>
+            <a:endParaRPr lang="en-US" altLang="ko-KR" sz="2000" dirty="0">
+              <a:ln>
+                <a:solidFill>
+                  <a:schemeClr val="tx1">
+                    <a:lumMod val="85000"/>
+                    <a:lumOff val="15000"/>
+                    <a:alpha val="0"/>
+                  </a:schemeClr>
+                </a:solidFill>
+              </a:ln>
+              <a:solidFill>
+                <a:schemeClr val="tx1">
+                  <a:lumMod val="85000"/>
+                  <a:lumOff val="15000"/>
+                </a:schemeClr>
+              </a:solidFill>
+              <a:latin typeface="12롯데마트드림Medium"/>
+              <a:ea typeface="-윤고딕340" panose="02030504000101010101" pitchFamily="18" charset="-127"/>
+            </a:endParaRPr>
+          </a:p>
+        </p:txBody>
+      </p:sp>
+      <p:pic>
+        <p:nvPicPr>
+          <p:cNvPr id="12" name="그림 11" descr="텍스트이(가) 표시된 사진&#10;&#10;자동 생성된 설명">
+            <a:extLst>
+              <a:ext uri="{FF2B5EF4-FFF2-40B4-BE49-F238E27FC236}">
+                <a16:creationId xmlns:a16="http://schemas.microsoft.com/office/drawing/2014/main" id="{23C1C69C-DF0C-4880-9958-A949DAAA4F76}"/>
+              </a:ext>
+            </a:extLst>
+          </p:cNvPr>
+          <p:cNvPicPr>
+            <a:picLocks noChangeAspect="1"/>
+          </p:cNvPicPr>
+          <p:nvPr/>
+        </p:nvPicPr>
+        <p:blipFill rotWithShape="1">
+          <a:blip r:embed="rId3"/>
+          <a:srcRect t="48535" r="74776"/>
+          <a:stretch/>
+        </p:blipFill>
+        <p:spPr>
+          <a:xfrm>
+            <a:off x="962665" y="1896178"/>
+            <a:ext cx="2225449" cy="2485770"/>
+          </a:xfrm>
+          <a:prstGeom prst="rect">
+            <a:avLst/>
+          </a:prstGeom>
+        </p:spPr>
+      </p:pic>
+      <p:pic>
+        <p:nvPicPr>
+          <p:cNvPr id="13" name="그림 12" descr="텍스트이(가) 표시된 사진&#10;&#10;자동 생성된 설명">
+            <a:extLst>
+              <a:ext uri="{FF2B5EF4-FFF2-40B4-BE49-F238E27FC236}">
+                <a16:creationId xmlns:a16="http://schemas.microsoft.com/office/drawing/2014/main" id="{EDB4C2F4-943F-4DAB-8683-7B2506977EDC}"/>
+              </a:ext>
+            </a:extLst>
+          </p:cNvPr>
+          <p:cNvPicPr>
+            <a:picLocks noChangeAspect="1"/>
+          </p:cNvPicPr>
+          <p:nvPr/>
+        </p:nvPicPr>
+        <p:blipFill rotWithShape="1">
+          <a:blip r:embed="rId4"/>
+          <a:srcRect t="25539" r="898" b="51171"/>
+          <a:stretch/>
+        </p:blipFill>
+        <p:spPr>
+          <a:xfrm>
+            <a:off x="1540495" y="4812631"/>
+            <a:ext cx="8837076" cy="1135781"/>
+          </a:xfrm>
+          <a:prstGeom prst="rect">
+            <a:avLst/>
+          </a:prstGeom>
+        </p:spPr>
+      </p:pic>
+      <p:pic>
+        <p:nvPicPr>
+          <p:cNvPr id="11" name="그림 10" descr="텍스트이(가) 표시된 사진&#10;&#10;자동 생성된 설명">
+            <a:extLst>
+              <a:ext uri="{FF2B5EF4-FFF2-40B4-BE49-F238E27FC236}">
+                <a16:creationId xmlns:a16="http://schemas.microsoft.com/office/drawing/2014/main" id="{D9C8018B-F2B9-4793-BCEC-A85E235BEEF5}"/>
+              </a:ext>
+            </a:extLst>
+          </p:cNvPr>
+          <p:cNvPicPr>
+            <a:picLocks noChangeAspect="1"/>
+          </p:cNvPicPr>
+          <p:nvPr/>
+        </p:nvPicPr>
+        <p:blipFill>
+          <a:blip r:embed="rId5"/>
+          <a:stretch>
+            <a:fillRect/>
+          </a:stretch>
+        </p:blipFill>
+        <p:spPr>
+          <a:xfrm>
+            <a:off x="4148488" y="2112327"/>
+            <a:ext cx="6906335" cy="2053472"/>
+          </a:xfrm>
+          <a:prstGeom prst="rect">
+            <a:avLst/>
+          </a:prstGeom>
+        </p:spPr>
+      </p:pic>
+      <p:sp>
+        <p:nvSpPr>
+          <p:cNvPr id="16" name="직사각형 15">
+            <a:extLst>
+              <a:ext uri="{FF2B5EF4-FFF2-40B4-BE49-F238E27FC236}">
+                <a16:creationId xmlns:a16="http://schemas.microsoft.com/office/drawing/2014/main" id="{C65D62DD-0820-4C85-B25C-24196366B77A}"/>
+              </a:ext>
+            </a:extLst>
+          </p:cNvPr>
+          <p:cNvSpPr/>
+          <p:nvPr/>
+        </p:nvSpPr>
+        <p:spPr>
+          <a:xfrm>
+            <a:off x="6728059" y="2454443"/>
+            <a:ext cx="798897" cy="231006"/>
+          </a:xfrm>
+          <a:prstGeom prst="rect">
+            <a:avLst/>
+          </a:prstGeom>
+          <a:noFill/>
+          <a:ln w="19050">
+            <a:solidFill>
+              <a:srgbClr val="FF0000"/>
+            </a:solidFill>
+          </a:ln>
+        </p:spPr>
+        <p:style>
+          <a:lnRef idx="2">
+            <a:schemeClr val="accent1">
+              <a:shade val="50000"/>
+            </a:schemeClr>
+          </a:lnRef>
+          <a:fillRef idx="1">
+            <a:schemeClr val="accent1"/>
+          </a:fillRef>
+          <a:effectRef idx="0">
+            <a:schemeClr val="accent1"/>
+          </a:effectRef>
+          <a:fontRef idx="minor">
+            <a:schemeClr val="lt1"/>
+          </a:fontRef>
+        </p:style>
+        <p:txBody>
+          <a:bodyPr rtlCol="0" anchor="ctr"/>
+          <a:lstStyle/>
+          <a:p>
+            <a:pPr algn="ctr"/>
+            <a:endParaRPr lang="ko-KR" altLang="en-US"/>
+          </a:p>
+        </p:txBody>
+      </p:sp>
+      <p:sp>
+        <p:nvSpPr>
+          <p:cNvPr id="17" name="직사각형 16">
+            <a:extLst>
+              <a:ext uri="{FF2B5EF4-FFF2-40B4-BE49-F238E27FC236}">
+                <a16:creationId xmlns:a16="http://schemas.microsoft.com/office/drawing/2014/main" id="{C2B67D96-FE5A-421E-AD1E-14779AD5DC2B}"/>
+              </a:ext>
+            </a:extLst>
+          </p:cNvPr>
+          <p:cNvSpPr/>
+          <p:nvPr/>
+        </p:nvSpPr>
+        <p:spPr>
+          <a:xfrm>
+            <a:off x="5894248" y="3514810"/>
+            <a:ext cx="4693541" cy="231006"/>
+          </a:xfrm>
+          <a:prstGeom prst="rect">
+            <a:avLst/>
+          </a:prstGeom>
+          <a:noFill/>
+          <a:ln w="19050">
+            <a:solidFill>
+              <a:srgbClr val="FF0000"/>
+            </a:solidFill>
+          </a:ln>
+        </p:spPr>
+        <p:style>
+          <a:lnRef idx="2">
+            <a:schemeClr val="accent1">
+              <a:shade val="50000"/>
+            </a:schemeClr>
+          </a:lnRef>
+          <a:fillRef idx="1">
+            <a:schemeClr val="accent1"/>
+          </a:fillRef>
+          <a:effectRef idx="0">
+            <a:schemeClr val="accent1"/>
+          </a:effectRef>
+          <a:fontRef idx="minor">
+            <a:schemeClr val="lt1"/>
+          </a:fontRef>
+        </p:style>
+        <p:txBody>
+          <a:bodyPr rtlCol="0" anchor="ctr"/>
+          <a:lstStyle/>
+          <a:p>
+            <a:pPr algn="ctr"/>
+            <a:endParaRPr lang="ko-KR" altLang="en-US"/>
+          </a:p>
+        </p:txBody>
+      </p:sp>
+      <p:sp>
+        <p:nvSpPr>
+          <p:cNvPr id="18" name="TextBox 17">
+            <a:extLst>
+              <a:ext uri="{FF2B5EF4-FFF2-40B4-BE49-F238E27FC236}">
+                <a16:creationId xmlns:a16="http://schemas.microsoft.com/office/drawing/2014/main" id="{CA5445A0-B4C7-694A-B19F-9F5D3575F5A6}"/>
+              </a:ext>
+            </a:extLst>
+          </p:cNvPr>
           <p:cNvSpPr txBox="1"/>
           <p:nvPr/>
         </p:nvSpPr>
@@ -12780,7 +13362,7 @@
                 <a:latin typeface="-윤고딕340" panose="02030504000101010101" pitchFamily="18" charset="-127"/>
                 <a:ea typeface="-윤고딕340" panose="02030504000101010101" pitchFamily="18" charset="-127"/>
               </a:rPr>
-              <a:t>Structure </a:t>
+              <a:t>Update</a:t>
             </a:r>
             <a:endParaRPr lang="ko-KR" altLang="en-US" sz="1400" dirty="0">
               <a:ln>
@@ -12804,117 +13386,10 @@
           </a:p>
         </p:txBody>
       </p:sp>
-      <p:pic>
-        <p:nvPicPr>
-          <p:cNvPr id="12" name="그림 11">
-            <a:extLst>
-              <a:ext uri="{FF2B5EF4-FFF2-40B4-BE49-F238E27FC236}">
-                <a16:creationId xmlns:a16="http://schemas.microsoft.com/office/drawing/2014/main" id="{5118C030-A842-4389-AD42-890D80C1BE67}"/>
-              </a:ext>
-            </a:extLst>
-          </p:cNvPr>
-          <p:cNvPicPr>
-            <a:picLocks noChangeAspect="1"/>
-          </p:cNvPicPr>
-          <p:nvPr/>
-        </p:nvPicPr>
-        <p:blipFill>
-          <a:blip r:embed="rId3"/>
-          <a:stretch>
-            <a:fillRect/>
-          </a:stretch>
-        </p:blipFill>
-        <p:spPr>
-          <a:xfrm>
-            <a:off x="2163707" y="883275"/>
-            <a:ext cx="7864586" cy="4656063"/>
-          </a:xfrm>
-          <a:prstGeom prst="rect">
-            <a:avLst/>
-          </a:prstGeom>
-        </p:spPr>
-      </p:pic>
-      <p:pic>
-        <p:nvPicPr>
-          <p:cNvPr id="16" name="그림 15">
-            <a:extLst>
-              <a:ext uri="{FF2B5EF4-FFF2-40B4-BE49-F238E27FC236}">
-                <a16:creationId xmlns:a16="http://schemas.microsoft.com/office/drawing/2014/main" id="{6D87713C-79F4-40CF-8DCA-13D60A8C5584}"/>
-              </a:ext>
-            </a:extLst>
-          </p:cNvPr>
-          <p:cNvPicPr>
-            <a:picLocks noChangeAspect="1"/>
-          </p:cNvPicPr>
-          <p:nvPr/>
-        </p:nvPicPr>
-        <p:blipFill>
-          <a:blip r:embed="rId4"/>
-          <a:stretch>
-            <a:fillRect/>
-          </a:stretch>
-        </p:blipFill>
-        <p:spPr>
-          <a:xfrm>
-            <a:off x="3588612" y="5847548"/>
-            <a:ext cx="4991100" cy="495300"/>
-          </a:xfrm>
-          <a:prstGeom prst="rect">
-            <a:avLst/>
-          </a:prstGeom>
-        </p:spPr>
-      </p:pic>
-      <p:sp>
-        <p:nvSpPr>
-          <p:cNvPr id="18" name="직사각형 17">
-            <a:extLst>
-              <a:ext uri="{FF2B5EF4-FFF2-40B4-BE49-F238E27FC236}">
-                <a16:creationId xmlns:a16="http://schemas.microsoft.com/office/drawing/2014/main" id="{7A7C13F8-E736-47C7-A7E6-B9BF2CB910BA}"/>
-              </a:ext>
-            </a:extLst>
-          </p:cNvPr>
-          <p:cNvSpPr/>
-          <p:nvPr/>
-        </p:nvSpPr>
-        <p:spPr>
-          <a:xfrm>
-            <a:off x="3465095" y="5775158"/>
-            <a:ext cx="5114617" cy="567690"/>
-          </a:xfrm>
-          <a:prstGeom prst="rect">
-            <a:avLst/>
-          </a:prstGeom>
-          <a:noFill/>
-        </p:spPr>
-        <p:style>
-          <a:lnRef idx="2">
-            <a:schemeClr val="accent1">
-              <a:shade val="50000"/>
-            </a:schemeClr>
-          </a:lnRef>
-          <a:fillRef idx="1">
-            <a:schemeClr val="accent1"/>
-          </a:fillRef>
-          <a:effectRef idx="0">
-            <a:schemeClr val="accent1"/>
-          </a:effectRef>
-          <a:fontRef idx="minor">
-            <a:schemeClr val="lt1"/>
-          </a:fontRef>
-        </p:style>
-        <p:txBody>
-          <a:bodyPr rtlCol="0" anchor="ctr"/>
-          <a:lstStyle/>
-          <a:p>
-            <a:pPr algn="ctr"/>
-            <a:endParaRPr lang="ko-KR" altLang="en-US"/>
-          </a:p>
-        </p:txBody>
-      </p:sp>
     </p:spTree>
     <p:extLst>
       <p:ext uri="{BB962C8B-B14F-4D97-AF65-F5344CB8AC3E}">
-        <p14:creationId xmlns:p14="http://schemas.microsoft.com/office/powerpoint/2010/main" val="2881229147"/>
+        <p14:creationId xmlns:p14="http://schemas.microsoft.com/office/powerpoint/2010/main" val="709660322"/>
       </p:ext>
     </p:extLst>
   </p:cSld>
@@ -12936,7 +13411,7 @@
 </p:sld>
 </file>
 
-<file path=ppt/slides/slide4.xml><?xml version="1.0" encoding="utf-8"?>
+<file path=ppt/slides/slide9.xml><?xml version="1.0" encoding="utf-8"?>
 <p:sld xmlns:a="http://schemas.openxmlformats.org/drawingml/2006/main" xmlns:r="http://schemas.openxmlformats.org/officeDocument/2006/relationships" xmlns:p="http://schemas.openxmlformats.org/presentationml/2006/main">
   <p:cSld>
     <p:spTree>
@@ -13305,7 +13780,270 @@
       </p:sp>
       <p:sp>
         <p:nvSpPr>
-          <p:cNvPr id="11" name="TextBox 10"/>
+          <p:cNvPr id="14" name="TextBox 13">
+            <a:extLst>
+              <a:ext uri="{FF2B5EF4-FFF2-40B4-BE49-F238E27FC236}">
+                <a16:creationId xmlns:a16="http://schemas.microsoft.com/office/drawing/2014/main" id="{876DB399-8879-4421-8CA8-FD74AEBD157F}"/>
+              </a:ext>
+            </a:extLst>
+          </p:cNvPr>
+          <p:cNvSpPr txBox="1"/>
+          <p:nvPr/>
+        </p:nvSpPr>
+        <p:spPr>
+          <a:xfrm>
+            <a:off x="863243" y="579876"/>
+            <a:ext cx="10191580" cy="1521955"/>
+          </a:xfrm>
+          <a:prstGeom prst="rect">
+            <a:avLst/>
+          </a:prstGeom>
+          <a:noFill/>
+        </p:spPr>
+        <p:txBody>
+          <a:bodyPr wrap="square">
+            <a:spAutoFit/>
+          </a:bodyPr>
+          <a:lstStyle/>
+          <a:p>
+            <a:pPr>
+              <a:lnSpc>
+                <a:spcPct val="150000"/>
+              </a:lnSpc>
+            </a:pPr>
+            <a:r>
+              <a:rPr lang="en-US" altLang="ko-KR" sz="2400" b="1" dirty="0">
+                <a:ln>
+                  <a:solidFill>
+                    <a:schemeClr val="tx1">
+                      <a:lumMod val="85000"/>
+                      <a:lumOff val="15000"/>
+                      <a:alpha val="0"/>
+                    </a:schemeClr>
+                  </a:solidFill>
+                </a:ln>
+                <a:solidFill>
+                  <a:schemeClr val="tx1">
+                    <a:lumMod val="85000"/>
+                    <a:lumOff val="15000"/>
+                  </a:schemeClr>
+                </a:solidFill>
+                <a:latin typeface="12롯데마트드림Medium"/>
+                <a:ea typeface="-윤고딕340" panose="02030504000101010101" pitchFamily="18" charset="-127"/>
+              </a:rPr>
+              <a:t>03 </a:t>
+            </a:r>
+          </a:p>
+          <a:p>
+            <a:pPr>
+              <a:lnSpc>
+                <a:spcPct val="150000"/>
+              </a:lnSpc>
+            </a:pPr>
+            <a:r>
+              <a:rPr lang="en-US" altLang="ko-KR" sz="2000" dirty="0">
+                <a:ln>
+                  <a:solidFill>
+                    <a:schemeClr val="tx1">
+                      <a:lumMod val="85000"/>
+                      <a:lumOff val="15000"/>
+                      <a:alpha val="0"/>
+                    </a:schemeClr>
+                  </a:solidFill>
+                </a:ln>
+                <a:solidFill>
+                  <a:schemeClr val="tx1">
+                    <a:lumMod val="85000"/>
+                    <a:lumOff val="15000"/>
+                  </a:schemeClr>
+                </a:solidFill>
+                <a:latin typeface="12롯데마트드림Medium"/>
+                <a:ea typeface="-윤고딕340" panose="02030504000101010101" pitchFamily="18" charset="-127"/>
+              </a:rPr>
+              <a:t>    : ‘Mono’ argument</a:t>
+            </a:r>
+          </a:p>
+          <a:p>
+            <a:pPr>
+              <a:lnSpc>
+                <a:spcPct val="150000"/>
+              </a:lnSpc>
+            </a:pPr>
+            <a:r>
+              <a:rPr lang="en-US" altLang="ko-KR" sz="2000" dirty="0">
+                <a:ln>
+                  <a:solidFill>
+                    <a:schemeClr val="tx1">
+                      <a:lumMod val="85000"/>
+                      <a:lumOff val="15000"/>
+                      <a:alpha val="0"/>
+                    </a:schemeClr>
+                  </a:solidFill>
+                </a:ln>
+                <a:solidFill>
+                  <a:schemeClr val="tx1">
+                    <a:lumMod val="85000"/>
+                    <a:lumOff val="15000"/>
+                  </a:schemeClr>
+                </a:solidFill>
+                <a:latin typeface="12롯데마트드림Medium"/>
+                <a:ea typeface="-윤고딕340" panose="02030504000101010101" pitchFamily="18" charset="-127"/>
+              </a:rPr>
+              <a:t>     </a:t>
+            </a:r>
+          </a:p>
+        </p:txBody>
+      </p:sp>
+      <p:pic>
+        <p:nvPicPr>
+          <p:cNvPr id="11" name="그림 10" descr="텍스트이(가) 표시된 사진&#10;&#10;자동 생성된 설명">
+            <a:extLst>
+              <a:ext uri="{FF2B5EF4-FFF2-40B4-BE49-F238E27FC236}">
+                <a16:creationId xmlns:a16="http://schemas.microsoft.com/office/drawing/2014/main" id="{2910DC2C-1F5E-481E-9717-209F85F99FCF}"/>
+              </a:ext>
+            </a:extLst>
+          </p:cNvPr>
+          <p:cNvPicPr>
+            <a:picLocks noChangeAspect="1"/>
+          </p:cNvPicPr>
+          <p:nvPr/>
+        </p:nvPicPr>
+        <p:blipFill>
+          <a:blip r:embed="rId3"/>
+          <a:stretch>
+            <a:fillRect/>
+          </a:stretch>
+        </p:blipFill>
+        <p:spPr>
+          <a:xfrm>
+            <a:off x="1281864" y="1787223"/>
+            <a:ext cx="4964932" cy="1182127"/>
+          </a:xfrm>
+          <a:prstGeom prst="rect">
+            <a:avLst/>
+          </a:prstGeom>
+        </p:spPr>
+      </p:pic>
+      <p:pic>
+        <p:nvPicPr>
+          <p:cNvPr id="13" name="그림 12" descr="텍스트이(가) 표시된 사진&#10;&#10;자동 생성된 설명">
+            <a:extLst>
+              <a:ext uri="{FF2B5EF4-FFF2-40B4-BE49-F238E27FC236}">
+                <a16:creationId xmlns:a16="http://schemas.microsoft.com/office/drawing/2014/main" id="{FB21A6E6-DC32-454F-85B3-136827806F96}"/>
+              </a:ext>
+            </a:extLst>
+          </p:cNvPr>
+          <p:cNvPicPr>
+            <a:picLocks noChangeAspect="1"/>
+          </p:cNvPicPr>
+          <p:nvPr/>
+        </p:nvPicPr>
+        <p:blipFill rotWithShape="1">
+          <a:blip r:embed="rId4"/>
+          <a:srcRect l="947"/>
+          <a:stretch/>
+        </p:blipFill>
+        <p:spPr>
+          <a:xfrm>
+            <a:off x="1379639" y="4008181"/>
+            <a:ext cx="4251140" cy="2299820"/>
+          </a:xfrm>
+          <a:prstGeom prst="rect">
+            <a:avLst/>
+          </a:prstGeom>
+        </p:spPr>
+      </p:pic>
+      <p:pic>
+        <p:nvPicPr>
+          <p:cNvPr id="17" name="그림 16" descr="텍스트이(가) 표시된 사진&#10;&#10;자동 생성된 설명">
+            <a:extLst>
+              <a:ext uri="{FF2B5EF4-FFF2-40B4-BE49-F238E27FC236}">
+                <a16:creationId xmlns:a16="http://schemas.microsoft.com/office/drawing/2014/main" id="{0E660D16-EC18-498E-86FD-D87CBD6866B3}"/>
+              </a:ext>
+            </a:extLst>
+          </p:cNvPr>
+          <p:cNvPicPr>
+            <a:picLocks noChangeAspect="1"/>
+          </p:cNvPicPr>
+          <p:nvPr/>
+        </p:nvPicPr>
+        <p:blipFill>
+          <a:blip r:embed="rId5"/>
+          <a:stretch>
+            <a:fillRect/>
+          </a:stretch>
+        </p:blipFill>
+        <p:spPr>
+          <a:xfrm>
+            <a:off x="6434278" y="2581161"/>
+            <a:ext cx="5602546" cy="2080688"/>
+          </a:xfrm>
+          <a:prstGeom prst="rect">
+            <a:avLst/>
+          </a:prstGeom>
+        </p:spPr>
+      </p:pic>
+      <p:sp>
+        <p:nvSpPr>
+          <p:cNvPr id="18" name="직사각형 17">
+            <a:extLst>
+              <a:ext uri="{FF2B5EF4-FFF2-40B4-BE49-F238E27FC236}">
+                <a16:creationId xmlns:a16="http://schemas.microsoft.com/office/drawing/2014/main" id="{12401979-0E53-4B03-8D64-ADC950E185B8}"/>
+              </a:ext>
+            </a:extLst>
+          </p:cNvPr>
+          <p:cNvSpPr/>
+          <p:nvPr/>
+        </p:nvSpPr>
+        <p:spPr>
+          <a:xfrm>
+            <a:off x="1276493" y="2670968"/>
+            <a:ext cx="4964932" cy="279131"/>
+          </a:xfrm>
+          <a:prstGeom prst="rect">
+            <a:avLst/>
+          </a:prstGeom>
+          <a:noFill/>
+          <a:ln w="19050">
+            <a:solidFill>
+              <a:srgbClr val="FF0000"/>
+            </a:solidFill>
+          </a:ln>
+        </p:spPr>
+        <p:style>
+          <a:lnRef idx="2">
+            <a:schemeClr val="accent1">
+              <a:shade val="50000"/>
+            </a:schemeClr>
+          </a:lnRef>
+          <a:fillRef idx="1">
+            <a:schemeClr val="accent1"/>
+          </a:fillRef>
+          <a:effectRef idx="0">
+            <a:schemeClr val="accent1"/>
+          </a:effectRef>
+          <a:fontRef idx="minor">
+            <a:schemeClr val="lt1"/>
+          </a:fontRef>
+        </p:style>
+        <p:txBody>
+          <a:bodyPr rtlCol="0" anchor="ctr"/>
+          <a:lstStyle/>
+          <a:p>
+            <a:pPr algn="ctr"/>
+            <a:endParaRPr lang="ko-KR" altLang="en-US"/>
+          </a:p>
+        </p:txBody>
+      </p:sp>
+      <p:sp>
+        <p:nvSpPr>
+          <p:cNvPr id="16" name="TextBox 15">
+            <a:extLst>
+              <a:ext uri="{FF2B5EF4-FFF2-40B4-BE49-F238E27FC236}">
+                <a16:creationId xmlns:a16="http://schemas.microsoft.com/office/drawing/2014/main" id="{298FADD6-E491-E746-A819-50F1CB472412}"/>
+              </a:ext>
+            </a:extLst>
+          </p:cNvPr>
           <p:cNvSpPr txBox="1"/>
           <p:nvPr/>
         </p:nvSpPr>
@@ -13367,7 +14105,7 @@
                 <a:latin typeface="-윤고딕340" panose="02030504000101010101" pitchFamily="18" charset="-127"/>
                 <a:ea typeface="-윤고딕340" panose="02030504000101010101" pitchFamily="18" charset="-127"/>
               </a:rPr>
-              <a:t>Structure </a:t>
+              <a:t>Update</a:t>
             </a:r>
             <a:endParaRPr lang="ko-KR" altLang="en-US" sz="1400" dirty="0">
               <a:ln>
@@ -13391,3241 +14129,10 @@
           </a:p>
         </p:txBody>
       </p:sp>
-      <p:pic>
-        <p:nvPicPr>
-          <p:cNvPr id="13" name="그림 12">
-            <a:extLst>
-              <a:ext uri="{FF2B5EF4-FFF2-40B4-BE49-F238E27FC236}">
-                <a16:creationId xmlns:a16="http://schemas.microsoft.com/office/drawing/2014/main" id="{67944D39-B4C8-4609-8904-26868D3DA971}"/>
-              </a:ext>
-            </a:extLst>
-          </p:cNvPr>
-          <p:cNvPicPr>
-            <a:picLocks noChangeAspect="1"/>
-          </p:cNvPicPr>
-          <p:nvPr/>
-        </p:nvPicPr>
-        <p:blipFill>
-          <a:blip r:embed="rId3"/>
-          <a:stretch>
-            <a:fillRect/>
-          </a:stretch>
-        </p:blipFill>
-        <p:spPr>
-          <a:xfrm>
-            <a:off x="1671216" y="1326837"/>
-            <a:ext cx="8849568" cy="4339232"/>
-          </a:xfrm>
-          <a:prstGeom prst="rect">
-            <a:avLst/>
-          </a:prstGeom>
-        </p:spPr>
-      </p:pic>
-      <p:sp>
-        <p:nvSpPr>
-          <p:cNvPr id="19" name="TextBox 18">
-            <a:extLst>
-              <a:ext uri="{FF2B5EF4-FFF2-40B4-BE49-F238E27FC236}">
-                <a16:creationId xmlns:a16="http://schemas.microsoft.com/office/drawing/2014/main" id="{CF9BDAAF-F054-4CD3-84B4-8A6A5049C109}"/>
-              </a:ext>
-            </a:extLst>
-          </p:cNvPr>
-          <p:cNvSpPr txBox="1"/>
-          <p:nvPr/>
-        </p:nvSpPr>
-        <p:spPr>
-          <a:xfrm>
-            <a:off x="899962" y="807017"/>
-            <a:ext cx="6266046" cy="369332"/>
-          </a:xfrm>
-          <a:prstGeom prst="rect">
-            <a:avLst/>
-          </a:prstGeom>
-          <a:noFill/>
-        </p:spPr>
-        <p:txBody>
-          <a:bodyPr wrap="square">
-            <a:spAutoFit/>
-          </a:bodyPr>
-          <a:lstStyle/>
-          <a:p>
-            <a:r>
-              <a:rPr lang="en-US" altLang="ko-KR" sz="1800" b="1" dirty="0">
-                <a:ln>
-                  <a:solidFill>
-                    <a:schemeClr val="tx1">
-                      <a:lumMod val="85000"/>
-                      <a:lumOff val="15000"/>
-                      <a:alpha val="0"/>
-                    </a:schemeClr>
-                  </a:solidFill>
-                </a:ln>
-                <a:solidFill>
-                  <a:schemeClr val="tx1">
-                    <a:lumMod val="85000"/>
-                    <a:lumOff val="15000"/>
-                  </a:schemeClr>
-                </a:solidFill>
-                <a:latin typeface="12롯데마트드림Medium"/>
-                <a:ea typeface="-윤고딕340" panose="02030504000101010101" pitchFamily="18" charset="-127"/>
-              </a:rPr>
-              <a:t>01 sp.mix.1D</a:t>
-            </a:r>
-          </a:p>
-        </p:txBody>
-      </p:sp>
-      <p:pic>
-        <p:nvPicPr>
-          <p:cNvPr id="20" name="그림 19">
-            <a:extLst>
-              <a:ext uri="{FF2B5EF4-FFF2-40B4-BE49-F238E27FC236}">
-                <a16:creationId xmlns:a16="http://schemas.microsoft.com/office/drawing/2014/main" id="{E4F591BC-6660-4407-9672-D318BF15F6B5}"/>
-              </a:ext>
-            </a:extLst>
-          </p:cNvPr>
-          <p:cNvPicPr>
-            <a:picLocks noChangeAspect="1"/>
-          </p:cNvPicPr>
-          <p:nvPr/>
-        </p:nvPicPr>
-        <p:blipFill>
-          <a:blip r:embed="rId4"/>
-          <a:stretch>
-            <a:fillRect/>
-          </a:stretch>
-        </p:blipFill>
-        <p:spPr>
-          <a:xfrm>
-            <a:off x="2532379" y="5977639"/>
-            <a:ext cx="6734175" cy="523875"/>
-          </a:xfrm>
-          <a:prstGeom prst="rect">
-            <a:avLst/>
-          </a:prstGeom>
-        </p:spPr>
-      </p:pic>
     </p:spTree>
     <p:extLst>
       <p:ext uri="{BB962C8B-B14F-4D97-AF65-F5344CB8AC3E}">
-        <p14:creationId xmlns:p14="http://schemas.microsoft.com/office/powerpoint/2010/main" val="1499886456"/>
-      </p:ext>
-    </p:extLst>
-  </p:cSld>
-  <p:clrMapOvr>
-    <a:masterClrMapping/>
-  </p:clrMapOvr>
-  <mc:AlternateContent xmlns:mc="http://schemas.openxmlformats.org/markup-compatibility/2006" xmlns:p14="http://schemas.microsoft.com/office/powerpoint/2010/main">
-    <mc:Choice Requires="p14">
-      <p:transition spd="med" p14:dur="700">
-        <p:fade/>
-      </p:transition>
-    </mc:Choice>
-    <mc:Fallback xmlns="">
-      <p:transition spd="med">
-        <p:fade/>
-      </p:transition>
-    </mc:Fallback>
-  </mc:AlternateContent>
-</p:sld>
-</file>
-
-<file path=ppt/slides/slide5.xml><?xml version="1.0" encoding="utf-8"?>
-<p:sld xmlns:a="http://schemas.openxmlformats.org/drawingml/2006/main" xmlns:r="http://schemas.openxmlformats.org/officeDocument/2006/relationships" xmlns:p="http://schemas.openxmlformats.org/presentationml/2006/main">
-  <p:cSld>
-    <p:spTree>
-      <p:nvGrpSpPr>
-        <p:cNvPr id="1" name=""/>
-        <p:cNvGrpSpPr/>
-        <p:nvPr/>
-      </p:nvGrpSpPr>
-      <p:grpSpPr>
-        <a:xfrm>
-          <a:off x="0" y="0"/>
-          <a:ext cx="0" cy="0"/>
-          <a:chOff x="0" y="0"/>
-          <a:chExt cx="0" cy="0"/>
-        </a:xfrm>
-      </p:grpSpPr>
-      <p:sp>
-        <p:nvSpPr>
-          <p:cNvPr id="2" name="직사각형 1"/>
-          <p:cNvSpPr/>
-          <p:nvPr/>
-        </p:nvSpPr>
-        <p:spPr>
-          <a:xfrm>
-            <a:off x="131501" y="80464"/>
-            <a:ext cx="11905323" cy="96011"/>
-          </a:xfrm>
-          <a:prstGeom prst="rect">
-            <a:avLst/>
-          </a:prstGeom>
-          <a:solidFill>
-            <a:schemeClr val="tx1">
-              <a:lumMod val="85000"/>
-              <a:lumOff val="15000"/>
-            </a:schemeClr>
-          </a:solidFill>
-          <a:ln>
-            <a:noFill/>
-          </a:ln>
-        </p:spPr>
-        <p:style>
-          <a:lnRef idx="2">
-            <a:schemeClr val="accent1">
-              <a:shade val="50000"/>
-            </a:schemeClr>
-          </a:lnRef>
-          <a:fillRef idx="1">
-            <a:schemeClr val="accent1"/>
-          </a:fillRef>
-          <a:effectRef idx="0">
-            <a:schemeClr val="accent1"/>
-          </a:effectRef>
-          <a:fontRef idx="minor">
-            <a:schemeClr val="lt1"/>
-          </a:fontRef>
-        </p:style>
-        <p:txBody>
-          <a:bodyPr rtlCol="0" anchor="ctr"/>
-          <a:lstStyle/>
-          <a:p>
-            <a:pPr algn="ctr"/>
-            <a:endParaRPr lang="ko-KR" altLang="en-US" sz="2400"/>
-          </a:p>
-        </p:txBody>
-      </p:sp>
-      <p:sp>
-        <p:nvSpPr>
-          <p:cNvPr id="3" name="직사각형 2"/>
-          <p:cNvSpPr/>
-          <p:nvPr/>
-        </p:nvSpPr>
-        <p:spPr>
-          <a:xfrm>
-            <a:off x="131501" y="225136"/>
-            <a:ext cx="2496276" cy="431393"/>
-          </a:xfrm>
-          <a:prstGeom prst="rect">
-            <a:avLst/>
-          </a:prstGeom>
-          <a:solidFill>
-            <a:schemeClr val="tx2">
-              <a:lumMod val="50000"/>
-            </a:schemeClr>
-          </a:solidFill>
-          <a:ln>
-            <a:noFill/>
-          </a:ln>
-        </p:spPr>
-        <p:style>
-          <a:lnRef idx="2">
-            <a:schemeClr val="accent1">
-              <a:shade val="50000"/>
-            </a:schemeClr>
-          </a:lnRef>
-          <a:fillRef idx="1">
-            <a:schemeClr val="accent1"/>
-          </a:fillRef>
-          <a:effectRef idx="0">
-            <a:schemeClr val="accent1"/>
-          </a:effectRef>
-          <a:fontRef idx="minor">
-            <a:schemeClr val="lt1"/>
-          </a:fontRef>
-        </p:style>
-        <p:txBody>
-          <a:bodyPr rtlCol="0" anchor="ctr"/>
-          <a:lstStyle/>
-          <a:p>
-            <a:pPr algn="ctr"/>
-            <a:endParaRPr lang="ko-KR" altLang="en-US" sz="2400"/>
-          </a:p>
-        </p:txBody>
-      </p:sp>
-      <p:sp>
-        <p:nvSpPr>
-          <p:cNvPr id="4" name="직각 삼각형 3"/>
-          <p:cNvSpPr/>
-          <p:nvPr/>
-        </p:nvSpPr>
-        <p:spPr>
-          <a:xfrm>
-            <a:off x="2627776" y="225133"/>
-            <a:ext cx="431395" cy="431395"/>
-          </a:xfrm>
-          <a:prstGeom prst="rtTriangle">
-            <a:avLst/>
-          </a:prstGeom>
-          <a:solidFill>
-            <a:schemeClr val="tx2">
-              <a:lumMod val="50000"/>
-            </a:schemeClr>
-          </a:solidFill>
-          <a:ln>
-            <a:noFill/>
-          </a:ln>
-        </p:spPr>
-        <p:style>
-          <a:lnRef idx="2">
-            <a:schemeClr val="accent1">
-              <a:shade val="50000"/>
-            </a:schemeClr>
-          </a:lnRef>
-          <a:fillRef idx="1">
-            <a:schemeClr val="accent1"/>
-          </a:fillRef>
-          <a:effectRef idx="0">
-            <a:schemeClr val="accent1"/>
-          </a:effectRef>
-          <a:fontRef idx="minor">
-            <a:schemeClr val="lt1"/>
-          </a:fontRef>
-        </p:style>
-        <p:txBody>
-          <a:bodyPr rtlCol="0" anchor="ctr"/>
-          <a:lstStyle/>
-          <a:p>
-            <a:pPr algn="ctr"/>
-            <a:endParaRPr lang="ko-KR" altLang="en-US" sz="2400"/>
-          </a:p>
-        </p:txBody>
-      </p:sp>
-      <p:grpSp>
-        <p:nvGrpSpPr>
-          <p:cNvPr id="5" name="그룹 4"/>
-          <p:cNvGrpSpPr/>
-          <p:nvPr/>
-        </p:nvGrpSpPr>
-        <p:grpSpPr>
-          <a:xfrm>
-            <a:off x="2688275" y="225128"/>
-            <a:ext cx="9348549" cy="431397"/>
-            <a:chOff x="2016206" y="168846"/>
-            <a:chExt cx="7011412" cy="323548"/>
-          </a:xfrm>
-        </p:grpSpPr>
-        <p:sp>
-          <p:nvSpPr>
-            <p:cNvPr id="6" name="직사각형 5"/>
-            <p:cNvSpPr/>
-            <p:nvPr/>
-          </p:nvSpPr>
-          <p:spPr>
-            <a:xfrm flipH="1" flipV="1">
-              <a:off x="2339752" y="168846"/>
-              <a:ext cx="6687866" cy="323545"/>
-            </a:xfrm>
-            <a:prstGeom prst="rect">
-              <a:avLst/>
-            </a:prstGeom>
-            <a:solidFill>
-              <a:schemeClr val="bg1">
-                <a:lumMod val="75000"/>
-              </a:schemeClr>
-            </a:solidFill>
-            <a:ln>
-              <a:noFill/>
-            </a:ln>
-          </p:spPr>
-          <p:style>
-            <a:lnRef idx="2">
-              <a:schemeClr val="accent1">
-                <a:shade val="50000"/>
-              </a:schemeClr>
-            </a:lnRef>
-            <a:fillRef idx="1">
-              <a:schemeClr val="accent1"/>
-            </a:fillRef>
-            <a:effectRef idx="0">
-              <a:schemeClr val="accent1"/>
-            </a:effectRef>
-            <a:fontRef idx="minor">
-              <a:schemeClr val="lt1"/>
-            </a:fontRef>
-          </p:style>
-          <p:txBody>
-            <a:bodyPr rtlCol="0" anchor="ctr"/>
-            <a:lstStyle/>
-            <a:p>
-              <a:pPr algn="ctr"/>
-              <a:endParaRPr lang="ko-KR" altLang="en-US" sz="2400"/>
-            </a:p>
-          </p:txBody>
-        </p:sp>
-        <p:sp>
-          <p:nvSpPr>
-            <p:cNvPr id="7" name="직각 삼각형 6"/>
-            <p:cNvSpPr/>
-            <p:nvPr/>
-          </p:nvSpPr>
-          <p:spPr>
-            <a:xfrm flipH="1" flipV="1">
-              <a:off x="2016206" y="168848"/>
-              <a:ext cx="323546" cy="323546"/>
-            </a:xfrm>
-            <a:prstGeom prst="rtTriangle">
-              <a:avLst/>
-            </a:prstGeom>
-            <a:solidFill>
-              <a:schemeClr val="bg1">
-                <a:lumMod val="75000"/>
-              </a:schemeClr>
-            </a:solidFill>
-            <a:ln>
-              <a:noFill/>
-            </a:ln>
-          </p:spPr>
-          <p:style>
-            <a:lnRef idx="2">
-              <a:schemeClr val="accent1">
-                <a:shade val="50000"/>
-              </a:schemeClr>
-            </a:lnRef>
-            <a:fillRef idx="1">
-              <a:schemeClr val="accent1"/>
-            </a:fillRef>
-            <a:effectRef idx="0">
-              <a:schemeClr val="accent1"/>
-            </a:effectRef>
-            <a:fontRef idx="minor">
-              <a:schemeClr val="lt1"/>
-            </a:fontRef>
-          </p:style>
-          <p:txBody>
-            <a:bodyPr rtlCol="0" anchor="ctr"/>
-            <a:lstStyle/>
-            <a:p>
-              <a:pPr algn="ctr"/>
-              <a:endParaRPr lang="ko-KR" altLang="en-US" sz="2400" dirty="0"/>
-            </a:p>
-          </p:txBody>
-        </p:sp>
-      </p:grpSp>
-      <p:sp>
-        <p:nvSpPr>
-          <p:cNvPr id="8" name="TextBox 7"/>
-          <p:cNvSpPr txBox="1"/>
-          <p:nvPr/>
-        </p:nvSpPr>
-        <p:spPr>
-          <a:xfrm>
-            <a:off x="251187" y="275359"/>
-            <a:ext cx="1824203" cy="338554"/>
-          </a:xfrm>
-          <a:prstGeom prst="rect">
-            <a:avLst/>
-          </a:prstGeom>
-          <a:noFill/>
-        </p:spPr>
-        <p:txBody>
-          <a:bodyPr wrap="square" rtlCol="0">
-            <a:spAutoFit/>
-          </a:bodyPr>
-          <a:lstStyle/>
-          <a:p>
-            <a:r>
-              <a:rPr lang="en-US" altLang="ko-KR" sz="1600" dirty="0">
-                <a:ln>
-                  <a:solidFill>
-                    <a:schemeClr val="bg1">
-                      <a:lumMod val="95000"/>
-                      <a:alpha val="10000"/>
-                    </a:schemeClr>
-                  </a:solidFill>
-                </a:ln>
-                <a:solidFill>
-                  <a:schemeClr val="bg1">
-                    <a:lumMod val="95000"/>
-                  </a:schemeClr>
-                </a:solidFill>
-                <a:latin typeface="-윤고딕330" pitchFamily="18" charset="-127"/>
-                <a:ea typeface="-윤고딕330" pitchFamily="18" charset="-127"/>
-              </a:rPr>
-              <a:t>R Package</a:t>
-            </a:r>
-          </a:p>
-        </p:txBody>
-      </p:sp>
-      <p:sp>
-        <p:nvSpPr>
-          <p:cNvPr id="10" name="직사각형 9"/>
-          <p:cNvSpPr/>
-          <p:nvPr/>
-        </p:nvSpPr>
-        <p:spPr>
-          <a:xfrm>
-            <a:off x="213903" y="264017"/>
-            <a:ext cx="67143" cy="340487"/>
-          </a:xfrm>
-          <a:prstGeom prst="rect">
-            <a:avLst/>
-          </a:prstGeom>
-          <a:solidFill>
-            <a:schemeClr val="accent1">
-              <a:lumMod val="20000"/>
-              <a:lumOff val="80000"/>
-            </a:schemeClr>
-          </a:solidFill>
-          <a:ln>
-            <a:noFill/>
-          </a:ln>
-        </p:spPr>
-        <p:style>
-          <a:lnRef idx="2">
-            <a:schemeClr val="accent1">
-              <a:shade val="50000"/>
-            </a:schemeClr>
-          </a:lnRef>
-          <a:fillRef idx="1">
-            <a:schemeClr val="accent1"/>
-          </a:fillRef>
-          <a:effectRef idx="0">
-            <a:schemeClr val="accent1"/>
-          </a:effectRef>
-          <a:fontRef idx="minor">
-            <a:schemeClr val="lt1"/>
-          </a:fontRef>
-        </p:style>
-        <p:txBody>
-          <a:bodyPr rtlCol="0" anchor="ctr"/>
-          <a:lstStyle/>
-          <a:p>
-            <a:pPr algn="ctr"/>
-            <a:endParaRPr lang="ko-KR" altLang="en-US" sz="2400"/>
-          </a:p>
-        </p:txBody>
-      </p:sp>
-      <p:sp>
-        <p:nvSpPr>
-          <p:cNvPr id="11" name="TextBox 10"/>
-          <p:cNvSpPr txBox="1"/>
-          <p:nvPr/>
-        </p:nvSpPr>
-        <p:spPr>
-          <a:xfrm>
-            <a:off x="9266554" y="272486"/>
-            <a:ext cx="3262161" cy="307777"/>
-          </a:xfrm>
-          <a:prstGeom prst="rect">
-            <a:avLst/>
-          </a:prstGeom>
-          <a:noFill/>
-        </p:spPr>
-        <p:txBody>
-          <a:bodyPr wrap="square" rtlCol="0">
-            <a:spAutoFit/>
-          </a:bodyPr>
-          <a:lstStyle/>
-          <a:p>
-            <a:r>
-              <a:rPr lang="en-US" altLang="ko-KR" sz="1400" dirty="0">
-                <a:ln>
-                  <a:solidFill>
-                    <a:schemeClr val="tx1">
-                      <a:lumMod val="75000"/>
-                      <a:lumOff val="25000"/>
-                      <a:alpha val="10000"/>
-                    </a:schemeClr>
-                  </a:solidFill>
-                </a:ln>
-                <a:solidFill>
-                  <a:schemeClr val="tx1">
-                    <a:lumMod val="75000"/>
-                    <a:lumOff val="25000"/>
-                  </a:schemeClr>
-                </a:solidFill>
-                <a:latin typeface="-윤고딕340" pitchFamily="18" charset="-127"/>
-                <a:ea typeface="-윤고딕340" pitchFamily="18" charset="-127"/>
-              </a:rPr>
-              <a:t>01. </a:t>
-            </a:r>
-            <a:r>
-              <a:rPr lang="en-US" altLang="ko-KR" sz="1400" dirty="0">
-                <a:ln>
-                  <a:solidFill>
-                    <a:schemeClr val="tx1">
-                      <a:lumMod val="85000"/>
-                      <a:lumOff val="15000"/>
-                      <a:alpha val="0"/>
-                    </a:schemeClr>
-                  </a:solidFill>
-                </a:ln>
-                <a:solidFill>
-                  <a:schemeClr val="tx1">
-                    <a:lumMod val="85000"/>
-                    <a:lumOff val="15000"/>
-                  </a:schemeClr>
-                </a:solidFill>
-                <a:latin typeface="-윤고딕340" panose="02030504000101010101" pitchFamily="18" charset="-127"/>
-                <a:ea typeface="-윤고딕340" panose="02030504000101010101" pitchFamily="18" charset="-127"/>
-              </a:rPr>
-              <a:t>Structure </a:t>
-            </a:r>
-            <a:endParaRPr lang="ko-KR" altLang="en-US" sz="1400" dirty="0">
-              <a:ln>
-                <a:solidFill>
-                  <a:schemeClr val="tx1">
-                    <a:lumMod val="65000"/>
-                    <a:lumOff val="35000"/>
-                    <a:alpha val="10000"/>
-                  </a:schemeClr>
-                </a:solidFill>
-              </a:ln>
-              <a:solidFill>
-                <a:schemeClr val="tx1">
-                  <a:lumMod val="65000"/>
-                  <a:lumOff val="35000"/>
-                </a:schemeClr>
-              </a:solidFill>
-              <a:latin typeface="-윤고딕330" panose="02030504000101010101" pitchFamily="18" charset="-127"/>
-              <a:ea typeface="-윤고딕330" panose="02030504000101010101" pitchFamily="18" charset="-127"/>
-            </a:endParaRPr>
-          </a:p>
-        </p:txBody>
-      </p:sp>
-      <p:pic>
-        <p:nvPicPr>
-          <p:cNvPr id="12" name="그림 11">
-            <a:extLst>
-              <a:ext uri="{FF2B5EF4-FFF2-40B4-BE49-F238E27FC236}">
-                <a16:creationId xmlns:a16="http://schemas.microsoft.com/office/drawing/2014/main" id="{DA85A162-C69C-422C-BA77-3744704D26DD}"/>
-              </a:ext>
-            </a:extLst>
-          </p:cNvPr>
-          <p:cNvPicPr>
-            <a:picLocks noChangeAspect="1"/>
-          </p:cNvPicPr>
-          <p:nvPr/>
-        </p:nvPicPr>
-        <p:blipFill>
-          <a:blip r:embed="rId3"/>
-          <a:stretch>
-            <a:fillRect/>
-          </a:stretch>
-        </p:blipFill>
-        <p:spPr>
-          <a:xfrm>
-            <a:off x="1405276" y="1388444"/>
-            <a:ext cx="9381447" cy="4081112"/>
-          </a:xfrm>
-          <a:prstGeom prst="rect">
-            <a:avLst/>
-          </a:prstGeom>
-        </p:spPr>
-      </p:pic>
-      <p:sp>
-        <p:nvSpPr>
-          <p:cNvPr id="14" name="TextBox 13">
-            <a:extLst>
-              <a:ext uri="{FF2B5EF4-FFF2-40B4-BE49-F238E27FC236}">
-                <a16:creationId xmlns:a16="http://schemas.microsoft.com/office/drawing/2014/main" id="{876DB399-8879-4421-8CA8-FD74AEBD157F}"/>
-              </a:ext>
-            </a:extLst>
-          </p:cNvPr>
-          <p:cNvSpPr txBox="1"/>
-          <p:nvPr/>
-        </p:nvSpPr>
-        <p:spPr>
-          <a:xfrm>
-            <a:off x="992976" y="752532"/>
-            <a:ext cx="6266046" cy="369332"/>
-          </a:xfrm>
-          <a:prstGeom prst="rect">
-            <a:avLst/>
-          </a:prstGeom>
-          <a:noFill/>
-        </p:spPr>
-        <p:txBody>
-          <a:bodyPr wrap="square">
-            <a:spAutoFit/>
-          </a:bodyPr>
-          <a:lstStyle/>
-          <a:p>
-            <a:r>
-              <a:rPr lang="en-US" altLang="ko-KR" sz="1800" b="1" dirty="0">
-                <a:ln>
-                  <a:solidFill>
-                    <a:schemeClr val="tx1">
-                      <a:lumMod val="85000"/>
-                      <a:lumOff val="15000"/>
-                      <a:alpha val="0"/>
-                    </a:schemeClr>
-                  </a:solidFill>
-                </a:ln>
-                <a:solidFill>
-                  <a:schemeClr val="tx1">
-                    <a:lumMod val="85000"/>
-                    <a:lumOff val="15000"/>
-                  </a:schemeClr>
-                </a:solidFill>
-                <a:latin typeface="12롯데마트드림Medium"/>
-                <a:ea typeface="-윤고딕340" panose="02030504000101010101" pitchFamily="18" charset="-127"/>
-              </a:rPr>
-              <a:t>02 </a:t>
-            </a:r>
-            <a:r>
-              <a:rPr lang="en-US" altLang="ko-KR" sz="1800" b="1" dirty="0" err="1">
-                <a:ln>
-                  <a:solidFill>
-                    <a:schemeClr val="tx1">
-                      <a:lumMod val="85000"/>
-                      <a:lumOff val="15000"/>
-                      <a:alpha val="0"/>
-                    </a:schemeClr>
-                  </a:solidFill>
-                </a:ln>
-                <a:solidFill>
-                  <a:schemeClr val="tx1">
-                    <a:lumMod val="85000"/>
-                    <a:lumOff val="15000"/>
-                  </a:schemeClr>
-                </a:solidFill>
-                <a:latin typeface="12롯데마트드림Medium"/>
-                <a:ea typeface="-윤고딕340" panose="02030504000101010101" pitchFamily="18" charset="-127"/>
-              </a:rPr>
-              <a:t>sp.mix.multi</a:t>
-            </a:r>
-            <a:endParaRPr lang="en-US" altLang="ko-KR" sz="1800" b="1" dirty="0">
-              <a:ln>
-                <a:solidFill>
-                  <a:schemeClr val="tx1">
-                    <a:lumMod val="85000"/>
-                    <a:lumOff val="15000"/>
-                    <a:alpha val="0"/>
-                  </a:schemeClr>
-                </a:solidFill>
-              </a:ln>
-              <a:solidFill>
-                <a:schemeClr val="tx1">
-                  <a:lumMod val="85000"/>
-                  <a:lumOff val="15000"/>
-                </a:schemeClr>
-              </a:solidFill>
-              <a:latin typeface="12롯데마트드림Medium"/>
-              <a:ea typeface="-윤고딕340" panose="02030504000101010101" pitchFamily="18" charset="-127"/>
-            </a:endParaRPr>
-          </a:p>
-        </p:txBody>
-      </p:sp>
-      <p:pic>
-        <p:nvPicPr>
-          <p:cNvPr id="16" name="그림 15">
-            <a:extLst>
-              <a:ext uri="{FF2B5EF4-FFF2-40B4-BE49-F238E27FC236}">
-                <a16:creationId xmlns:a16="http://schemas.microsoft.com/office/drawing/2014/main" id="{F97D2C03-C58B-475D-B8D9-67F5E904AFDF}"/>
-              </a:ext>
-            </a:extLst>
-          </p:cNvPr>
-          <p:cNvPicPr>
-            <a:picLocks noChangeAspect="1"/>
-          </p:cNvPicPr>
-          <p:nvPr/>
-        </p:nvPicPr>
-        <p:blipFill>
-          <a:blip r:embed="rId4"/>
-          <a:stretch>
-            <a:fillRect/>
-          </a:stretch>
-        </p:blipFill>
-        <p:spPr>
-          <a:xfrm>
-            <a:off x="1716907" y="5736136"/>
-            <a:ext cx="7391400" cy="733425"/>
-          </a:xfrm>
-          <a:prstGeom prst="rect">
-            <a:avLst/>
-          </a:prstGeom>
-        </p:spPr>
-      </p:pic>
-    </p:spTree>
-    <p:extLst>
-      <p:ext uri="{BB962C8B-B14F-4D97-AF65-F5344CB8AC3E}">
-        <p14:creationId xmlns:p14="http://schemas.microsoft.com/office/powerpoint/2010/main" val="499161204"/>
-      </p:ext>
-    </p:extLst>
-  </p:cSld>
-  <p:clrMapOvr>
-    <a:masterClrMapping/>
-  </p:clrMapOvr>
-  <mc:AlternateContent xmlns:mc="http://schemas.openxmlformats.org/markup-compatibility/2006" xmlns:p14="http://schemas.microsoft.com/office/powerpoint/2010/main">
-    <mc:Choice Requires="p14">
-      <p:transition spd="med" p14:dur="700">
-        <p:fade/>
-      </p:transition>
-    </mc:Choice>
-    <mc:Fallback xmlns="">
-      <p:transition spd="med">
-        <p:fade/>
-      </p:transition>
-    </mc:Fallback>
-  </mc:AlternateContent>
-</p:sld>
-</file>
-
-<file path=ppt/slides/slide6.xml><?xml version="1.0" encoding="utf-8"?>
-<p:sld xmlns:a="http://schemas.openxmlformats.org/drawingml/2006/main" xmlns:r="http://schemas.openxmlformats.org/officeDocument/2006/relationships" xmlns:p="http://schemas.openxmlformats.org/presentationml/2006/main">
-  <p:cSld>
-    <p:spTree>
-      <p:nvGrpSpPr>
-        <p:cNvPr id="1" name=""/>
-        <p:cNvGrpSpPr/>
-        <p:nvPr/>
-      </p:nvGrpSpPr>
-      <p:grpSpPr>
-        <a:xfrm>
-          <a:off x="0" y="0"/>
-          <a:ext cx="0" cy="0"/>
-          <a:chOff x="0" y="0"/>
-          <a:chExt cx="0" cy="0"/>
-        </a:xfrm>
-      </p:grpSpPr>
-      <p:sp>
-        <p:nvSpPr>
-          <p:cNvPr id="2" name="직사각형 1"/>
-          <p:cNvSpPr/>
-          <p:nvPr/>
-        </p:nvSpPr>
-        <p:spPr>
-          <a:xfrm>
-            <a:off x="131501" y="80464"/>
-            <a:ext cx="11905323" cy="96011"/>
-          </a:xfrm>
-          <a:prstGeom prst="rect">
-            <a:avLst/>
-          </a:prstGeom>
-          <a:solidFill>
-            <a:schemeClr val="tx1">
-              <a:lumMod val="85000"/>
-              <a:lumOff val="15000"/>
-            </a:schemeClr>
-          </a:solidFill>
-          <a:ln>
-            <a:noFill/>
-          </a:ln>
-        </p:spPr>
-        <p:style>
-          <a:lnRef idx="2">
-            <a:schemeClr val="accent1">
-              <a:shade val="50000"/>
-            </a:schemeClr>
-          </a:lnRef>
-          <a:fillRef idx="1">
-            <a:schemeClr val="accent1"/>
-          </a:fillRef>
-          <a:effectRef idx="0">
-            <a:schemeClr val="accent1"/>
-          </a:effectRef>
-          <a:fontRef idx="minor">
-            <a:schemeClr val="lt1"/>
-          </a:fontRef>
-        </p:style>
-        <p:txBody>
-          <a:bodyPr rtlCol="0" anchor="ctr"/>
-          <a:lstStyle/>
-          <a:p>
-            <a:pPr algn="ctr"/>
-            <a:endParaRPr lang="ko-KR" altLang="en-US" sz="2400"/>
-          </a:p>
-        </p:txBody>
-      </p:sp>
-      <p:sp>
-        <p:nvSpPr>
-          <p:cNvPr id="3" name="직사각형 2"/>
-          <p:cNvSpPr/>
-          <p:nvPr/>
-        </p:nvSpPr>
-        <p:spPr>
-          <a:xfrm>
-            <a:off x="131501" y="225136"/>
-            <a:ext cx="2496276" cy="431393"/>
-          </a:xfrm>
-          <a:prstGeom prst="rect">
-            <a:avLst/>
-          </a:prstGeom>
-          <a:solidFill>
-            <a:schemeClr val="tx2">
-              <a:lumMod val="50000"/>
-            </a:schemeClr>
-          </a:solidFill>
-          <a:ln>
-            <a:noFill/>
-          </a:ln>
-        </p:spPr>
-        <p:style>
-          <a:lnRef idx="2">
-            <a:schemeClr val="accent1">
-              <a:shade val="50000"/>
-            </a:schemeClr>
-          </a:lnRef>
-          <a:fillRef idx="1">
-            <a:schemeClr val="accent1"/>
-          </a:fillRef>
-          <a:effectRef idx="0">
-            <a:schemeClr val="accent1"/>
-          </a:effectRef>
-          <a:fontRef idx="minor">
-            <a:schemeClr val="lt1"/>
-          </a:fontRef>
-        </p:style>
-        <p:txBody>
-          <a:bodyPr rtlCol="0" anchor="ctr"/>
-          <a:lstStyle/>
-          <a:p>
-            <a:pPr algn="ctr"/>
-            <a:endParaRPr lang="ko-KR" altLang="en-US" sz="2400"/>
-          </a:p>
-        </p:txBody>
-      </p:sp>
-      <p:sp>
-        <p:nvSpPr>
-          <p:cNvPr id="4" name="직각 삼각형 3"/>
-          <p:cNvSpPr/>
-          <p:nvPr/>
-        </p:nvSpPr>
-        <p:spPr>
-          <a:xfrm>
-            <a:off x="2627776" y="225133"/>
-            <a:ext cx="431395" cy="431395"/>
-          </a:xfrm>
-          <a:prstGeom prst="rtTriangle">
-            <a:avLst/>
-          </a:prstGeom>
-          <a:solidFill>
-            <a:schemeClr val="tx2">
-              <a:lumMod val="50000"/>
-            </a:schemeClr>
-          </a:solidFill>
-          <a:ln>
-            <a:noFill/>
-          </a:ln>
-        </p:spPr>
-        <p:style>
-          <a:lnRef idx="2">
-            <a:schemeClr val="accent1">
-              <a:shade val="50000"/>
-            </a:schemeClr>
-          </a:lnRef>
-          <a:fillRef idx="1">
-            <a:schemeClr val="accent1"/>
-          </a:fillRef>
-          <a:effectRef idx="0">
-            <a:schemeClr val="accent1"/>
-          </a:effectRef>
-          <a:fontRef idx="minor">
-            <a:schemeClr val="lt1"/>
-          </a:fontRef>
-        </p:style>
-        <p:txBody>
-          <a:bodyPr rtlCol="0" anchor="ctr"/>
-          <a:lstStyle/>
-          <a:p>
-            <a:pPr algn="ctr"/>
-            <a:endParaRPr lang="ko-KR" altLang="en-US" sz="2400"/>
-          </a:p>
-        </p:txBody>
-      </p:sp>
-      <p:grpSp>
-        <p:nvGrpSpPr>
-          <p:cNvPr id="5" name="그룹 4"/>
-          <p:cNvGrpSpPr/>
-          <p:nvPr/>
-        </p:nvGrpSpPr>
-        <p:grpSpPr>
-          <a:xfrm>
-            <a:off x="2688275" y="225128"/>
-            <a:ext cx="9348549" cy="431397"/>
-            <a:chOff x="2016206" y="168846"/>
-            <a:chExt cx="7011412" cy="323548"/>
-          </a:xfrm>
-        </p:grpSpPr>
-        <p:sp>
-          <p:nvSpPr>
-            <p:cNvPr id="6" name="직사각형 5"/>
-            <p:cNvSpPr/>
-            <p:nvPr/>
-          </p:nvSpPr>
-          <p:spPr>
-            <a:xfrm flipH="1" flipV="1">
-              <a:off x="2339752" y="168846"/>
-              <a:ext cx="6687866" cy="323545"/>
-            </a:xfrm>
-            <a:prstGeom prst="rect">
-              <a:avLst/>
-            </a:prstGeom>
-            <a:solidFill>
-              <a:schemeClr val="bg1">
-                <a:lumMod val="75000"/>
-              </a:schemeClr>
-            </a:solidFill>
-            <a:ln>
-              <a:noFill/>
-            </a:ln>
-          </p:spPr>
-          <p:style>
-            <a:lnRef idx="2">
-              <a:schemeClr val="accent1">
-                <a:shade val="50000"/>
-              </a:schemeClr>
-            </a:lnRef>
-            <a:fillRef idx="1">
-              <a:schemeClr val="accent1"/>
-            </a:fillRef>
-            <a:effectRef idx="0">
-              <a:schemeClr val="accent1"/>
-            </a:effectRef>
-            <a:fontRef idx="minor">
-              <a:schemeClr val="lt1"/>
-            </a:fontRef>
-          </p:style>
-          <p:txBody>
-            <a:bodyPr rtlCol="0" anchor="ctr"/>
-            <a:lstStyle/>
-            <a:p>
-              <a:pPr algn="ctr"/>
-              <a:endParaRPr lang="ko-KR" altLang="en-US" sz="2400"/>
-            </a:p>
-          </p:txBody>
-        </p:sp>
-        <p:sp>
-          <p:nvSpPr>
-            <p:cNvPr id="7" name="직각 삼각형 6"/>
-            <p:cNvSpPr/>
-            <p:nvPr/>
-          </p:nvSpPr>
-          <p:spPr>
-            <a:xfrm flipH="1" flipV="1">
-              <a:off x="2016206" y="168848"/>
-              <a:ext cx="323546" cy="323546"/>
-            </a:xfrm>
-            <a:prstGeom prst="rtTriangle">
-              <a:avLst/>
-            </a:prstGeom>
-            <a:solidFill>
-              <a:schemeClr val="bg1">
-                <a:lumMod val="75000"/>
-              </a:schemeClr>
-            </a:solidFill>
-            <a:ln>
-              <a:noFill/>
-            </a:ln>
-          </p:spPr>
-          <p:style>
-            <a:lnRef idx="2">
-              <a:schemeClr val="accent1">
-                <a:shade val="50000"/>
-              </a:schemeClr>
-            </a:lnRef>
-            <a:fillRef idx="1">
-              <a:schemeClr val="accent1"/>
-            </a:fillRef>
-            <a:effectRef idx="0">
-              <a:schemeClr val="accent1"/>
-            </a:effectRef>
-            <a:fontRef idx="minor">
-              <a:schemeClr val="lt1"/>
-            </a:fontRef>
-          </p:style>
-          <p:txBody>
-            <a:bodyPr rtlCol="0" anchor="ctr"/>
-            <a:lstStyle/>
-            <a:p>
-              <a:pPr algn="ctr"/>
-              <a:endParaRPr lang="ko-KR" altLang="en-US" sz="2400" dirty="0"/>
-            </a:p>
-          </p:txBody>
-        </p:sp>
-      </p:grpSp>
-      <p:sp>
-        <p:nvSpPr>
-          <p:cNvPr id="8" name="TextBox 7"/>
-          <p:cNvSpPr txBox="1"/>
-          <p:nvPr/>
-        </p:nvSpPr>
-        <p:spPr>
-          <a:xfrm>
-            <a:off x="251187" y="275359"/>
-            <a:ext cx="1824203" cy="338554"/>
-          </a:xfrm>
-          <a:prstGeom prst="rect">
-            <a:avLst/>
-          </a:prstGeom>
-          <a:noFill/>
-        </p:spPr>
-        <p:txBody>
-          <a:bodyPr wrap="square" rtlCol="0">
-            <a:spAutoFit/>
-          </a:bodyPr>
-          <a:lstStyle/>
-          <a:p>
-            <a:r>
-              <a:rPr lang="en-US" altLang="ko-KR" sz="1600" dirty="0">
-                <a:ln>
-                  <a:solidFill>
-                    <a:schemeClr val="bg1">
-                      <a:lumMod val="95000"/>
-                      <a:alpha val="10000"/>
-                    </a:schemeClr>
-                  </a:solidFill>
-                </a:ln>
-                <a:solidFill>
-                  <a:schemeClr val="bg1">
-                    <a:lumMod val="95000"/>
-                  </a:schemeClr>
-                </a:solidFill>
-                <a:latin typeface="-윤고딕330" pitchFamily="18" charset="-127"/>
-                <a:ea typeface="-윤고딕330" pitchFamily="18" charset="-127"/>
-              </a:rPr>
-              <a:t>R Package</a:t>
-            </a:r>
-          </a:p>
-        </p:txBody>
-      </p:sp>
-      <p:sp>
-        <p:nvSpPr>
-          <p:cNvPr id="10" name="직사각형 9"/>
-          <p:cNvSpPr/>
-          <p:nvPr/>
-        </p:nvSpPr>
-        <p:spPr>
-          <a:xfrm>
-            <a:off x="213903" y="264017"/>
-            <a:ext cx="67143" cy="340487"/>
-          </a:xfrm>
-          <a:prstGeom prst="rect">
-            <a:avLst/>
-          </a:prstGeom>
-          <a:solidFill>
-            <a:schemeClr val="accent1">
-              <a:lumMod val="20000"/>
-              <a:lumOff val="80000"/>
-            </a:schemeClr>
-          </a:solidFill>
-          <a:ln>
-            <a:noFill/>
-          </a:ln>
-        </p:spPr>
-        <p:style>
-          <a:lnRef idx="2">
-            <a:schemeClr val="accent1">
-              <a:shade val="50000"/>
-            </a:schemeClr>
-          </a:lnRef>
-          <a:fillRef idx="1">
-            <a:schemeClr val="accent1"/>
-          </a:fillRef>
-          <a:effectRef idx="0">
-            <a:schemeClr val="accent1"/>
-          </a:effectRef>
-          <a:fontRef idx="minor">
-            <a:schemeClr val="lt1"/>
-          </a:fontRef>
-        </p:style>
-        <p:txBody>
-          <a:bodyPr rtlCol="0" anchor="ctr"/>
-          <a:lstStyle/>
-          <a:p>
-            <a:pPr algn="ctr"/>
-            <a:endParaRPr lang="ko-KR" altLang="en-US" sz="2400"/>
-          </a:p>
-        </p:txBody>
-      </p:sp>
-      <p:sp>
-        <p:nvSpPr>
-          <p:cNvPr id="11" name="TextBox 10"/>
-          <p:cNvSpPr txBox="1"/>
-          <p:nvPr/>
-        </p:nvSpPr>
-        <p:spPr>
-          <a:xfrm>
-            <a:off x="9266554" y="272486"/>
-            <a:ext cx="3262161" cy="307777"/>
-          </a:xfrm>
-          <a:prstGeom prst="rect">
-            <a:avLst/>
-          </a:prstGeom>
-          <a:noFill/>
-        </p:spPr>
-        <p:txBody>
-          <a:bodyPr wrap="square" rtlCol="0">
-            <a:spAutoFit/>
-          </a:bodyPr>
-          <a:lstStyle/>
-          <a:p>
-            <a:r>
-              <a:rPr lang="en-US" altLang="ko-KR" sz="1400" dirty="0">
-                <a:ln>
-                  <a:solidFill>
-                    <a:schemeClr val="tx1">
-                      <a:lumMod val="75000"/>
-                      <a:lumOff val="25000"/>
-                      <a:alpha val="10000"/>
-                    </a:schemeClr>
-                  </a:solidFill>
-                </a:ln>
-                <a:solidFill>
-                  <a:schemeClr val="tx1">
-                    <a:lumMod val="75000"/>
-                    <a:lumOff val="25000"/>
-                  </a:schemeClr>
-                </a:solidFill>
-                <a:latin typeface="-윤고딕340" pitchFamily="18" charset="-127"/>
-                <a:ea typeface="-윤고딕340" pitchFamily="18" charset="-127"/>
-              </a:rPr>
-              <a:t>02. </a:t>
-            </a:r>
-            <a:r>
-              <a:rPr lang="en-US" altLang="ko-KR" sz="1400" dirty="0">
-                <a:ln>
-                  <a:solidFill>
-                    <a:schemeClr val="tx1">
-                      <a:lumMod val="85000"/>
-                      <a:lumOff val="15000"/>
-                      <a:alpha val="0"/>
-                    </a:schemeClr>
-                  </a:solidFill>
-                </a:ln>
-                <a:solidFill>
-                  <a:schemeClr val="tx1">
-                    <a:lumMod val="85000"/>
-                    <a:lumOff val="15000"/>
-                  </a:schemeClr>
-                </a:solidFill>
-                <a:latin typeface="-윤고딕340" panose="02030504000101010101" pitchFamily="18" charset="-127"/>
-                <a:ea typeface="-윤고딕340" panose="02030504000101010101" pitchFamily="18" charset="-127"/>
-              </a:rPr>
-              <a:t>Test Case</a:t>
-            </a:r>
-            <a:endParaRPr lang="ko-KR" altLang="en-US" sz="1400" dirty="0">
-              <a:ln>
-                <a:solidFill>
-                  <a:schemeClr val="tx1">
-                    <a:lumMod val="65000"/>
-                    <a:lumOff val="35000"/>
-                    <a:alpha val="10000"/>
-                  </a:schemeClr>
-                </a:solidFill>
-              </a:ln>
-              <a:solidFill>
-                <a:schemeClr val="tx1">
-                  <a:lumMod val="65000"/>
-                  <a:lumOff val="35000"/>
-                </a:schemeClr>
-              </a:solidFill>
-              <a:latin typeface="-윤고딕330" panose="02030504000101010101" pitchFamily="18" charset="-127"/>
-              <a:ea typeface="-윤고딕330" panose="02030504000101010101" pitchFamily="18" charset="-127"/>
-            </a:endParaRPr>
-          </a:p>
-        </p:txBody>
-      </p:sp>
-      <p:sp>
-        <p:nvSpPr>
-          <p:cNvPr id="14" name="TextBox 13">
-            <a:extLst>
-              <a:ext uri="{FF2B5EF4-FFF2-40B4-BE49-F238E27FC236}">
-                <a16:creationId xmlns:a16="http://schemas.microsoft.com/office/drawing/2014/main" id="{876DB399-8879-4421-8CA8-FD74AEBD157F}"/>
-              </a:ext>
-            </a:extLst>
-          </p:cNvPr>
-          <p:cNvSpPr txBox="1"/>
-          <p:nvPr/>
-        </p:nvSpPr>
-        <p:spPr>
-          <a:xfrm>
-            <a:off x="992976" y="800657"/>
-            <a:ext cx="10191580" cy="769441"/>
-          </a:xfrm>
-          <a:prstGeom prst="rect">
-            <a:avLst/>
-          </a:prstGeom>
-          <a:noFill/>
-        </p:spPr>
-        <p:txBody>
-          <a:bodyPr wrap="square">
-            <a:spAutoFit/>
-          </a:bodyPr>
-          <a:lstStyle/>
-          <a:p>
-            <a:r>
-              <a:rPr lang="en-US" altLang="ko-KR" sz="2400" b="1" dirty="0">
-                <a:ln>
-                  <a:solidFill>
-                    <a:schemeClr val="tx1">
-                      <a:lumMod val="85000"/>
-                      <a:lumOff val="15000"/>
-                      <a:alpha val="0"/>
-                    </a:schemeClr>
-                  </a:solidFill>
-                </a:ln>
-                <a:solidFill>
-                  <a:schemeClr val="tx1">
-                    <a:lumMod val="85000"/>
-                    <a:lumOff val="15000"/>
-                  </a:schemeClr>
-                </a:solidFill>
-                <a:latin typeface="12롯데마트드림Medium"/>
-                <a:ea typeface="-윤고딕340" panose="02030504000101010101" pitchFamily="18" charset="-127"/>
-              </a:rPr>
-              <a:t>01 Carina</a:t>
-            </a:r>
-          </a:p>
-          <a:p>
-            <a:r>
-              <a:rPr lang="en-US" altLang="ko-KR" sz="2000" dirty="0">
-                <a:ln>
-                  <a:solidFill>
-                    <a:schemeClr val="tx1">
-                      <a:lumMod val="85000"/>
-                      <a:lumOff val="15000"/>
-                      <a:alpha val="0"/>
-                    </a:schemeClr>
-                  </a:solidFill>
-                </a:ln>
-                <a:solidFill>
-                  <a:schemeClr val="tx1">
-                    <a:lumMod val="85000"/>
-                    <a:lumOff val="15000"/>
-                  </a:schemeClr>
-                </a:solidFill>
-                <a:latin typeface="12롯데마트드림Medium"/>
-                <a:ea typeface="-윤고딕340" panose="02030504000101010101" pitchFamily="18" charset="-127"/>
-              </a:rPr>
-              <a:t>     : represents the Radial velocity data of stars in the Carina galaxy </a:t>
-            </a:r>
-          </a:p>
-        </p:txBody>
-      </p:sp>
-      <p:pic>
-        <p:nvPicPr>
-          <p:cNvPr id="13" name="그림 12">
-            <a:extLst>
-              <a:ext uri="{FF2B5EF4-FFF2-40B4-BE49-F238E27FC236}">
-                <a16:creationId xmlns:a16="http://schemas.microsoft.com/office/drawing/2014/main" id="{5E81720D-51BB-432C-8CB4-0BC4C91ECDDE}"/>
-              </a:ext>
-            </a:extLst>
-          </p:cNvPr>
-          <p:cNvPicPr>
-            <a:picLocks noChangeAspect="1"/>
-          </p:cNvPicPr>
-          <p:nvPr/>
-        </p:nvPicPr>
-        <p:blipFill>
-          <a:blip r:embed="rId3"/>
-          <a:stretch>
-            <a:fillRect/>
-          </a:stretch>
-        </p:blipFill>
-        <p:spPr>
-          <a:xfrm>
-            <a:off x="992976" y="1796615"/>
-            <a:ext cx="5566610" cy="2348414"/>
-          </a:xfrm>
-          <a:prstGeom prst="rect">
-            <a:avLst/>
-          </a:prstGeom>
-        </p:spPr>
-      </p:pic>
-      <p:pic>
-        <p:nvPicPr>
-          <p:cNvPr id="17" name="그림 16">
-            <a:extLst>
-              <a:ext uri="{FF2B5EF4-FFF2-40B4-BE49-F238E27FC236}">
-                <a16:creationId xmlns:a16="http://schemas.microsoft.com/office/drawing/2014/main" id="{A57E91FB-1118-4131-AAB5-2C3A39D56118}"/>
-              </a:ext>
-            </a:extLst>
-          </p:cNvPr>
-          <p:cNvPicPr>
-            <a:picLocks noChangeAspect="1"/>
-          </p:cNvPicPr>
-          <p:nvPr/>
-        </p:nvPicPr>
-        <p:blipFill>
-          <a:blip r:embed="rId4"/>
-          <a:stretch>
-            <a:fillRect/>
-          </a:stretch>
-        </p:blipFill>
-        <p:spPr>
-          <a:xfrm>
-            <a:off x="6631806" y="2970821"/>
-            <a:ext cx="5223302" cy="3421135"/>
-          </a:xfrm>
-          <a:prstGeom prst="rect">
-            <a:avLst/>
-          </a:prstGeom>
-        </p:spPr>
-      </p:pic>
-    </p:spTree>
-    <p:extLst>
-      <p:ext uri="{BB962C8B-B14F-4D97-AF65-F5344CB8AC3E}">
-        <p14:creationId xmlns:p14="http://schemas.microsoft.com/office/powerpoint/2010/main" val="274716274"/>
-      </p:ext>
-    </p:extLst>
-  </p:cSld>
-  <p:clrMapOvr>
-    <a:masterClrMapping/>
-  </p:clrMapOvr>
-  <mc:AlternateContent xmlns:mc="http://schemas.openxmlformats.org/markup-compatibility/2006" xmlns:p14="http://schemas.microsoft.com/office/powerpoint/2010/main">
-    <mc:Choice Requires="p14">
-      <p:transition spd="med" p14:dur="700">
-        <p:fade/>
-      </p:transition>
-    </mc:Choice>
-    <mc:Fallback xmlns="">
-      <p:transition spd="med">
-        <p:fade/>
-      </p:transition>
-    </mc:Fallback>
-  </mc:AlternateContent>
-</p:sld>
-</file>
-
-<file path=ppt/slides/slide7.xml><?xml version="1.0" encoding="utf-8"?>
-<p:sld xmlns:a="http://schemas.openxmlformats.org/drawingml/2006/main" xmlns:r="http://schemas.openxmlformats.org/officeDocument/2006/relationships" xmlns:p="http://schemas.openxmlformats.org/presentationml/2006/main">
-  <p:cSld>
-    <p:spTree>
-      <p:nvGrpSpPr>
-        <p:cNvPr id="1" name=""/>
-        <p:cNvGrpSpPr/>
-        <p:nvPr/>
-      </p:nvGrpSpPr>
-      <p:grpSpPr>
-        <a:xfrm>
-          <a:off x="0" y="0"/>
-          <a:ext cx="0" cy="0"/>
-          <a:chOff x="0" y="0"/>
-          <a:chExt cx="0" cy="0"/>
-        </a:xfrm>
-      </p:grpSpPr>
-      <p:sp>
-        <p:nvSpPr>
-          <p:cNvPr id="2" name="직사각형 1"/>
-          <p:cNvSpPr/>
-          <p:nvPr/>
-        </p:nvSpPr>
-        <p:spPr>
-          <a:xfrm>
-            <a:off x="131501" y="80464"/>
-            <a:ext cx="11905323" cy="96011"/>
-          </a:xfrm>
-          <a:prstGeom prst="rect">
-            <a:avLst/>
-          </a:prstGeom>
-          <a:solidFill>
-            <a:schemeClr val="tx1">
-              <a:lumMod val="85000"/>
-              <a:lumOff val="15000"/>
-            </a:schemeClr>
-          </a:solidFill>
-          <a:ln>
-            <a:noFill/>
-          </a:ln>
-        </p:spPr>
-        <p:style>
-          <a:lnRef idx="2">
-            <a:schemeClr val="accent1">
-              <a:shade val="50000"/>
-            </a:schemeClr>
-          </a:lnRef>
-          <a:fillRef idx="1">
-            <a:schemeClr val="accent1"/>
-          </a:fillRef>
-          <a:effectRef idx="0">
-            <a:schemeClr val="accent1"/>
-          </a:effectRef>
-          <a:fontRef idx="minor">
-            <a:schemeClr val="lt1"/>
-          </a:fontRef>
-        </p:style>
-        <p:txBody>
-          <a:bodyPr rtlCol="0" anchor="ctr"/>
-          <a:lstStyle/>
-          <a:p>
-            <a:pPr algn="ctr"/>
-            <a:endParaRPr lang="ko-KR" altLang="en-US" sz="2400"/>
-          </a:p>
-        </p:txBody>
-      </p:sp>
-      <p:sp>
-        <p:nvSpPr>
-          <p:cNvPr id="3" name="직사각형 2"/>
-          <p:cNvSpPr/>
-          <p:nvPr/>
-        </p:nvSpPr>
-        <p:spPr>
-          <a:xfrm>
-            <a:off x="131501" y="225136"/>
-            <a:ext cx="2496276" cy="431393"/>
-          </a:xfrm>
-          <a:prstGeom prst="rect">
-            <a:avLst/>
-          </a:prstGeom>
-          <a:solidFill>
-            <a:schemeClr val="tx2">
-              <a:lumMod val="50000"/>
-            </a:schemeClr>
-          </a:solidFill>
-          <a:ln>
-            <a:noFill/>
-          </a:ln>
-        </p:spPr>
-        <p:style>
-          <a:lnRef idx="2">
-            <a:schemeClr val="accent1">
-              <a:shade val="50000"/>
-            </a:schemeClr>
-          </a:lnRef>
-          <a:fillRef idx="1">
-            <a:schemeClr val="accent1"/>
-          </a:fillRef>
-          <a:effectRef idx="0">
-            <a:schemeClr val="accent1"/>
-          </a:effectRef>
-          <a:fontRef idx="minor">
-            <a:schemeClr val="lt1"/>
-          </a:fontRef>
-        </p:style>
-        <p:txBody>
-          <a:bodyPr rtlCol="0" anchor="ctr"/>
-          <a:lstStyle/>
-          <a:p>
-            <a:pPr algn="ctr"/>
-            <a:endParaRPr lang="ko-KR" altLang="en-US" sz="2400"/>
-          </a:p>
-        </p:txBody>
-      </p:sp>
-      <p:sp>
-        <p:nvSpPr>
-          <p:cNvPr id="4" name="직각 삼각형 3"/>
-          <p:cNvSpPr/>
-          <p:nvPr/>
-        </p:nvSpPr>
-        <p:spPr>
-          <a:xfrm>
-            <a:off x="2627776" y="225133"/>
-            <a:ext cx="431395" cy="431395"/>
-          </a:xfrm>
-          <a:prstGeom prst="rtTriangle">
-            <a:avLst/>
-          </a:prstGeom>
-          <a:solidFill>
-            <a:schemeClr val="tx2">
-              <a:lumMod val="50000"/>
-            </a:schemeClr>
-          </a:solidFill>
-          <a:ln>
-            <a:noFill/>
-          </a:ln>
-        </p:spPr>
-        <p:style>
-          <a:lnRef idx="2">
-            <a:schemeClr val="accent1">
-              <a:shade val="50000"/>
-            </a:schemeClr>
-          </a:lnRef>
-          <a:fillRef idx="1">
-            <a:schemeClr val="accent1"/>
-          </a:fillRef>
-          <a:effectRef idx="0">
-            <a:schemeClr val="accent1"/>
-          </a:effectRef>
-          <a:fontRef idx="minor">
-            <a:schemeClr val="lt1"/>
-          </a:fontRef>
-        </p:style>
-        <p:txBody>
-          <a:bodyPr rtlCol="0" anchor="ctr"/>
-          <a:lstStyle/>
-          <a:p>
-            <a:pPr algn="ctr"/>
-            <a:endParaRPr lang="ko-KR" altLang="en-US" sz="2400"/>
-          </a:p>
-        </p:txBody>
-      </p:sp>
-      <p:grpSp>
-        <p:nvGrpSpPr>
-          <p:cNvPr id="5" name="그룹 4"/>
-          <p:cNvGrpSpPr/>
-          <p:nvPr/>
-        </p:nvGrpSpPr>
-        <p:grpSpPr>
-          <a:xfrm>
-            <a:off x="2688275" y="225128"/>
-            <a:ext cx="9348549" cy="431397"/>
-            <a:chOff x="2016206" y="168846"/>
-            <a:chExt cx="7011412" cy="323548"/>
-          </a:xfrm>
-        </p:grpSpPr>
-        <p:sp>
-          <p:nvSpPr>
-            <p:cNvPr id="6" name="직사각형 5"/>
-            <p:cNvSpPr/>
-            <p:nvPr/>
-          </p:nvSpPr>
-          <p:spPr>
-            <a:xfrm flipH="1" flipV="1">
-              <a:off x="2339752" y="168846"/>
-              <a:ext cx="6687866" cy="323545"/>
-            </a:xfrm>
-            <a:prstGeom prst="rect">
-              <a:avLst/>
-            </a:prstGeom>
-            <a:solidFill>
-              <a:schemeClr val="bg1">
-                <a:lumMod val="75000"/>
-              </a:schemeClr>
-            </a:solidFill>
-            <a:ln>
-              <a:noFill/>
-            </a:ln>
-          </p:spPr>
-          <p:style>
-            <a:lnRef idx="2">
-              <a:schemeClr val="accent1">
-                <a:shade val="50000"/>
-              </a:schemeClr>
-            </a:lnRef>
-            <a:fillRef idx="1">
-              <a:schemeClr val="accent1"/>
-            </a:fillRef>
-            <a:effectRef idx="0">
-              <a:schemeClr val="accent1"/>
-            </a:effectRef>
-            <a:fontRef idx="minor">
-              <a:schemeClr val="lt1"/>
-            </a:fontRef>
-          </p:style>
-          <p:txBody>
-            <a:bodyPr rtlCol="0" anchor="ctr"/>
-            <a:lstStyle/>
-            <a:p>
-              <a:pPr algn="ctr"/>
-              <a:endParaRPr lang="ko-KR" altLang="en-US" sz="2400"/>
-            </a:p>
-          </p:txBody>
-        </p:sp>
-        <p:sp>
-          <p:nvSpPr>
-            <p:cNvPr id="7" name="직각 삼각형 6"/>
-            <p:cNvSpPr/>
-            <p:nvPr/>
-          </p:nvSpPr>
-          <p:spPr>
-            <a:xfrm flipH="1" flipV="1">
-              <a:off x="2016206" y="168848"/>
-              <a:ext cx="323546" cy="323546"/>
-            </a:xfrm>
-            <a:prstGeom prst="rtTriangle">
-              <a:avLst/>
-            </a:prstGeom>
-            <a:solidFill>
-              <a:schemeClr val="bg1">
-                <a:lumMod val="75000"/>
-              </a:schemeClr>
-            </a:solidFill>
-            <a:ln>
-              <a:noFill/>
-            </a:ln>
-          </p:spPr>
-          <p:style>
-            <a:lnRef idx="2">
-              <a:schemeClr val="accent1">
-                <a:shade val="50000"/>
-              </a:schemeClr>
-            </a:lnRef>
-            <a:fillRef idx="1">
-              <a:schemeClr val="accent1"/>
-            </a:fillRef>
-            <a:effectRef idx="0">
-              <a:schemeClr val="accent1"/>
-            </a:effectRef>
-            <a:fontRef idx="minor">
-              <a:schemeClr val="lt1"/>
-            </a:fontRef>
-          </p:style>
-          <p:txBody>
-            <a:bodyPr rtlCol="0" anchor="ctr"/>
-            <a:lstStyle/>
-            <a:p>
-              <a:pPr algn="ctr"/>
-              <a:endParaRPr lang="ko-KR" altLang="en-US" sz="2400" dirty="0"/>
-            </a:p>
-          </p:txBody>
-        </p:sp>
-      </p:grpSp>
-      <p:sp>
-        <p:nvSpPr>
-          <p:cNvPr id="8" name="TextBox 7"/>
-          <p:cNvSpPr txBox="1"/>
-          <p:nvPr/>
-        </p:nvSpPr>
-        <p:spPr>
-          <a:xfrm>
-            <a:off x="251187" y="275359"/>
-            <a:ext cx="1824203" cy="338554"/>
-          </a:xfrm>
-          <a:prstGeom prst="rect">
-            <a:avLst/>
-          </a:prstGeom>
-          <a:noFill/>
-        </p:spPr>
-        <p:txBody>
-          <a:bodyPr wrap="square" rtlCol="0">
-            <a:spAutoFit/>
-          </a:bodyPr>
-          <a:lstStyle/>
-          <a:p>
-            <a:r>
-              <a:rPr lang="en-US" altLang="ko-KR" sz="1600" dirty="0">
-                <a:ln>
-                  <a:solidFill>
-                    <a:schemeClr val="bg1">
-                      <a:lumMod val="95000"/>
-                      <a:alpha val="10000"/>
-                    </a:schemeClr>
-                  </a:solidFill>
-                </a:ln>
-                <a:solidFill>
-                  <a:schemeClr val="bg1">
-                    <a:lumMod val="95000"/>
-                  </a:schemeClr>
-                </a:solidFill>
-                <a:latin typeface="-윤고딕330" pitchFamily="18" charset="-127"/>
-                <a:ea typeface="-윤고딕330" pitchFamily="18" charset="-127"/>
-              </a:rPr>
-              <a:t>R Package</a:t>
-            </a:r>
-          </a:p>
-        </p:txBody>
-      </p:sp>
-      <p:sp>
-        <p:nvSpPr>
-          <p:cNvPr id="10" name="직사각형 9"/>
-          <p:cNvSpPr/>
-          <p:nvPr/>
-        </p:nvSpPr>
-        <p:spPr>
-          <a:xfrm>
-            <a:off x="213903" y="264017"/>
-            <a:ext cx="67143" cy="340487"/>
-          </a:xfrm>
-          <a:prstGeom prst="rect">
-            <a:avLst/>
-          </a:prstGeom>
-          <a:solidFill>
-            <a:schemeClr val="accent1">
-              <a:lumMod val="20000"/>
-              <a:lumOff val="80000"/>
-            </a:schemeClr>
-          </a:solidFill>
-          <a:ln>
-            <a:noFill/>
-          </a:ln>
-        </p:spPr>
-        <p:style>
-          <a:lnRef idx="2">
-            <a:schemeClr val="accent1">
-              <a:shade val="50000"/>
-            </a:schemeClr>
-          </a:lnRef>
-          <a:fillRef idx="1">
-            <a:schemeClr val="accent1"/>
-          </a:fillRef>
-          <a:effectRef idx="0">
-            <a:schemeClr val="accent1"/>
-          </a:effectRef>
-          <a:fontRef idx="minor">
-            <a:schemeClr val="lt1"/>
-          </a:fontRef>
-        </p:style>
-        <p:txBody>
-          <a:bodyPr rtlCol="0" anchor="ctr"/>
-          <a:lstStyle/>
-          <a:p>
-            <a:pPr algn="ctr"/>
-            <a:endParaRPr lang="ko-KR" altLang="en-US" sz="2400"/>
-          </a:p>
-        </p:txBody>
-      </p:sp>
-      <p:sp>
-        <p:nvSpPr>
-          <p:cNvPr id="14" name="TextBox 13">
-            <a:extLst>
-              <a:ext uri="{FF2B5EF4-FFF2-40B4-BE49-F238E27FC236}">
-                <a16:creationId xmlns:a16="http://schemas.microsoft.com/office/drawing/2014/main" id="{876DB399-8879-4421-8CA8-FD74AEBD157F}"/>
-              </a:ext>
-            </a:extLst>
-          </p:cNvPr>
-          <p:cNvSpPr txBox="1"/>
-          <p:nvPr/>
-        </p:nvSpPr>
-        <p:spPr>
-          <a:xfrm>
-            <a:off x="988372" y="752532"/>
-            <a:ext cx="10191580" cy="1060290"/>
-          </a:xfrm>
-          <a:prstGeom prst="rect">
-            <a:avLst/>
-          </a:prstGeom>
-          <a:noFill/>
-        </p:spPr>
-        <p:txBody>
-          <a:bodyPr wrap="square">
-            <a:spAutoFit/>
-          </a:bodyPr>
-          <a:lstStyle/>
-          <a:p>
-            <a:pPr>
-              <a:lnSpc>
-                <a:spcPct val="150000"/>
-              </a:lnSpc>
-            </a:pPr>
-            <a:r>
-              <a:rPr lang="en-US" altLang="ko-KR" sz="2400" b="1" dirty="0">
-                <a:ln>
-                  <a:solidFill>
-                    <a:schemeClr val="tx1">
-                      <a:lumMod val="85000"/>
-                      <a:lumOff val="15000"/>
-                      <a:alpha val="0"/>
-                    </a:schemeClr>
-                  </a:solidFill>
-                </a:ln>
-                <a:solidFill>
-                  <a:schemeClr val="tx1">
-                    <a:lumMod val="85000"/>
-                    <a:lumOff val="15000"/>
-                  </a:schemeClr>
-                </a:solidFill>
-                <a:latin typeface="12롯데마트드림Medium"/>
-                <a:ea typeface="-윤고딕340" panose="02030504000101010101" pitchFamily="18" charset="-127"/>
-              </a:rPr>
-              <a:t>02 Univariate Normal</a:t>
-            </a:r>
-          </a:p>
-          <a:p>
-            <a:pPr>
-              <a:lnSpc>
-                <a:spcPct val="150000"/>
-              </a:lnSpc>
-            </a:pPr>
-            <a:r>
-              <a:rPr lang="en-US" altLang="ko-KR" sz="2000" dirty="0">
-                <a:ln>
-                  <a:solidFill>
-                    <a:schemeClr val="tx1">
-                      <a:lumMod val="85000"/>
-                      <a:lumOff val="15000"/>
-                      <a:alpha val="0"/>
-                    </a:schemeClr>
-                  </a:solidFill>
-                </a:ln>
-                <a:solidFill>
-                  <a:schemeClr val="tx1">
-                    <a:lumMod val="85000"/>
-                    <a:lumOff val="15000"/>
-                  </a:schemeClr>
-                </a:solidFill>
-                <a:latin typeface="12롯데마트드림Medium"/>
-                <a:ea typeface="-윤고딕340" panose="02030504000101010101" pitchFamily="18" charset="-127"/>
-              </a:rPr>
-              <a:t>    : p0=0.95</a:t>
-            </a:r>
-          </a:p>
-        </p:txBody>
-      </p:sp>
-      <p:pic>
-        <p:nvPicPr>
-          <p:cNvPr id="16" name="그림 15">
-            <a:extLst>
-              <a:ext uri="{FF2B5EF4-FFF2-40B4-BE49-F238E27FC236}">
-                <a16:creationId xmlns:a16="http://schemas.microsoft.com/office/drawing/2014/main" id="{E8CC187B-B198-4B64-BDCD-28EAD5CEA938}"/>
-              </a:ext>
-            </a:extLst>
-          </p:cNvPr>
-          <p:cNvPicPr>
-            <a:picLocks noChangeAspect="1"/>
-          </p:cNvPicPr>
-          <p:nvPr/>
-        </p:nvPicPr>
-        <p:blipFill>
-          <a:blip r:embed="rId3"/>
-          <a:stretch>
-            <a:fillRect/>
-          </a:stretch>
-        </p:blipFill>
-        <p:spPr>
-          <a:xfrm>
-            <a:off x="2323052" y="1812822"/>
-            <a:ext cx="7522219" cy="4799490"/>
-          </a:xfrm>
-          <a:prstGeom prst="rect">
-            <a:avLst/>
-          </a:prstGeom>
-        </p:spPr>
-      </p:pic>
-      <p:sp>
-        <p:nvSpPr>
-          <p:cNvPr id="13" name="TextBox 12">
-            <a:extLst>
-              <a:ext uri="{FF2B5EF4-FFF2-40B4-BE49-F238E27FC236}">
-                <a16:creationId xmlns:a16="http://schemas.microsoft.com/office/drawing/2014/main" id="{D5D49DDD-7117-4AD4-AE63-0A29BD50A5CC}"/>
-              </a:ext>
-            </a:extLst>
-          </p:cNvPr>
-          <p:cNvSpPr txBox="1"/>
-          <p:nvPr/>
-        </p:nvSpPr>
-        <p:spPr>
-          <a:xfrm>
-            <a:off x="9266554" y="272486"/>
-            <a:ext cx="3262161" cy="307777"/>
-          </a:xfrm>
-          <a:prstGeom prst="rect">
-            <a:avLst/>
-          </a:prstGeom>
-          <a:noFill/>
-        </p:spPr>
-        <p:txBody>
-          <a:bodyPr wrap="square" rtlCol="0">
-            <a:spAutoFit/>
-          </a:bodyPr>
-          <a:lstStyle/>
-          <a:p>
-            <a:r>
-              <a:rPr lang="en-US" altLang="ko-KR" sz="1400" dirty="0">
-                <a:ln>
-                  <a:solidFill>
-                    <a:schemeClr val="tx1">
-                      <a:lumMod val="75000"/>
-                      <a:lumOff val="25000"/>
-                      <a:alpha val="10000"/>
-                    </a:schemeClr>
-                  </a:solidFill>
-                </a:ln>
-                <a:solidFill>
-                  <a:schemeClr val="tx1">
-                    <a:lumMod val="75000"/>
-                    <a:lumOff val="25000"/>
-                  </a:schemeClr>
-                </a:solidFill>
-                <a:latin typeface="-윤고딕340" pitchFamily="18" charset="-127"/>
-                <a:ea typeface="-윤고딕340" pitchFamily="18" charset="-127"/>
-              </a:rPr>
-              <a:t>02. </a:t>
-            </a:r>
-            <a:r>
-              <a:rPr lang="en-US" altLang="ko-KR" sz="1400" dirty="0">
-                <a:ln>
-                  <a:solidFill>
-                    <a:schemeClr val="tx1">
-                      <a:lumMod val="85000"/>
-                      <a:lumOff val="15000"/>
-                      <a:alpha val="0"/>
-                    </a:schemeClr>
-                  </a:solidFill>
-                </a:ln>
-                <a:solidFill>
-                  <a:schemeClr val="tx1">
-                    <a:lumMod val="85000"/>
-                    <a:lumOff val="15000"/>
-                  </a:schemeClr>
-                </a:solidFill>
-                <a:latin typeface="-윤고딕340" panose="02030504000101010101" pitchFamily="18" charset="-127"/>
-                <a:ea typeface="-윤고딕340" panose="02030504000101010101" pitchFamily="18" charset="-127"/>
-              </a:rPr>
-              <a:t>Test Case</a:t>
-            </a:r>
-            <a:endParaRPr lang="ko-KR" altLang="en-US" sz="1400" dirty="0">
-              <a:ln>
-                <a:solidFill>
-                  <a:schemeClr val="tx1">
-                    <a:lumMod val="65000"/>
-                    <a:lumOff val="35000"/>
-                    <a:alpha val="10000"/>
-                  </a:schemeClr>
-                </a:solidFill>
-              </a:ln>
-              <a:solidFill>
-                <a:schemeClr val="tx1">
-                  <a:lumMod val="65000"/>
-                  <a:lumOff val="35000"/>
-                </a:schemeClr>
-              </a:solidFill>
-              <a:latin typeface="-윤고딕330" panose="02030504000101010101" pitchFamily="18" charset="-127"/>
-              <a:ea typeface="-윤고딕330" panose="02030504000101010101" pitchFamily="18" charset="-127"/>
-            </a:endParaRPr>
-          </a:p>
-        </p:txBody>
-      </p:sp>
-    </p:spTree>
-    <p:extLst>
-      <p:ext uri="{BB962C8B-B14F-4D97-AF65-F5344CB8AC3E}">
-        <p14:creationId xmlns:p14="http://schemas.microsoft.com/office/powerpoint/2010/main" val="1255274152"/>
-      </p:ext>
-    </p:extLst>
-  </p:cSld>
-  <p:clrMapOvr>
-    <a:masterClrMapping/>
-  </p:clrMapOvr>
-  <mc:AlternateContent xmlns:mc="http://schemas.openxmlformats.org/markup-compatibility/2006" xmlns:p14="http://schemas.microsoft.com/office/powerpoint/2010/main">
-    <mc:Choice Requires="p14">
-      <p:transition spd="med" p14:dur="700">
-        <p:fade/>
-      </p:transition>
-    </mc:Choice>
-    <mc:Fallback xmlns="">
-      <p:transition spd="med">
-        <p:fade/>
-      </p:transition>
-    </mc:Fallback>
-  </mc:AlternateContent>
-</p:sld>
-</file>
-
-<file path=ppt/slides/slide8.xml><?xml version="1.0" encoding="utf-8"?>
-<p:sld xmlns:a="http://schemas.openxmlformats.org/drawingml/2006/main" xmlns:r="http://schemas.openxmlformats.org/officeDocument/2006/relationships" xmlns:p="http://schemas.openxmlformats.org/presentationml/2006/main">
-  <p:cSld>
-    <p:spTree>
-      <p:nvGrpSpPr>
-        <p:cNvPr id="1" name=""/>
-        <p:cNvGrpSpPr/>
-        <p:nvPr/>
-      </p:nvGrpSpPr>
-      <p:grpSpPr>
-        <a:xfrm>
-          <a:off x="0" y="0"/>
-          <a:ext cx="0" cy="0"/>
-          <a:chOff x="0" y="0"/>
-          <a:chExt cx="0" cy="0"/>
-        </a:xfrm>
-      </p:grpSpPr>
-      <p:sp>
-        <p:nvSpPr>
-          <p:cNvPr id="2" name="직사각형 1"/>
-          <p:cNvSpPr/>
-          <p:nvPr/>
-        </p:nvSpPr>
-        <p:spPr>
-          <a:xfrm>
-            <a:off x="131501" y="80464"/>
-            <a:ext cx="11905323" cy="96011"/>
-          </a:xfrm>
-          <a:prstGeom prst="rect">
-            <a:avLst/>
-          </a:prstGeom>
-          <a:solidFill>
-            <a:schemeClr val="tx1">
-              <a:lumMod val="85000"/>
-              <a:lumOff val="15000"/>
-            </a:schemeClr>
-          </a:solidFill>
-          <a:ln>
-            <a:noFill/>
-          </a:ln>
-        </p:spPr>
-        <p:style>
-          <a:lnRef idx="2">
-            <a:schemeClr val="accent1">
-              <a:shade val="50000"/>
-            </a:schemeClr>
-          </a:lnRef>
-          <a:fillRef idx="1">
-            <a:schemeClr val="accent1"/>
-          </a:fillRef>
-          <a:effectRef idx="0">
-            <a:schemeClr val="accent1"/>
-          </a:effectRef>
-          <a:fontRef idx="minor">
-            <a:schemeClr val="lt1"/>
-          </a:fontRef>
-        </p:style>
-        <p:txBody>
-          <a:bodyPr rtlCol="0" anchor="ctr"/>
-          <a:lstStyle/>
-          <a:p>
-            <a:pPr algn="ctr"/>
-            <a:endParaRPr lang="ko-KR" altLang="en-US" sz="2400"/>
-          </a:p>
-        </p:txBody>
-      </p:sp>
-      <p:sp>
-        <p:nvSpPr>
-          <p:cNvPr id="3" name="직사각형 2"/>
-          <p:cNvSpPr/>
-          <p:nvPr/>
-        </p:nvSpPr>
-        <p:spPr>
-          <a:xfrm>
-            <a:off x="131501" y="225136"/>
-            <a:ext cx="2496276" cy="431393"/>
-          </a:xfrm>
-          <a:prstGeom prst="rect">
-            <a:avLst/>
-          </a:prstGeom>
-          <a:solidFill>
-            <a:schemeClr val="tx2">
-              <a:lumMod val="50000"/>
-            </a:schemeClr>
-          </a:solidFill>
-          <a:ln>
-            <a:noFill/>
-          </a:ln>
-        </p:spPr>
-        <p:style>
-          <a:lnRef idx="2">
-            <a:schemeClr val="accent1">
-              <a:shade val="50000"/>
-            </a:schemeClr>
-          </a:lnRef>
-          <a:fillRef idx="1">
-            <a:schemeClr val="accent1"/>
-          </a:fillRef>
-          <a:effectRef idx="0">
-            <a:schemeClr val="accent1"/>
-          </a:effectRef>
-          <a:fontRef idx="minor">
-            <a:schemeClr val="lt1"/>
-          </a:fontRef>
-        </p:style>
-        <p:txBody>
-          <a:bodyPr rtlCol="0" anchor="ctr"/>
-          <a:lstStyle/>
-          <a:p>
-            <a:pPr algn="ctr"/>
-            <a:endParaRPr lang="ko-KR" altLang="en-US" sz="2400"/>
-          </a:p>
-        </p:txBody>
-      </p:sp>
-      <p:sp>
-        <p:nvSpPr>
-          <p:cNvPr id="4" name="직각 삼각형 3"/>
-          <p:cNvSpPr/>
-          <p:nvPr/>
-        </p:nvSpPr>
-        <p:spPr>
-          <a:xfrm>
-            <a:off x="2627776" y="225133"/>
-            <a:ext cx="431395" cy="431395"/>
-          </a:xfrm>
-          <a:prstGeom prst="rtTriangle">
-            <a:avLst/>
-          </a:prstGeom>
-          <a:solidFill>
-            <a:schemeClr val="tx2">
-              <a:lumMod val="50000"/>
-            </a:schemeClr>
-          </a:solidFill>
-          <a:ln>
-            <a:noFill/>
-          </a:ln>
-        </p:spPr>
-        <p:style>
-          <a:lnRef idx="2">
-            <a:schemeClr val="accent1">
-              <a:shade val="50000"/>
-            </a:schemeClr>
-          </a:lnRef>
-          <a:fillRef idx="1">
-            <a:schemeClr val="accent1"/>
-          </a:fillRef>
-          <a:effectRef idx="0">
-            <a:schemeClr val="accent1"/>
-          </a:effectRef>
-          <a:fontRef idx="minor">
-            <a:schemeClr val="lt1"/>
-          </a:fontRef>
-        </p:style>
-        <p:txBody>
-          <a:bodyPr rtlCol="0" anchor="ctr"/>
-          <a:lstStyle/>
-          <a:p>
-            <a:pPr algn="ctr"/>
-            <a:endParaRPr lang="ko-KR" altLang="en-US" sz="2400"/>
-          </a:p>
-        </p:txBody>
-      </p:sp>
-      <p:grpSp>
-        <p:nvGrpSpPr>
-          <p:cNvPr id="5" name="그룹 4"/>
-          <p:cNvGrpSpPr/>
-          <p:nvPr/>
-        </p:nvGrpSpPr>
-        <p:grpSpPr>
-          <a:xfrm>
-            <a:off x="2688275" y="225128"/>
-            <a:ext cx="9348549" cy="431397"/>
-            <a:chOff x="2016206" y="168846"/>
-            <a:chExt cx="7011412" cy="323548"/>
-          </a:xfrm>
-        </p:grpSpPr>
-        <p:sp>
-          <p:nvSpPr>
-            <p:cNvPr id="6" name="직사각형 5"/>
-            <p:cNvSpPr/>
-            <p:nvPr/>
-          </p:nvSpPr>
-          <p:spPr>
-            <a:xfrm flipH="1" flipV="1">
-              <a:off x="2339752" y="168846"/>
-              <a:ext cx="6687866" cy="323545"/>
-            </a:xfrm>
-            <a:prstGeom prst="rect">
-              <a:avLst/>
-            </a:prstGeom>
-            <a:solidFill>
-              <a:schemeClr val="bg1">
-                <a:lumMod val="75000"/>
-              </a:schemeClr>
-            </a:solidFill>
-            <a:ln>
-              <a:noFill/>
-            </a:ln>
-          </p:spPr>
-          <p:style>
-            <a:lnRef idx="2">
-              <a:schemeClr val="accent1">
-                <a:shade val="50000"/>
-              </a:schemeClr>
-            </a:lnRef>
-            <a:fillRef idx="1">
-              <a:schemeClr val="accent1"/>
-            </a:fillRef>
-            <a:effectRef idx="0">
-              <a:schemeClr val="accent1"/>
-            </a:effectRef>
-            <a:fontRef idx="minor">
-              <a:schemeClr val="lt1"/>
-            </a:fontRef>
-          </p:style>
-          <p:txBody>
-            <a:bodyPr rtlCol="0" anchor="ctr"/>
-            <a:lstStyle/>
-            <a:p>
-              <a:pPr algn="ctr"/>
-              <a:endParaRPr lang="ko-KR" altLang="en-US" sz="2400"/>
-            </a:p>
-          </p:txBody>
-        </p:sp>
-        <p:sp>
-          <p:nvSpPr>
-            <p:cNvPr id="7" name="직각 삼각형 6"/>
-            <p:cNvSpPr/>
-            <p:nvPr/>
-          </p:nvSpPr>
-          <p:spPr>
-            <a:xfrm flipH="1" flipV="1">
-              <a:off x="2016206" y="168848"/>
-              <a:ext cx="323546" cy="323546"/>
-            </a:xfrm>
-            <a:prstGeom prst="rtTriangle">
-              <a:avLst/>
-            </a:prstGeom>
-            <a:solidFill>
-              <a:schemeClr val="bg1">
-                <a:lumMod val="75000"/>
-              </a:schemeClr>
-            </a:solidFill>
-            <a:ln>
-              <a:noFill/>
-            </a:ln>
-          </p:spPr>
-          <p:style>
-            <a:lnRef idx="2">
-              <a:schemeClr val="accent1">
-                <a:shade val="50000"/>
-              </a:schemeClr>
-            </a:lnRef>
-            <a:fillRef idx="1">
-              <a:schemeClr val="accent1"/>
-            </a:fillRef>
-            <a:effectRef idx="0">
-              <a:schemeClr val="accent1"/>
-            </a:effectRef>
-            <a:fontRef idx="minor">
-              <a:schemeClr val="lt1"/>
-            </a:fontRef>
-          </p:style>
-          <p:txBody>
-            <a:bodyPr rtlCol="0" anchor="ctr"/>
-            <a:lstStyle/>
-            <a:p>
-              <a:pPr algn="ctr"/>
-              <a:endParaRPr lang="ko-KR" altLang="en-US" sz="2400" dirty="0"/>
-            </a:p>
-          </p:txBody>
-        </p:sp>
-      </p:grpSp>
-      <p:sp>
-        <p:nvSpPr>
-          <p:cNvPr id="8" name="TextBox 7"/>
-          <p:cNvSpPr txBox="1"/>
-          <p:nvPr/>
-        </p:nvSpPr>
-        <p:spPr>
-          <a:xfrm>
-            <a:off x="251187" y="275359"/>
-            <a:ext cx="1824203" cy="338554"/>
-          </a:xfrm>
-          <a:prstGeom prst="rect">
-            <a:avLst/>
-          </a:prstGeom>
-          <a:noFill/>
-        </p:spPr>
-        <p:txBody>
-          <a:bodyPr wrap="square" rtlCol="0">
-            <a:spAutoFit/>
-          </a:bodyPr>
-          <a:lstStyle/>
-          <a:p>
-            <a:r>
-              <a:rPr lang="en-US" altLang="ko-KR" sz="1600" dirty="0">
-                <a:ln>
-                  <a:solidFill>
-                    <a:schemeClr val="bg1">
-                      <a:lumMod val="95000"/>
-                      <a:alpha val="10000"/>
-                    </a:schemeClr>
-                  </a:solidFill>
-                </a:ln>
-                <a:solidFill>
-                  <a:schemeClr val="bg1">
-                    <a:lumMod val="95000"/>
-                  </a:schemeClr>
-                </a:solidFill>
-                <a:latin typeface="-윤고딕330" pitchFamily="18" charset="-127"/>
-                <a:ea typeface="-윤고딕330" pitchFamily="18" charset="-127"/>
-              </a:rPr>
-              <a:t>R Package</a:t>
-            </a:r>
-          </a:p>
-        </p:txBody>
-      </p:sp>
-      <p:sp>
-        <p:nvSpPr>
-          <p:cNvPr id="10" name="직사각형 9"/>
-          <p:cNvSpPr/>
-          <p:nvPr/>
-        </p:nvSpPr>
-        <p:spPr>
-          <a:xfrm>
-            <a:off x="213903" y="264017"/>
-            <a:ext cx="67143" cy="340487"/>
-          </a:xfrm>
-          <a:prstGeom prst="rect">
-            <a:avLst/>
-          </a:prstGeom>
-          <a:solidFill>
-            <a:schemeClr val="accent1">
-              <a:lumMod val="20000"/>
-              <a:lumOff val="80000"/>
-            </a:schemeClr>
-          </a:solidFill>
-          <a:ln>
-            <a:noFill/>
-          </a:ln>
-        </p:spPr>
-        <p:style>
-          <a:lnRef idx="2">
-            <a:schemeClr val="accent1">
-              <a:shade val="50000"/>
-            </a:schemeClr>
-          </a:lnRef>
-          <a:fillRef idx="1">
-            <a:schemeClr val="accent1"/>
-          </a:fillRef>
-          <a:effectRef idx="0">
-            <a:schemeClr val="accent1"/>
-          </a:effectRef>
-          <a:fontRef idx="minor">
-            <a:schemeClr val="lt1"/>
-          </a:fontRef>
-        </p:style>
-        <p:txBody>
-          <a:bodyPr rtlCol="0" anchor="ctr"/>
-          <a:lstStyle/>
-          <a:p>
-            <a:pPr algn="ctr"/>
-            <a:endParaRPr lang="ko-KR" altLang="en-US" sz="2400"/>
-          </a:p>
-        </p:txBody>
-      </p:sp>
-      <p:sp>
-        <p:nvSpPr>
-          <p:cNvPr id="14" name="TextBox 13">
-            <a:extLst>
-              <a:ext uri="{FF2B5EF4-FFF2-40B4-BE49-F238E27FC236}">
-                <a16:creationId xmlns:a16="http://schemas.microsoft.com/office/drawing/2014/main" id="{876DB399-8879-4421-8CA8-FD74AEBD157F}"/>
-              </a:ext>
-            </a:extLst>
-          </p:cNvPr>
-          <p:cNvSpPr txBox="1"/>
-          <p:nvPr/>
-        </p:nvSpPr>
-        <p:spPr>
-          <a:xfrm>
-            <a:off x="992976" y="800657"/>
-            <a:ext cx="10191580" cy="1521955"/>
-          </a:xfrm>
-          <a:prstGeom prst="rect">
-            <a:avLst/>
-          </a:prstGeom>
-          <a:noFill/>
-        </p:spPr>
-        <p:txBody>
-          <a:bodyPr wrap="square">
-            <a:spAutoFit/>
-          </a:bodyPr>
-          <a:lstStyle/>
-          <a:p>
-            <a:pPr>
-              <a:lnSpc>
-                <a:spcPct val="150000"/>
-              </a:lnSpc>
-            </a:pPr>
-            <a:r>
-              <a:rPr lang="en-US" altLang="ko-KR" sz="2400" b="1" dirty="0">
-                <a:ln>
-                  <a:solidFill>
-                    <a:schemeClr val="tx1">
-                      <a:lumMod val="85000"/>
-                      <a:lumOff val="15000"/>
-                      <a:alpha val="0"/>
-                    </a:schemeClr>
-                  </a:solidFill>
-                </a:ln>
-                <a:solidFill>
-                  <a:schemeClr val="tx1">
-                    <a:lumMod val="85000"/>
-                    <a:lumOff val="15000"/>
-                  </a:schemeClr>
-                </a:solidFill>
-                <a:latin typeface="12롯데마트드림Medium"/>
-                <a:ea typeface="-윤고딕340" panose="02030504000101010101" pitchFamily="18" charset="-127"/>
-              </a:rPr>
-              <a:t>02 Univariate Normal</a:t>
-            </a:r>
-          </a:p>
-          <a:p>
-            <a:pPr>
-              <a:lnSpc>
-                <a:spcPct val="150000"/>
-              </a:lnSpc>
-            </a:pPr>
-            <a:r>
-              <a:rPr lang="en-US" altLang="ko-KR" sz="2000" dirty="0">
-                <a:ln>
-                  <a:solidFill>
-                    <a:schemeClr val="tx1">
-                      <a:lumMod val="85000"/>
-                      <a:lumOff val="15000"/>
-                      <a:alpha val="0"/>
-                    </a:schemeClr>
-                  </a:solidFill>
-                </a:ln>
-                <a:solidFill>
-                  <a:schemeClr val="tx1">
-                    <a:lumMod val="85000"/>
-                    <a:lumOff val="15000"/>
-                  </a:schemeClr>
-                </a:solidFill>
-                <a:latin typeface="12롯데마트드림Medium"/>
-                <a:ea typeface="-윤고딕340" panose="02030504000101010101" pitchFamily="18" charset="-127"/>
-              </a:rPr>
-              <a:t>    : p0=0.9</a:t>
-            </a:r>
-          </a:p>
-          <a:p>
-            <a:pPr>
-              <a:lnSpc>
-                <a:spcPct val="150000"/>
-              </a:lnSpc>
-            </a:pPr>
-            <a:r>
-              <a:rPr lang="en-US" altLang="ko-KR" sz="2000" dirty="0">
-                <a:ln>
-                  <a:solidFill>
-                    <a:schemeClr val="tx1">
-                      <a:lumMod val="85000"/>
-                      <a:lumOff val="15000"/>
-                      <a:alpha val="0"/>
-                    </a:schemeClr>
-                  </a:solidFill>
-                </a:ln>
-                <a:solidFill>
-                  <a:schemeClr val="tx1">
-                    <a:lumMod val="85000"/>
-                    <a:lumOff val="15000"/>
-                  </a:schemeClr>
-                </a:solidFill>
-                <a:latin typeface="12롯데마트드림Medium"/>
-                <a:ea typeface="-윤고딕340" panose="02030504000101010101" pitchFamily="18" charset="-127"/>
-              </a:rPr>
-              <a:t>     </a:t>
-            </a:r>
-          </a:p>
-        </p:txBody>
-      </p:sp>
-      <p:pic>
-        <p:nvPicPr>
-          <p:cNvPr id="13" name="그림 12">
-            <a:extLst>
-              <a:ext uri="{FF2B5EF4-FFF2-40B4-BE49-F238E27FC236}">
-                <a16:creationId xmlns:a16="http://schemas.microsoft.com/office/drawing/2014/main" id="{5AADDAFD-5E61-4724-A03E-8A8B18EE2F5F}"/>
-              </a:ext>
-            </a:extLst>
-          </p:cNvPr>
-          <p:cNvPicPr>
-            <a:picLocks noChangeAspect="1"/>
-          </p:cNvPicPr>
-          <p:nvPr/>
-        </p:nvPicPr>
-        <p:blipFill>
-          <a:blip r:embed="rId3"/>
-          <a:stretch>
-            <a:fillRect/>
-          </a:stretch>
-        </p:blipFill>
-        <p:spPr>
-          <a:xfrm>
-            <a:off x="2191125" y="1651790"/>
-            <a:ext cx="7786073" cy="4981074"/>
-          </a:xfrm>
-          <a:prstGeom prst="rect">
-            <a:avLst/>
-          </a:prstGeom>
-        </p:spPr>
-      </p:pic>
-      <p:sp>
-        <p:nvSpPr>
-          <p:cNvPr id="15" name="TextBox 14">
-            <a:extLst>
-              <a:ext uri="{FF2B5EF4-FFF2-40B4-BE49-F238E27FC236}">
-                <a16:creationId xmlns:a16="http://schemas.microsoft.com/office/drawing/2014/main" id="{FE5B95EA-2C79-4735-8130-76B34E6314D6}"/>
-              </a:ext>
-            </a:extLst>
-          </p:cNvPr>
-          <p:cNvSpPr txBox="1"/>
-          <p:nvPr/>
-        </p:nvSpPr>
-        <p:spPr>
-          <a:xfrm>
-            <a:off x="9266554" y="272486"/>
-            <a:ext cx="3262161" cy="307777"/>
-          </a:xfrm>
-          <a:prstGeom prst="rect">
-            <a:avLst/>
-          </a:prstGeom>
-          <a:noFill/>
-        </p:spPr>
-        <p:txBody>
-          <a:bodyPr wrap="square" rtlCol="0">
-            <a:spAutoFit/>
-          </a:bodyPr>
-          <a:lstStyle/>
-          <a:p>
-            <a:r>
-              <a:rPr lang="en-US" altLang="ko-KR" sz="1400" dirty="0">
-                <a:ln>
-                  <a:solidFill>
-                    <a:schemeClr val="tx1">
-                      <a:lumMod val="75000"/>
-                      <a:lumOff val="25000"/>
-                      <a:alpha val="10000"/>
-                    </a:schemeClr>
-                  </a:solidFill>
-                </a:ln>
-                <a:solidFill>
-                  <a:schemeClr val="tx1">
-                    <a:lumMod val="75000"/>
-                    <a:lumOff val="25000"/>
-                  </a:schemeClr>
-                </a:solidFill>
-                <a:latin typeface="-윤고딕340" pitchFamily="18" charset="-127"/>
-                <a:ea typeface="-윤고딕340" pitchFamily="18" charset="-127"/>
-              </a:rPr>
-              <a:t>02. </a:t>
-            </a:r>
-            <a:r>
-              <a:rPr lang="en-US" altLang="ko-KR" sz="1400" dirty="0">
-                <a:ln>
-                  <a:solidFill>
-                    <a:schemeClr val="tx1">
-                      <a:lumMod val="85000"/>
-                      <a:lumOff val="15000"/>
-                      <a:alpha val="0"/>
-                    </a:schemeClr>
-                  </a:solidFill>
-                </a:ln>
-                <a:solidFill>
-                  <a:schemeClr val="tx1">
-                    <a:lumMod val="85000"/>
-                    <a:lumOff val="15000"/>
-                  </a:schemeClr>
-                </a:solidFill>
-                <a:latin typeface="-윤고딕340" panose="02030504000101010101" pitchFamily="18" charset="-127"/>
-                <a:ea typeface="-윤고딕340" panose="02030504000101010101" pitchFamily="18" charset="-127"/>
-              </a:rPr>
-              <a:t>Test Case</a:t>
-            </a:r>
-            <a:endParaRPr lang="ko-KR" altLang="en-US" sz="1400" dirty="0">
-              <a:ln>
-                <a:solidFill>
-                  <a:schemeClr val="tx1">
-                    <a:lumMod val="65000"/>
-                    <a:lumOff val="35000"/>
-                    <a:alpha val="10000"/>
-                  </a:schemeClr>
-                </a:solidFill>
-              </a:ln>
-              <a:solidFill>
-                <a:schemeClr val="tx1">
-                  <a:lumMod val="65000"/>
-                  <a:lumOff val="35000"/>
-                </a:schemeClr>
-              </a:solidFill>
-              <a:latin typeface="-윤고딕330" panose="02030504000101010101" pitchFamily="18" charset="-127"/>
-              <a:ea typeface="-윤고딕330" panose="02030504000101010101" pitchFamily="18" charset="-127"/>
-            </a:endParaRPr>
-          </a:p>
-        </p:txBody>
-      </p:sp>
-    </p:spTree>
-    <p:extLst>
-      <p:ext uri="{BB962C8B-B14F-4D97-AF65-F5344CB8AC3E}">
-        <p14:creationId xmlns:p14="http://schemas.microsoft.com/office/powerpoint/2010/main" val="1115920900"/>
-      </p:ext>
-    </p:extLst>
-  </p:cSld>
-  <p:clrMapOvr>
-    <a:masterClrMapping/>
-  </p:clrMapOvr>
-  <mc:AlternateContent xmlns:mc="http://schemas.openxmlformats.org/markup-compatibility/2006" xmlns:p14="http://schemas.microsoft.com/office/powerpoint/2010/main">
-    <mc:Choice Requires="p14">
-      <p:transition spd="med" p14:dur="700">
-        <p:fade/>
-      </p:transition>
-    </mc:Choice>
-    <mc:Fallback xmlns="">
-      <p:transition spd="med">
-        <p:fade/>
-      </p:transition>
-    </mc:Fallback>
-  </mc:AlternateContent>
-</p:sld>
-</file>
-
-<file path=ppt/slides/slide9.xml><?xml version="1.0" encoding="utf-8"?>
-<p:sld xmlns:a="http://schemas.openxmlformats.org/drawingml/2006/main" xmlns:r="http://schemas.openxmlformats.org/officeDocument/2006/relationships" xmlns:p="http://schemas.openxmlformats.org/presentationml/2006/main">
-  <p:cSld>
-    <p:spTree>
-      <p:nvGrpSpPr>
-        <p:cNvPr id="1" name=""/>
-        <p:cNvGrpSpPr/>
-        <p:nvPr/>
-      </p:nvGrpSpPr>
-      <p:grpSpPr>
-        <a:xfrm>
-          <a:off x="0" y="0"/>
-          <a:ext cx="0" cy="0"/>
-          <a:chOff x="0" y="0"/>
-          <a:chExt cx="0" cy="0"/>
-        </a:xfrm>
-      </p:grpSpPr>
-      <p:sp>
-        <p:nvSpPr>
-          <p:cNvPr id="2" name="직사각형 1"/>
-          <p:cNvSpPr/>
-          <p:nvPr/>
-        </p:nvSpPr>
-        <p:spPr>
-          <a:xfrm>
-            <a:off x="131501" y="80464"/>
-            <a:ext cx="11905323" cy="96011"/>
-          </a:xfrm>
-          <a:prstGeom prst="rect">
-            <a:avLst/>
-          </a:prstGeom>
-          <a:solidFill>
-            <a:schemeClr val="tx1">
-              <a:lumMod val="85000"/>
-              <a:lumOff val="15000"/>
-            </a:schemeClr>
-          </a:solidFill>
-          <a:ln>
-            <a:noFill/>
-          </a:ln>
-        </p:spPr>
-        <p:style>
-          <a:lnRef idx="2">
-            <a:schemeClr val="accent1">
-              <a:shade val="50000"/>
-            </a:schemeClr>
-          </a:lnRef>
-          <a:fillRef idx="1">
-            <a:schemeClr val="accent1"/>
-          </a:fillRef>
-          <a:effectRef idx="0">
-            <a:schemeClr val="accent1"/>
-          </a:effectRef>
-          <a:fontRef idx="minor">
-            <a:schemeClr val="lt1"/>
-          </a:fontRef>
-        </p:style>
-        <p:txBody>
-          <a:bodyPr rtlCol="0" anchor="ctr"/>
-          <a:lstStyle/>
-          <a:p>
-            <a:pPr algn="ctr"/>
-            <a:endParaRPr lang="ko-KR" altLang="en-US" sz="2400"/>
-          </a:p>
-        </p:txBody>
-      </p:sp>
-      <p:sp>
-        <p:nvSpPr>
-          <p:cNvPr id="3" name="직사각형 2"/>
-          <p:cNvSpPr/>
-          <p:nvPr/>
-        </p:nvSpPr>
-        <p:spPr>
-          <a:xfrm>
-            <a:off x="131501" y="225136"/>
-            <a:ext cx="2496276" cy="431393"/>
-          </a:xfrm>
-          <a:prstGeom prst="rect">
-            <a:avLst/>
-          </a:prstGeom>
-          <a:solidFill>
-            <a:schemeClr val="tx2">
-              <a:lumMod val="50000"/>
-            </a:schemeClr>
-          </a:solidFill>
-          <a:ln>
-            <a:noFill/>
-          </a:ln>
-        </p:spPr>
-        <p:style>
-          <a:lnRef idx="2">
-            <a:schemeClr val="accent1">
-              <a:shade val="50000"/>
-            </a:schemeClr>
-          </a:lnRef>
-          <a:fillRef idx="1">
-            <a:schemeClr val="accent1"/>
-          </a:fillRef>
-          <a:effectRef idx="0">
-            <a:schemeClr val="accent1"/>
-          </a:effectRef>
-          <a:fontRef idx="minor">
-            <a:schemeClr val="lt1"/>
-          </a:fontRef>
-        </p:style>
-        <p:txBody>
-          <a:bodyPr rtlCol="0" anchor="ctr"/>
-          <a:lstStyle/>
-          <a:p>
-            <a:pPr algn="ctr"/>
-            <a:endParaRPr lang="ko-KR" altLang="en-US" sz="2400"/>
-          </a:p>
-        </p:txBody>
-      </p:sp>
-      <p:sp>
-        <p:nvSpPr>
-          <p:cNvPr id="4" name="직각 삼각형 3"/>
-          <p:cNvSpPr/>
-          <p:nvPr/>
-        </p:nvSpPr>
-        <p:spPr>
-          <a:xfrm>
-            <a:off x="2627776" y="225133"/>
-            <a:ext cx="431395" cy="431395"/>
-          </a:xfrm>
-          <a:prstGeom prst="rtTriangle">
-            <a:avLst/>
-          </a:prstGeom>
-          <a:solidFill>
-            <a:schemeClr val="tx2">
-              <a:lumMod val="50000"/>
-            </a:schemeClr>
-          </a:solidFill>
-          <a:ln>
-            <a:noFill/>
-          </a:ln>
-        </p:spPr>
-        <p:style>
-          <a:lnRef idx="2">
-            <a:schemeClr val="accent1">
-              <a:shade val="50000"/>
-            </a:schemeClr>
-          </a:lnRef>
-          <a:fillRef idx="1">
-            <a:schemeClr val="accent1"/>
-          </a:fillRef>
-          <a:effectRef idx="0">
-            <a:schemeClr val="accent1"/>
-          </a:effectRef>
-          <a:fontRef idx="minor">
-            <a:schemeClr val="lt1"/>
-          </a:fontRef>
-        </p:style>
-        <p:txBody>
-          <a:bodyPr rtlCol="0" anchor="ctr"/>
-          <a:lstStyle/>
-          <a:p>
-            <a:pPr algn="ctr"/>
-            <a:endParaRPr lang="ko-KR" altLang="en-US" sz="2400"/>
-          </a:p>
-        </p:txBody>
-      </p:sp>
-      <p:grpSp>
-        <p:nvGrpSpPr>
-          <p:cNvPr id="5" name="그룹 4"/>
-          <p:cNvGrpSpPr/>
-          <p:nvPr/>
-        </p:nvGrpSpPr>
-        <p:grpSpPr>
-          <a:xfrm>
-            <a:off x="2688275" y="225128"/>
-            <a:ext cx="9348549" cy="431397"/>
-            <a:chOff x="2016206" y="168846"/>
-            <a:chExt cx="7011412" cy="323548"/>
-          </a:xfrm>
-        </p:grpSpPr>
-        <p:sp>
-          <p:nvSpPr>
-            <p:cNvPr id="6" name="직사각형 5"/>
-            <p:cNvSpPr/>
-            <p:nvPr/>
-          </p:nvSpPr>
-          <p:spPr>
-            <a:xfrm flipH="1" flipV="1">
-              <a:off x="2339752" y="168846"/>
-              <a:ext cx="6687866" cy="323545"/>
-            </a:xfrm>
-            <a:prstGeom prst="rect">
-              <a:avLst/>
-            </a:prstGeom>
-            <a:solidFill>
-              <a:schemeClr val="bg1">
-                <a:lumMod val="75000"/>
-              </a:schemeClr>
-            </a:solidFill>
-            <a:ln>
-              <a:noFill/>
-            </a:ln>
-          </p:spPr>
-          <p:style>
-            <a:lnRef idx="2">
-              <a:schemeClr val="accent1">
-                <a:shade val="50000"/>
-              </a:schemeClr>
-            </a:lnRef>
-            <a:fillRef idx="1">
-              <a:schemeClr val="accent1"/>
-            </a:fillRef>
-            <a:effectRef idx="0">
-              <a:schemeClr val="accent1"/>
-            </a:effectRef>
-            <a:fontRef idx="minor">
-              <a:schemeClr val="lt1"/>
-            </a:fontRef>
-          </p:style>
-          <p:txBody>
-            <a:bodyPr rtlCol="0" anchor="ctr"/>
-            <a:lstStyle/>
-            <a:p>
-              <a:pPr algn="ctr"/>
-              <a:endParaRPr lang="ko-KR" altLang="en-US" sz="2400"/>
-            </a:p>
-          </p:txBody>
-        </p:sp>
-        <p:sp>
-          <p:nvSpPr>
-            <p:cNvPr id="7" name="직각 삼각형 6"/>
-            <p:cNvSpPr/>
-            <p:nvPr/>
-          </p:nvSpPr>
-          <p:spPr>
-            <a:xfrm flipH="1" flipV="1">
-              <a:off x="2016206" y="168848"/>
-              <a:ext cx="323546" cy="323546"/>
-            </a:xfrm>
-            <a:prstGeom prst="rtTriangle">
-              <a:avLst/>
-            </a:prstGeom>
-            <a:solidFill>
-              <a:schemeClr val="bg1">
-                <a:lumMod val="75000"/>
-              </a:schemeClr>
-            </a:solidFill>
-            <a:ln>
-              <a:noFill/>
-            </a:ln>
-          </p:spPr>
-          <p:style>
-            <a:lnRef idx="2">
-              <a:schemeClr val="accent1">
-                <a:shade val="50000"/>
-              </a:schemeClr>
-            </a:lnRef>
-            <a:fillRef idx="1">
-              <a:schemeClr val="accent1"/>
-            </a:fillRef>
-            <a:effectRef idx="0">
-              <a:schemeClr val="accent1"/>
-            </a:effectRef>
-            <a:fontRef idx="minor">
-              <a:schemeClr val="lt1"/>
-            </a:fontRef>
-          </p:style>
-          <p:txBody>
-            <a:bodyPr rtlCol="0" anchor="ctr"/>
-            <a:lstStyle/>
-            <a:p>
-              <a:pPr algn="ctr"/>
-              <a:endParaRPr lang="ko-KR" altLang="en-US" sz="2400" dirty="0"/>
-            </a:p>
-          </p:txBody>
-        </p:sp>
-      </p:grpSp>
-      <p:sp>
-        <p:nvSpPr>
-          <p:cNvPr id="8" name="TextBox 7"/>
-          <p:cNvSpPr txBox="1"/>
-          <p:nvPr/>
-        </p:nvSpPr>
-        <p:spPr>
-          <a:xfrm>
-            <a:off x="251187" y="275359"/>
-            <a:ext cx="1824203" cy="338554"/>
-          </a:xfrm>
-          <a:prstGeom prst="rect">
-            <a:avLst/>
-          </a:prstGeom>
-          <a:noFill/>
-        </p:spPr>
-        <p:txBody>
-          <a:bodyPr wrap="square" rtlCol="0">
-            <a:spAutoFit/>
-          </a:bodyPr>
-          <a:lstStyle/>
-          <a:p>
-            <a:r>
-              <a:rPr lang="en-US" altLang="ko-KR" sz="1600" dirty="0">
-                <a:ln>
-                  <a:solidFill>
-                    <a:schemeClr val="bg1">
-                      <a:lumMod val="95000"/>
-                      <a:alpha val="10000"/>
-                    </a:schemeClr>
-                  </a:solidFill>
-                </a:ln>
-                <a:solidFill>
-                  <a:schemeClr val="bg1">
-                    <a:lumMod val="95000"/>
-                  </a:schemeClr>
-                </a:solidFill>
-                <a:latin typeface="-윤고딕330" pitchFamily="18" charset="-127"/>
-                <a:ea typeface="-윤고딕330" pitchFamily="18" charset="-127"/>
-              </a:rPr>
-              <a:t>R Package</a:t>
-            </a:r>
-          </a:p>
-        </p:txBody>
-      </p:sp>
-      <p:sp>
-        <p:nvSpPr>
-          <p:cNvPr id="10" name="직사각형 9"/>
-          <p:cNvSpPr/>
-          <p:nvPr/>
-        </p:nvSpPr>
-        <p:spPr>
-          <a:xfrm>
-            <a:off x="213903" y="264017"/>
-            <a:ext cx="67143" cy="340487"/>
-          </a:xfrm>
-          <a:prstGeom prst="rect">
-            <a:avLst/>
-          </a:prstGeom>
-          <a:solidFill>
-            <a:schemeClr val="accent1">
-              <a:lumMod val="20000"/>
-              <a:lumOff val="80000"/>
-            </a:schemeClr>
-          </a:solidFill>
-          <a:ln>
-            <a:noFill/>
-          </a:ln>
-        </p:spPr>
-        <p:style>
-          <a:lnRef idx="2">
-            <a:schemeClr val="accent1">
-              <a:shade val="50000"/>
-            </a:schemeClr>
-          </a:lnRef>
-          <a:fillRef idx="1">
-            <a:schemeClr val="accent1"/>
-          </a:fillRef>
-          <a:effectRef idx="0">
-            <a:schemeClr val="accent1"/>
-          </a:effectRef>
-          <a:fontRef idx="minor">
-            <a:schemeClr val="lt1"/>
-          </a:fontRef>
-        </p:style>
-        <p:txBody>
-          <a:bodyPr rtlCol="0" anchor="ctr"/>
-          <a:lstStyle/>
-          <a:p>
-            <a:pPr algn="ctr"/>
-            <a:endParaRPr lang="ko-KR" altLang="en-US" sz="2400"/>
-          </a:p>
-        </p:txBody>
-      </p:sp>
-      <p:sp>
-        <p:nvSpPr>
-          <p:cNvPr id="14" name="TextBox 13">
-            <a:extLst>
-              <a:ext uri="{FF2B5EF4-FFF2-40B4-BE49-F238E27FC236}">
-                <a16:creationId xmlns:a16="http://schemas.microsoft.com/office/drawing/2014/main" id="{876DB399-8879-4421-8CA8-FD74AEBD157F}"/>
-              </a:ext>
-            </a:extLst>
-          </p:cNvPr>
-          <p:cNvSpPr txBox="1"/>
-          <p:nvPr/>
-        </p:nvSpPr>
-        <p:spPr>
-          <a:xfrm>
-            <a:off x="992976" y="800657"/>
-            <a:ext cx="10191580" cy="1521955"/>
-          </a:xfrm>
-          <a:prstGeom prst="rect">
-            <a:avLst/>
-          </a:prstGeom>
-          <a:noFill/>
-        </p:spPr>
-        <p:txBody>
-          <a:bodyPr wrap="square">
-            <a:spAutoFit/>
-          </a:bodyPr>
-          <a:lstStyle/>
-          <a:p>
-            <a:pPr>
-              <a:lnSpc>
-                <a:spcPct val="150000"/>
-              </a:lnSpc>
-            </a:pPr>
-            <a:r>
-              <a:rPr lang="en-US" altLang="ko-KR" sz="2400" b="1" dirty="0">
-                <a:ln>
-                  <a:solidFill>
-                    <a:schemeClr val="tx1">
-                      <a:lumMod val="85000"/>
-                      <a:lumOff val="15000"/>
-                      <a:alpha val="0"/>
-                    </a:schemeClr>
-                  </a:solidFill>
-                </a:ln>
-                <a:solidFill>
-                  <a:schemeClr val="tx1">
-                    <a:lumMod val="85000"/>
-                    <a:lumOff val="15000"/>
-                  </a:schemeClr>
-                </a:solidFill>
-                <a:latin typeface="12롯데마트드림Medium"/>
-                <a:ea typeface="-윤고딕340" panose="02030504000101010101" pitchFamily="18" charset="-127"/>
-              </a:rPr>
-              <a:t>02 Univariate Normal</a:t>
-            </a:r>
-          </a:p>
-          <a:p>
-            <a:pPr>
-              <a:lnSpc>
-                <a:spcPct val="150000"/>
-              </a:lnSpc>
-            </a:pPr>
-            <a:r>
-              <a:rPr lang="en-US" altLang="ko-KR" sz="2000" dirty="0">
-                <a:ln>
-                  <a:solidFill>
-                    <a:schemeClr val="tx1">
-                      <a:lumMod val="85000"/>
-                      <a:lumOff val="15000"/>
-                      <a:alpha val="0"/>
-                    </a:schemeClr>
-                  </a:solidFill>
-                </a:ln>
-                <a:solidFill>
-                  <a:schemeClr val="tx1">
-                    <a:lumMod val="85000"/>
-                    <a:lumOff val="15000"/>
-                  </a:schemeClr>
-                </a:solidFill>
-                <a:latin typeface="12롯데마트드림Medium"/>
-                <a:ea typeface="-윤고딕340" panose="02030504000101010101" pitchFamily="18" charset="-127"/>
-              </a:rPr>
-              <a:t>    : p0=0.8</a:t>
-            </a:r>
-          </a:p>
-          <a:p>
-            <a:pPr>
-              <a:lnSpc>
-                <a:spcPct val="150000"/>
-              </a:lnSpc>
-            </a:pPr>
-            <a:r>
-              <a:rPr lang="en-US" altLang="ko-KR" sz="2000" dirty="0">
-                <a:ln>
-                  <a:solidFill>
-                    <a:schemeClr val="tx1">
-                      <a:lumMod val="85000"/>
-                      <a:lumOff val="15000"/>
-                      <a:alpha val="0"/>
-                    </a:schemeClr>
-                  </a:solidFill>
-                </a:ln>
-                <a:solidFill>
-                  <a:schemeClr val="tx1">
-                    <a:lumMod val="85000"/>
-                    <a:lumOff val="15000"/>
-                  </a:schemeClr>
-                </a:solidFill>
-                <a:latin typeface="12롯데마트드림Medium"/>
-                <a:ea typeface="-윤고딕340" panose="02030504000101010101" pitchFamily="18" charset="-127"/>
-              </a:rPr>
-              <a:t>     </a:t>
-            </a:r>
-          </a:p>
-        </p:txBody>
-      </p:sp>
-      <p:pic>
-        <p:nvPicPr>
-          <p:cNvPr id="12" name="그림 11">
-            <a:extLst>
-              <a:ext uri="{FF2B5EF4-FFF2-40B4-BE49-F238E27FC236}">
-                <a16:creationId xmlns:a16="http://schemas.microsoft.com/office/drawing/2014/main" id="{3F4484C6-0754-4A6C-AE48-0ED316ECF942}"/>
-              </a:ext>
-            </a:extLst>
-          </p:cNvPr>
-          <p:cNvPicPr>
-            <a:picLocks noChangeAspect="1"/>
-          </p:cNvPicPr>
-          <p:nvPr/>
-        </p:nvPicPr>
-        <p:blipFill>
-          <a:blip r:embed="rId3"/>
-          <a:stretch>
-            <a:fillRect/>
-          </a:stretch>
-        </p:blipFill>
-        <p:spPr>
-          <a:xfrm>
-            <a:off x="2296634" y="1748468"/>
-            <a:ext cx="7575056" cy="4884396"/>
-          </a:xfrm>
-          <a:prstGeom prst="rect">
-            <a:avLst/>
-          </a:prstGeom>
-        </p:spPr>
-      </p:pic>
-      <p:sp>
-        <p:nvSpPr>
-          <p:cNvPr id="13" name="TextBox 12">
-            <a:extLst>
-              <a:ext uri="{FF2B5EF4-FFF2-40B4-BE49-F238E27FC236}">
-                <a16:creationId xmlns:a16="http://schemas.microsoft.com/office/drawing/2014/main" id="{203BE361-33AD-44A8-8578-430E13B58DDC}"/>
-              </a:ext>
-            </a:extLst>
-          </p:cNvPr>
-          <p:cNvSpPr txBox="1"/>
-          <p:nvPr/>
-        </p:nvSpPr>
-        <p:spPr>
-          <a:xfrm>
-            <a:off x="9266554" y="272486"/>
-            <a:ext cx="3262161" cy="307777"/>
-          </a:xfrm>
-          <a:prstGeom prst="rect">
-            <a:avLst/>
-          </a:prstGeom>
-          <a:noFill/>
-        </p:spPr>
-        <p:txBody>
-          <a:bodyPr wrap="square" rtlCol="0">
-            <a:spAutoFit/>
-          </a:bodyPr>
-          <a:lstStyle/>
-          <a:p>
-            <a:r>
-              <a:rPr lang="en-US" altLang="ko-KR" sz="1400" dirty="0">
-                <a:ln>
-                  <a:solidFill>
-                    <a:schemeClr val="tx1">
-                      <a:lumMod val="75000"/>
-                      <a:lumOff val="25000"/>
-                      <a:alpha val="10000"/>
-                    </a:schemeClr>
-                  </a:solidFill>
-                </a:ln>
-                <a:solidFill>
-                  <a:schemeClr val="tx1">
-                    <a:lumMod val="75000"/>
-                    <a:lumOff val="25000"/>
-                  </a:schemeClr>
-                </a:solidFill>
-                <a:latin typeface="-윤고딕340" pitchFamily="18" charset="-127"/>
-                <a:ea typeface="-윤고딕340" pitchFamily="18" charset="-127"/>
-              </a:rPr>
-              <a:t>02. </a:t>
-            </a:r>
-            <a:r>
-              <a:rPr lang="en-US" altLang="ko-KR" sz="1400" dirty="0">
-                <a:ln>
-                  <a:solidFill>
-                    <a:schemeClr val="tx1">
-                      <a:lumMod val="85000"/>
-                      <a:lumOff val="15000"/>
-                      <a:alpha val="0"/>
-                    </a:schemeClr>
-                  </a:solidFill>
-                </a:ln>
-                <a:solidFill>
-                  <a:schemeClr val="tx1">
-                    <a:lumMod val="85000"/>
-                    <a:lumOff val="15000"/>
-                  </a:schemeClr>
-                </a:solidFill>
-                <a:latin typeface="-윤고딕340" panose="02030504000101010101" pitchFamily="18" charset="-127"/>
-                <a:ea typeface="-윤고딕340" panose="02030504000101010101" pitchFamily="18" charset="-127"/>
-              </a:rPr>
-              <a:t>Test Case</a:t>
-            </a:r>
-            <a:endParaRPr lang="ko-KR" altLang="en-US" sz="1400" dirty="0">
-              <a:ln>
-                <a:solidFill>
-                  <a:schemeClr val="tx1">
-                    <a:lumMod val="65000"/>
-                    <a:lumOff val="35000"/>
-                    <a:alpha val="10000"/>
-                  </a:schemeClr>
-                </a:solidFill>
-              </a:ln>
-              <a:solidFill>
-                <a:schemeClr val="tx1">
-                  <a:lumMod val="65000"/>
-                  <a:lumOff val="35000"/>
-                </a:schemeClr>
-              </a:solidFill>
-              <a:latin typeface="-윤고딕330" panose="02030504000101010101" pitchFamily="18" charset="-127"/>
-              <a:ea typeface="-윤고딕330" panose="02030504000101010101" pitchFamily="18" charset="-127"/>
-            </a:endParaRPr>
-          </a:p>
-        </p:txBody>
-      </p:sp>
-    </p:spTree>
-    <p:extLst>
-      <p:ext uri="{BB962C8B-B14F-4D97-AF65-F5344CB8AC3E}">
-        <p14:creationId xmlns:p14="http://schemas.microsoft.com/office/powerpoint/2010/main" val="2648415196"/>
+        <p14:creationId xmlns:p14="http://schemas.microsoft.com/office/powerpoint/2010/main" val="3055453192"/>
       </p:ext>
     </p:extLst>
   </p:cSld>
